--- a/Dados.pptx
+++ b/Dados.pptx
@@ -5,7 +5,8 @@
     <p:sldMasterId id="2147483648" r:id="rId1"/>
   </p:sldMasterIdLst>
   <p:sldIdLst>
-    <p:sldId id="256" r:id="rId2"/>
+    <p:sldId id="257" r:id="rId2"/>
+    <p:sldId id="256" r:id="rId3"/>
   </p:sldIdLst>
   <p:sldSz cx="12192000" cy="6858000"/>
   <p:notesSz cx="6858000" cy="9144000"/>
@@ -104,10 +105,822 @@
       </a:defRPr>
     </a:lvl9pPr>
   </p:defaultTextStyle>
+  <p:extLst>
+    <p:ext uri="{EFAFB233-063F-42B5-8137-9DF3F51BA10A}">
+      <p15:sldGuideLst xmlns:p15="http://schemas.microsoft.com/office/powerpoint/2012/main"/>
+    </p:ext>
+  </p:extLst>
 </p:presentation>
 </file>
 
 <file path=ppt/diagrams/colors1.xml><?xml version="1.0" encoding="utf-8"?>
+<dgm:colorsDef xmlns:dgm="http://schemas.openxmlformats.org/drawingml/2006/diagram" xmlns:a="http://schemas.openxmlformats.org/drawingml/2006/main" uniqueId="urn:microsoft.com/office/officeart/2005/8/colors/accent0_1">
+  <dgm:title val=""/>
+  <dgm:desc val=""/>
+  <dgm:catLst>
+    <dgm:cat type="mainScheme" pri="10100"/>
+  </dgm:catLst>
+  <dgm:styleLbl name="node0">
+    <dgm:fillClrLst meth="repeat">
+      <a:schemeClr val="lt1"/>
+    </dgm:fillClrLst>
+    <dgm:linClrLst meth="repeat">
+      <a:schemeClr val="dk1">
+        <a:shade val="80000"/>
+      </a:schemeClr>
+    </dgm:linClrLst>
+    <dgm:effectClrLst/>
+    <dgm:txLinClrLst/>
+    <dgm:txFillClrLst meth="repeat">
+      <a:schemeClr val="dk1"/>
+    </dgm:txFillClrLst>
+    <dgm:txEffectClrLst/>
+  </dgm:styleLbl>
+  <dgm:styleLbl name="node1">
+    <dgm:fillClrLst meth="repeat">
+      <a:schemeClr val="lt1"/>
+    </dgm:fillClrLst>
+    <dgm:linClrLst meth="repeat">
+      <a:schemeClr val="dk1">
+        <a:shade val="80000"/>
+      </a:schemeClr>
+    </dgm:linClrLst>
+    <dgm:effectClrLst/>
+    <dgm:txLinClrLst/>
+    <dgm:txFillClrLst meth="repeat">
+      <a:schemeClr val="dk1"/>
+    </dgm:txFillClrLst>
+    <dgm:txEffectClrLst/>
+  </dgm:styleLbl>
+  <dgm:styleLbl name="alignNode1">
+    <dgm:fillClrLst meth="repeat">
+      <a:schemeClr val="lt1"/>
+    </dgm:fillClrLst>
+    <dgm:linClrLst meth="repeat">
+      <a:schemeClr val="dk1">
+        <a:shade val="80000"/>
+      </a:schemeClr>
+    </dgm:linClrLst>
+    <dgm:effectClrLst/>
+    <dgm:txLinClrLst/>
+    <dgm:txFillClrLst meth="repeat">
+      <a:schemeClr val="dk1"/>
+    </dgm:txFillClrLst>
+    <dgm:txEffectClrLst/>
+  </dgm:styleLbl>
+  <dgm:styleLbl name="lnNode1">
+    <dgm:fillClrLst meth="repeat">
+      <a:schemeClr val="lt1"/>
+    </dgm:fillClrLst>
+    <dgm:linClrLst meth="repeat">
+      <a:schemeClr val="dk1">
+        <a:shade val="80000"/>
+      </a:schemeClr>
+    </dgm:linClrLst>
+    <dgm:effectClrLst/>
+    <dgm:txLinClrLst/>
+    <dgm:txFillClrLst meth="repeat">
+      <a:schemeClr val="dk1"/>
+    </dgm:txFillClrLst>
+    <dgm:txEffectClrLst/>
+  </dgm:styleLbl>
+  <dgm:styleLbl name="vennNode1">
+    <dgm:fillClrLst meth="repeat">
+      <a:schemeClr val="lt1">
+        <a:alpha val="50000"/>
+      </a:schemeClr>
+    </dgm:fillClrLst>
+    <dgm:linClrLst meth="repeat">
+      <a:schemeClr val="dk1">
+        <a:shade val="80000"/>
+      </a:schemeClr>
+    </dgm:linClrLst>
+    <dgm:effectClrLst/>
+    <dgm:txLinClrLst/>
+    <dgm:txFillClrLst/>
+    <dgm:txEffectClrLst/>
+  </dgm:styleLbl>
+  <dgm:styleLbl name="node2">
+    <dgm:fillClrLst meth="repeat">
+      <a:schemeClr val="lt1"/>
+    </dgm:fillClrLst>
+    <dgm:linClrLst meth="repeat">
+      <a:schemeClr val="dk1">
+        <a:shade val="80000"/>
+      </a:schemeClr>
+    </dgm:linClrLst>
+    <dgm:effectClrLst/>
+    <dgm:txLinClrLst/>
+    <dgm:txFillClrLst meth="repeat">
+      <a:schemeClr val="dk1"/>
+    </dgm:txFillClrLst>
+    <dgm:txEffectClrLst/>
+  </dgm:styleLbl>
+  <dgm:styleLbl name="node3">
+    <dgm:fillClrLst meth="repeat">
+      <a:schemeClr val="lt1"/>
+    </dgm:fillClrLst>
+    <dgm:linClrLst meth="repeat">
+      <a:schemeClr val="dk1">
+        <a:shade val="80000"/>
+      </a:schemeClr>
+    </dgm:linClrLst>
+    <dgm:effectClrLst/>
+    <dgm:txLinClrLst/>
+    <dgm:txFillClrLst meth="repeat">
+      <a:schemeClr val="dk1"/>
+    </dgm:txFillClrLst>
+    <dgm:txEffectClrLst/>
+  </dgm:styleLbl>
+  <dgm:styleLbl name="node4">
+    <dgm:fillClrLst meth="repeat">
+      <a:schemeClr val="lt1"/>
+    </dgm:fillClrLst>
+    <dgm:linClrLst meth="repeat">
+      <a:schemeClr val="dk1">
+        <a:shade val="80000"/>
+      </a:schemeClr>
+    </dgm:linClrLst>
+    <dgm:effectClrLst/>
+    <dgm:txLinClrLst/>
+    <dgm:txFillClrLst meth="repeat">
+      <a:schemeClr val="dk1"/>
+    </dgm:txFillClrLst>
+    <dgm:txEffectClrLst/>
+  </dgm:styleLbl>
+  <dgm:styleLbl name="fgImgPlace1">
+    <dgm:fillClrLst meth="repeat">
+      <a:schemeClr val="dk1">
+        <a:tint val="40000"/>
+      </a:schemeClr>
+    </dgm:fillClrLst>
+    <dgm:linClrLst meth="repeat">
+      <a:schemeClr val="dk1">
+        <a:shade val="80000"/>
+      </a:schemeClr>
+    </dgm:linClrLst>
+    <dgm:effectClrLst/>
+    <dgm:txLinClrLst/>
+    <dgm:txFillClrLst meth="repeat">
+      <a:schemeClr val="lt1"/>
+    </dgm:txFillClrLst>
+    <dgm:txEffectClrLst/>
+  </dgm:styleLbl>
+  <dgm:styleLbl name="alignImgPlace1">
+    <dgm:fillClrLst meth="repeat">
+      <a:schemeClr val="dk1">
+        <a:tint val="40000"/>
+      </a:schemeClr>
+    </dgm:fillClrLst>
+    <dgm:linClrLst meth="repeat">
+      <a:schemeClr val="dk1">
+        <a:shade val="80000"/>
+      </a:schemeClr>
+    </dgm:linClrLst>
+    <dgm:effectClrLst/>
+    <dgm:txLinClrLst/>
+    <dgm:txFillClrLst meth="repeat">
+      <a:schemeClr val="lt1"/>
+    </dgm:txFillClrLst>
+    <dgm:txEffectClrLst/>
+  </dgm:styleLbl>
+  <dgm:styleLbl name="bgImgPlace1">
+    <dgm:fillClrLst meth="repeat">
+      <a:schemeClr val="dk1">
+        <a:tint val="40000"/>
+      </a:schemeClr>
+    </dgm:fillClrLst>
+    <dgm:linClrLst meth="repeat">
+      <a:schemeClr val="dk1">
+        <a:shade val="80000"/>
+      </a:schemeClr>
+    </dgm:linClrLst>
+    <dgm:effectClrLst/>
+    <dgm:txLinClrLst/>
+    <dgm:txFillClrLst meth="repeat">
+      <a:schemeClr val="lt1"/>
+    </dgm:txFillClrLst>
+    <dgm:txEffectClrLst/>
+  </dgm:styleLbl>
+  <dgm:styleLbl name="sibTrans2D1">
+    <dgm:fillClrLst meth="repeat">
+      <a:schemeClr val="dk1">
+        <a:tint val="60000"/>
+      </a:schemeClr>
+    </dgm:fillClrLst>
+    <dgm:linClrLst meth="repeat">
+      <a:schemeClr val="dk1">
+        <a:tint val="60000"/>
+      </a:schemeClr>
+    </dgm:linClrLst>
+    <dgm:effectClrLst/>
+    <dgm:txLinClrLst/>
+    <dgm:txFillClrLst meth="repeat">
+      <a:schemeClr val="dk1"/>
+    </dgm:txFillClrLst>
+    <dgm:txEffectClrLst/>
+  </dgm:styleLbl>
+  <dgm:styleLbl name="fgSibTrans2D1">
+    <dgm:fillClrLst meth="repeat">
+      <a:schemeClr val="dk1">
+        <a:tint val="60000"/>
+      </a:schemeClr>
+    </dgm:fillClrLst>
+    <dgm:linClrLst meth="repeat">
+      <a:schemeClr val="dk1">
+        <a:tint val="60000"/>
+      </a:schemeClr>
+    </dgm:linClrLst>
+    <dgm:effectClrLst/>
+    <dgm:txLinClrLst/>
+    <dgm:txFillClrLst meth="repeat">
+      <a:schemeClr val="dk1"/>
+    </dgm:txFillClrLst>
+    <dgm:txEffectClrLst/>
+  </dgm:styleLbl>
+  <dgm:styleLbl name="bgSibTrans2D1">
+    <dgm:fillClrLst meth="repeat">
+      <a:schemeClr val="dk1">
+        <a:tint val="60000"/>
+      </a:schemeClr>
+    </dgm:fillClrLst>
+    <dgm:linClrLst meth="repeat">
+      <a:schemeClr val="dk1">
+        <a:tint val="60000"/>
+      </a:schemeClr>
+    </dgm:linClrLst>
+    <dgm:effectClrLst/>
+    <dgm:txLinClrLst/>
+    <dgm:txFillClrLst meth="repeat">
+      <a:schemeClr val="dk1"/>
+    </dgm:txFillClrLst>
+    <dgm:txEffectClrLst/>
+  </dgm:styleLbl>
+  <dgm:styleLbl name="sibTrans1D1">
+    <dgm:fillClrLst meth="repeat">
+      <a:schemeClr val="dk1"/>
+    </dgm:fillClrLst>
+    <dgm:linClrLst meth="repeat">
+      <a:schemeClr val="dk1"/>
+    </dgm:linClrLst>
+    <dgm:effectClrLst/>
+    <dgm:txLinClrLst/>
+    <dgm:txFillClrLst meth="repeat">
+      <a:schemeClr val="tx1"/>
+    </dgm:txFillClrLst>
+    <dgm:txEffectClrLst/>
+  </dgm:styleLbl>
+  <dgm:styleLbl name="callout">
+    <dgm:fillClrLst meth="repeat">
+      <a:schemeClr val="dk1"/>
+    </dgm:fillClrLst>
+    <dgm:linClrLst meth="repeat">
+      <a:schemeClr val="dk1"/>
+    </dgm:linClrLst>
+    <dgm:effectClrLst/>
+    <dgm:txLinClrLst/>
+    <dgm:txFillClrLst meth="repeat">
+      <a:schemeClr val="tx1"/>
+    </dgm:txFillClrLst>
+    <dgm:txEffectClrLst/>
+  </dgm:styleLbl>
+  <dgm:styleLbl name="asst0">
+    <dgm:fillClrLst meth="repeat">
+      <a:schemeClr val="lt1"/>
+    </dgm:fillClrLst>
+    <dgm:linClrLst meth="repeat">
+      <a:schemeClr val="dk1">
+        <a:shade val="80000"/>
+      </a:schemeClr>
+    </dgm:linClrLst>
+    <dgm:effectClrLst/>
+    <dgm:txLinClrLst/>
+    <dgm:txFillClrLst meth="repeat">
+      <a:schemeClr val="dk1"/>
+    </dgm:txFillClrLst>
+    <dgm:txEffectClrLst/>
+  </dgm:styleLbl>
+  <dgm:styleLbl name="asst1">
+    <dgm:fillClrLst meth="repeat">
+      <a:schemeClr val="lt1"/>
+    </dgm:fillClrLst>
+    <dgm:linClrLst meth="repeat">
+      <a:schemeClr val="dk1">
+        <a:shade val="80000"/>
+      </a:schemeClr>
+    </dgm:linClrLst>
+    <dgm:effectClrLst/>
+    <dgm:txLinClrLst/>
+    <dgm:txFillClrLst meth="repeat">
+      <a:schemeClr val="dk1"/>
+    </dgm:txFillClrLst>
+    <dgm:txEffectClrLst/>
+  </dgm:styleLbl>
+  <dgm:styleLbl name="asst2">
+    <dgm:fillClrLst meth="repeat">
+      <a:schemeClr val="lt1"/>
+    </dgm:fillClrLst>
+    <dgm:linClrLst meth="repeat">
+      <a:schemeClr val="dk1">
+        <a:shade val="80000"/>
+      </a:schemeClr>
+    </dgm:linClrLst>
+    <dgm:effectClrLst/>
+    <dgm:txLinClrLst/>
+    <dgm:txFillClrLst meth="repeat">
+      <a:schemeClr val="dk1"/>
+    </dgm:txFillClrLst>
+    <dgm:txEffectClrLst/>
+  </dgm:styleLbl>
+  <dgm:styleLbl name="asst3">
+    <dgm:fillClrLst meth="repeat">
+      <a:schemeClr val="lt1"/>
+    </dgm:fillClrLst>
+    <dgm:linClrLst meth="repeat">
+      <a:schemeClr val="dk1">
+        <a:shade val="80000"/>
+      </a:schemeClr>
+    </dgm:linClrLst>
+    <dgm:effectClrLst/>
+    <dgm:txLinClrLst/>
+    <dgm:txFillClrLst meth="repeat">
+      <a:schemeClr val="dk1"/>
+    </dgm:txFillClrLst>
+    <dgm:txEffectClrLst/>
+  </dgm:styleLbl>
+  <dgm:styleLbl name="asst4">
+    <dgm:fillClrLst meth="repeat">
+      <a:schemeClr val="lt1"/>
+    </dgm:fillClrLst>
+    <dgm:linClrLst meth="repeat">
+      <a:schemeClr val="dk1">
+        <a:shade val="80000"/>
+      </a:schemeClr>
+    </dgm:linClrLst>
+    <dgm:effectClrLst/>
+    <dgm:txLinClrLst/>
+    <dgm:txFillClrLst meth="repeat">
+      <a:schemeClr val="dk1"/>
+    </dgm:txFillClrLst>
+    <dgm:txEffectClrLst/>
+  </dgm:styleLbl>
+  <dgm:styleLbl name="parChTrans2D1">
+    <dgm:fillClrLst meth="repeat">
+      <a:schemeClr val="dk1">
+        <a:tint val="60000"/>
+      </a:schemeClr>
+    </dgm:fillClrLst>
+    <dgm:linClrLst meth="repeat">
+      <a:schemeClr val="dk1">
+        <a:tint val="60000"/>
+      </a:schemeClr>
+    </dgm:linClrLst>
+    <dgm:effectClrLst/>
+    <dgm:txLinClrLst/>
+    <dgm:txFillClrLst/>
+    <dgm:txEffectClrLst/>
+  </dgm:styleLbl>
+  <dgm:styleLbl name="parChTrans2D2">
+    <dgm:fillClrLst meth="repeat">
+      <a:schemeClr val="dk1"/>
+    </dgm:fillClrLst>
+    <dgm:linClrLst meth="repeat">
+      <a:schemeClr val="dk1"/>
+    </dgm:linClrLst>
+    <dgm:effectClrLst/>
+    <dgm:txLinClrLst/>
+    <dgm:txFillClrLst/>
+    <dgm:txEffectClrLst/>
+  </dgm:styleLbl>
+  <dgm:styleLbl name="parChTrans2D3">
+    <dgm:fillClrLst meth="repeat">
+      <a:schemeClr val="dk1"/>
+    </dgm:fillClrLst>
+    <dgm:linClrLst meth="repeat">
+      <a:schemeClr val="dk1"/>
+    </dgm:linClrLst>
+    <dgm:effectClrLst/>
+    <dgm:txLinClrLst/>
+    <dgm:txFillClrLst/>
+    <dgm:txEffectClrLst/>
+  </dgm:styleLbl>
+  <dgm:styleLbl name="parChTrans2D4">
+    <dgm:fillClrLst meth="repeat">
+      <a:schemeClr val="dk1"/>
+    </dgm:fillClrLst>
+    <dgm:linClrLst meth="repeat">
+      <a:schemeClr val="dk1"/>
+    </dgm:linClrLst>
+    <dgm:effectClrLst/>
+    <dgm:txLinClrLst/>
+    <dgm:txFillClrLst meth="repeat">
+      <a:schemeClr val="lt1"/>
+    </dgm:txFillClrLst>
+    <dgm:txEffectClrLst/>
+  </dgm:styleLbl>
+  <dgm:styleLbl name="parChTrans1D1">
+    <dgm:fillClrLst meth="repeat">
+      <a:schemeClr val="dk1"/>
+    </dgm:fillClrLst>
+    <dgm:linClrLst meth="repeat">
+      <a:schemeClr val="dk1">
+        <a:shade val="60000"/>
+      </a:schemeClr>
+    </dgm:linClrLst>
+    <dgm:effectClrLst/>
+    <dgm:txLinClrLst/>
+    <dgm:txFillClrLst meth="repeat">
+      <a:schemeClr val="tx1"/>
+    </dgm:txFillClrLst>
+    <dgm:txEffectClrLst/>
+  </dgm:styleLbl>
+  <dgm:styleLbl name="parChTrans1D2">
+    <dgm:fillClrLst meth="repeat">
+      <a:schemeClr val="dk1"/>
+    </dgm:fillClrLst>
+    <dgm:linClrLst meth="repeat">
+      <a:schemeClr val="dk1">
+        <a:shade val="60000"/>
+      </a:schemeClr>
+    </dgm:linClrLst>
+    <dgm:effectClrLst/>
+    <dgm:txLinClrLst/>
+    <dgm:txFillClrLst meth="repeat">
+      <a:schemeClr val="tx1"/>
+    </dgm:txFillClrLst>
+    <dgm:txEffectClrLst/>
+  </dgm:styleLbl>
+  <dgm:styleLbl name="parChTrans1D3">
+    <dgm:fillClrLst meth="repeat">
+      <a:schemeClr val="dk1"/>
+    </dgm:fillClrLst>
+    <dgm:linClrLst meth="repeat">
+      <a:schemeClr val="dk1">
+        <a:shade val="80000"/>
+      </a:schemeClr>
+    </dgm:linClrLst>
+    <dgm:effectClrLst/>
+    <dgm:txLinClrLst/>
+    <dgm:txFillClrLst meth="repeat">
+      <a:schemeClr val="tx1"/>
+    </dgm:txFillClrLst>
+    <dgm:txEffectClrLst/>
+  </dgm:styleLbl>
+  <dgm:styleLbl name="parChTrans1D4">
+    <dgm:fillClrLst meth="repeat">
+      <a:schemeClr val="dk1"/>
+    </dgm:fillClrLst>
+    <dgm:linClrLst meth="repeat">
+      <a:schemeClr val="dk1">
+        <a:shade val="80000"/>
+      </a:schemeClr>
+    </dgm:linClrLst>
+    <dgm:effectClrLst/>
+    <dgm:txLinClrLst/>
+    <dgm:txFillClrLst meth="repeat">
+      <a:schemeClr val="tx1"/>
+    </dgm:txFillClrLst>
+    <dgm:txEffectClrLst/>
+  </dgm:styleLbl>
+  <dgm:styleLbl name="fgAcc1">
+    <dgm:fillClrLst meth="repeat">
+      <a:schemeClr val="dk1">
+        <a:alpha val="90000"/>
+        <a:tint val="40000"/>
+      </a:schemeClr>
+    </dgm:fillClrLst>
+    <dgm:linClrLst meth="repeat">
+      <a:schemeClr val="dk1"/>
+    </dgm:linClrLst>
+    <dgm:effectClrLst/>
+    <dgm:txLinClrLst/>
+    <dgm:txFillClrLst meth="repeat">
+      <a:schemeClr val="dk1"/>
+    </dgm:txFillClrLst>
+    <dgm:txEffectClrLst/>
+  </dgm:styleLbl>
+  <dgm:styleLbl name="conFgAcc1">
+    <dgm:fillClrLst meth="repeat">
+      <a:schemeClr val="dk1">
+        <a:alpha val="90000"/>
+        <a:tint val="40000"/>
+      </a:schemeClr>
+    </dgm:fillClrLst>
+    <dgm:linClrLst meth="repeat">
+      <a:schemeClr val="dk1"/>
+    </dgm:linClrLst>
+    <dgm:effectClrLst/>
+    <dgm:txLinClrLst/>
+    <dgm:txFillClrLst meth="repeat">
+      <a:schemeClr val="dk1"/>
+    </dgm:txFillClrLst>
+    <dgm:txEffectClrLst/>
+  </dgm:styleLbl>
+  <dgm:styleLbl name="alignAcc1">
+    <dgm:fillClrLst meth="repeat">
+      <a:schemeClr val="dk1">
+        <a:alpha val="90000"/>
+        <a:tint val="40000"/>
+      </a:schemeClr>
+    </dgm:fillClrLst>
+    <dgm:linClrLst meth="repeat">
+      <a:schemeClr val="dk1"/>
+    </dgm:linClrLst>
+    <dgm:effectClrLst/>
+    <dgm:txLinClrLst/>
+    <dgm:txFillClrLst meth="repeat">
+      <a:schemeClr val="dk1"/>
+    </dgm:txFillClrLst>
+    <dgm:txEffectClrLst/>
+  </dgm:styleLbl>
+  <dgm:styleLbl name="trAlignAcc1">
+    <dgm:fillClrLst meth="repeat">
+      <a:schemeClr val="dk1">
+        <a:alpha val="40000"/>
+        <a:tint val="40000"/>
+      </a:schemeClr>
+    </dgm:fillClrLst>
+    <dgm:linClrLst meth="repeat">
+      <a:schemeClr val="dk1"/>
+    </dgm:linClrLst>
+    <dgm:effectClrLst/>
+    <dgm:txLinClrLst/>
+    <dgm:txFillClrLst meth="repeat">
+      <a:schemeClr val="dk1"/>
+    </dgm:txFillClrLst>
+    <dgm:txEffectClrLst/>
+  </dgm:styleLbl>
+  <dgm:styleLbl name="bgAcc1">
+    <dgm:fillClrLst meth="repeat">
+      <a:schemeClr val="dk1">
+        <a:alpha val="90000"/>
+        <a:tint val="40000"/>
+      </a:schemeClr>
+    </dgm:fillClrLst>
+    <dgm:linClrLst meth="repeat">
+      <a:schemeClr val="dk1"/>
+    </dgm:linClrLst>
+    <dgm:effectClrLst/>
+    <dgm:txLinClrLst/>
+    <dgm:txFillClrLst meth="repeat">
+      <a:schemeClr val="dk1"/>
+    </dgm:txFillClrLst>
+    <dgm:txEffectClrLst/>
+  </dgm:styleLbl>
+  <dgm:styleLbl name="solidFgAcc1">
+    <dgm:fillClrLst meth="repeat">
+      <a:schemeClr val="lt1"/>
+    </dgm:fillClrLst>
+    <dgm:linClrLst meth="repeat">
+      <a:schemeClr val="dk1"/>
+    </dgm:linClrLst>
+    <dgm:effectClrLst/>
+    <dgm:txLinClrLst/>
+    <dgm:txFillClrLst meth="repeat">
+      <a:schemeClr val="dk1"/>
+    </dgm:txFillClrLst>
+    <dgm:txEffectClrLst/>
+  </dgm:styleLbl>
+  <dgm:styleLbl name="solidAlignAcc1">
+    <dgm:fillClrLst meth="repeat">
+      <a:schemeClr val="lt1"/>
+    </dgm:fillClrLst>
+    <dgm:linClrLst meth="repeat">
+      <a:schemeClr val="dk1"/>
+    </dgm:linClrLst>
+    <dgm:effectClrLst/>
+    <dgm:txLinClrLst/>
+    <dgm:txFillClrLst meth="repeat">
+      <a:schemeClr val="dk1"/>
+    </dgm:txFillClrLst>
+    <dgm:txEffectClrLst/>
+  </dgm:styleLbl>
+  <dgm:styleLbl name="solidBgAcc1">
+    <dgm:fillClrLst meth="repeat">
+      <a:schemeClr val="lt1"/>
+    </dgm:fillClrLst>
+    <dgm:linClrLst meth="repeat">
+      <a:schemeClr val="dk1"/>
+    </dgm:linClrLst>
+    <dgm:effectClrLst/>
+    <dgm:txLinClrLst/>
+    <dgm:txFillClrLst meth="repeat">
+      <a:schemeClr val="dk1"/>
+    </dgm:txFillClrLst>
+    <dgm:txEffectClrLst/>
+  </dgm:styleLbl>
+  <dgm:styleLbl name="fgAccFollowNode1">
+    <dgm:fillClrLst meth="repeat">
+      <a:schemeClr val="lt1">
+        <a:alpha val="90000"/>
+        <a:tint val="40000"/>
+      </a:schemeClr>
+    </dgm:fillClrLst>
+    <dgm:linClrLst meth="repeat">
+      <a:schemeClr val="dk1">
+        <a:alpha val="90000"/>
+      </a:schemeClr>
+    </dgm:linClrLst>
+    <dgm:effectClrLst/>
+    <dgm:txLinClrLst/>
+    <dgm:txFillClrLst meth="repeat">
+      <a:schemeClr val="dk1"/>
+    </dgm:txFillClrLst>
+    <dgm:txEffectClrLst/>
+  </dgm:styleLbl>
+  <dgm:styleLbl name="alignAccFollowNode1">
+    <dgm:fillClrLst meth="repeat">
+      <a:schemeClr val="lt1">
+        <a:alpha val="90000"/>
+        <a:tint val="40000"/>
+      </a:schemeClr>
+    </dgm:fillClrLst>
+    <dgm:linClrLst meth="repeat">
+      <a:schemeClr val="dk1">
+        <a:alpha val="90000"/>
+      </a:schemeClr>
+    </dgm:linClrLst>
+    <dgm:effectClrLst/>
+    <dgm:txLinClrLst/>
+    <dgm:txFillClrLst meth="repeat">
+      <a:schemeClr val="dk1"/>
+    </dgm:txFillClrLst>
+    <dgm:txEffectClrLst/>
+  </dgm:styleLbl>
+  <dgm:styleLbl name="bgAccFollowNode1">
+    <dgm:fillClrLst meth="repeat">
+      <a:schemeClr val="lt1">
+        <a:alpha val="90000"/>
+        <a:tint val="40000"/>
+      </a:schemeClr>
+    </dgm:fillClrLst>
+    <dgm:linClrLst meth="repeat">
+      <a:schemeClr val="dk1">
+        <a:alpha val="90000"/>
+      </a:schemeClr>
+    </dgm:linClrLst>
+    <dgm:effectClrLst/>
+    <dgm:txLinClrLst/>
+    <dgm:txFillClrLst meth="repeat">
+      <a:schemeClr val="dk1"/>
+    </dgm:txFillClrLst>
+    <dgm:txEffectClrLst/>
+  </dgm:styleLbl>
+  <dgm:styleLbl name="fgAcc0">
+    <dgm:fillClrLst meth="repeat">
+      <a:schemeClr val="dk1">
+        <a:alpha val="90000"/>
+        <a:tint val="40000"/>
+      </a:schemeClr>
+    </dgm:fillClrLst>
+    <dgm:linClrLst meth="repeat">
+      <a:schemeClr val="dk1"/>
+    </dgm:linClrLst>
+    <dgm:effectClrLst/>
+    <dgm:txLinClrLst/>
+    <dgm:txFillClrLst meth="repeat">
+      <a:schemeClr val="dk1"/>
+    </dgm:txFillClrLst>
+    <dgm:txEffectClrLst/>
+  </dgm:styleLbl>
+  <dgm:styleLbl name="fgAcc2">
+    <dgm:fillClrLst meth="repeat">
+      <a:schemeClr val="dk1">
+        <a:alpha val="90000"/>
+        <a:tint val="40000"/>
+      </a:schemeClr>
+    </dgm:fillClrLst>
+    <dgm:linClrLst meth="repeat">
+      <a:schemeClr val="dk1"/>
+    </dgm:linClrLst>
+    <dgm:effectClrLst/>
+    <dgm:txLinClrLst/>
+    <dgm:txFillClrLst meth="repeat">
+      <a:schemeClr val="dk1"/>
+    </dgm:txFillClrLst>
+    <dgm:txEffectClrLst/>
+  </dgm:styleLbl>
+  <dgm:styleLbl name="fgAcc3">
+    <dgm:fillClrLst meth="repeat">
+      <a:schemeClr val="dk1">
+        <a:alpha val="90000"/>
+        <a:tint val="40000"/>
+      </a:schemeClr>
+    </dgm:fillClrLst>
+    <dgm:linClrLst meth="repeat">
+      <a:schemeClr val="dk1"/>
+    </dgm:linClrLst>
+    <dgm:effectClrLst/>
+    <dgm:txLinClrLst/>
+    <dgm:txFillClrLst meth="repeat">
+      <a:schemeClr val="dk1"/>
+    </dgm:txFillClrLst>
+    <dgm:txEffectClrLst/>
+  </dgm:styleLbl>
+  <dgm:styleLbl name="fgAcc4">
+    <dgm:fillClrLst meth="repeat">
+      <a:schemeClr val="dk1">
+        <a:alpha val="90000"/>
+        <a:tint val="40000"/>
+      </a:schemeClr>
+    </dgm:fillClrLst>
+    <dgm:linClrLst meth="repeat">
+      <a:schemeClr val="dk1"/>
+    </dgm:linClrLst>
+    <dgm:effectClrLst/>
+    <dgm:txLinClrLst/>
+    <dgm:txFillClrLst meth="repeat">
+      <a:schemeClr val="dk1"/>
+    </dgm:txFillClrLst>
+    <dgm:txEffectClrLst/>
+  </dgm:styleLbl>
+  <dgm:styleLbl name="bgShp">
+    <dgm:fillClrLst meth="repeat">
+      <a:schemeClr val="dk1">
+        <a:tint val="40000"/>
+      </a:schemeClr>
+    </dgm:fillClrLst>
+    <dgm:linClrLst meth="repeat">
+      <a:schemeClr val="dk1"/>
+    </dgm:linClrLst>
+    <dgm:effectClrLst/>
+    <dgm:txLinClrLst/>
+    <dgm:txFillClrLst meth="repeat">
+      <a:schemeClr val="dk1"/>
+    </dgm:txFillClrLst>
+    <dgm:txEffectClrLst/>
+  </dgm:styleLbl>
+  <dgm:styleLbl name="dkBgShp">
+    <dgm:fillClrLst meth="repeat">
+      <a:schemeClr val="dk1">
+        <a:shade val="80000"/>
+      </a:schemeClr>
+    </dgm:fillClrLst>
+    <dgm:linClrLst meth="repeat">
+      <a:schemeClr val="dk1"/>
+    </dgm:linClrLst>
+    <dgm:effectClrLst/>
+    <dgm:txLinClrLst/>
+    <dgm:txFillClrLst meth="repeat">
+      <a:schemeClr val="lt1"/>
+    </dgm:txFillClrLst>
+    <dgm:txEffectClrLst/>
+  </dgm:styleLbl>
+  <dgm:styleLbl name="trBgShp">
+    <dgm:fillClrLst meth="repeat">
+      <a:schemeClr val="dk1">
+        <a:tint val="50000"/>
+        <a:alpha val="40000"/>
+      </a:schemeClr>
+    </dgm:fillClrLst>
+    <dgm:linClrLst meth="repeat">
+      <a:schemeClr val="dk1"/>
+    </dgm:linClrLst>
+    <dgm:effectClrLst/>
+    <dgm:txLinClrLst/>
+    <dgm:txFillClrLst meth="repeat">
+      <a:schemeClr val="lt1"/>
+    </dgm:txFillClrLst>
+    <dgm:txEffectClrLst/>
+  </dgm:styleLbl>
+  <dgm:styleLbl name="fgShp">
+    <dgm:fillClrLst meth="repeat">
+      <a:schemeClr val="dk1">
+        <a:tint val="60000"/>
+      </a:schemeClr>
+    </dgm:fillClrLst>
+    <dgm:linClrLst meth="repeat">
+      <a:schemeClr val="lt1"/>
+    </dgm:linClrLst>
+    <dgm:effectClrLst/>
+    <dgm:txLinClrLst/>
+    <dgm:txFillClrLst meth="repeat">
+      <a:schemeClr val="dk1"/>
+    </dgm:txFillClrLst>
+    <dgm:txEffectClrLst/>
+  </dgm:styleLbl>
+  <dgm:styleLbl name="revTx">
+    <dgm:fillClrLst meth="repeat">
+      <a:schemeClr val="lt1">
+        <a:alpha val="0"/>
+      </a:schemeClr>
+    </dgm:fillClrLst>
+    <dgm:linClrLst meth="repeat">
+      <a:schemeClr val="dk1">
+        <a:alpha val="0"/>
+      </a:schemeClr>
+    </dgm:linClrLst>
+    <dgm:effectClrLst/>
+    <dgm:txLinClrLst/>
+    <dgm:txFillClrLst meth="repeat">
+      <a:schemeClr val="tx1"/>
+    </dgm:txFillClrLst>
+    <dgm:txEffectClrLst/>
+  </dgm:styleLbl>
+</dgm:colorsDef>
+</file>
+
+<file path=ppt/diagrams/colors2.xml><?xml version="1.0" encoding="utf-8"?>
 <dgm:colorsDef xmlns:dgm="http://schemas.openxmlformats.org/drawingml/2006/diagram" xmlns:a="http://schemas.openxmlformats.org/drawingml/2006/main" uniqueId="urn:microsoft.com/office/officeart/2005/8/colors/colorful1">
   <dgm:title val=""/>
   <dgm:desc val=""/>
@@ -1029,6 +1842,717 @@
 <file path=ppt/diagrams/data1.xml><?xml version="1.0" encoding="utf-8"?>
 <dgm:dataModel xmlns:dgm="http://schemas.openxmlformats.org/drawingml/2006/diagram" xmlns:a="http://schemas.openxmlformats.org/drawingml/2006/main">
   <dgm:ptLst>
+    <dgm:pt modelId="{15E998CE-284C-4F10-BFD5-AECCF9BF3292}" type="doc">
+      <dgm:prSet loTypeId="urn:microsoft.com/office/officeart/2008/layout/NameandTitleOrganizationalChart" loCatId="hierarchy" qsTypeId="urn:microsoft.com/office/officeart/2005/8/quickstyle/simple1" qsCatId="simple" csTypeId="urn:microsoft.com/office/officeart/2005/8/colors/accent0_1" csCatId="mainScheme" phldr="1"/>
+      <dgm:spPr/>
+      <dgm:t>
+        <a:bodyPr/>
+        <a:lstStyle/>
+        <a:p>
+          <a:endParaRPr lang="pt-BR"/>
+        </a:p>
+      </dgm:t>
+    </dgm:pt>
+    <dgm:pt modelId="{3479E766-EBE7-42D1-9BAD-25D121B91C11}">
+      <dgm:prSet phldrT="[Texto]" custT="1"/>
+      <dgm:spPr/>
+      <dgm:t>
+        <a:bodyPr/>
+        <a:lstStyle/>
+        <a:p>
+          <a:r>
+            <a:rPr lang="pt-BR" sz="1500" dirty="0" smtClean="0"/>
+            <a:t>MATCH</a:t>
+          </a:r>
+          <a:endParaRPr lang="pt-BR" sz="1500" dirty="0"/>
+        </a:p>
+      </dgm:t>
+    </dgm:pt>
+    <dgm:pt modelId="{9CA5F4CD-1D0A-4094-8216-A47F79E20CBE}" type="parTrans" cxnId="{1A44484C-0002-455A-A6C9-45448A63ACDD}">
+      <dgm:prSet/>
+      <dgm:spPr/>
+      <dgm:t>
+        <a:bodyPr/>
+        <a:lstStyle/>
+        <a:p>
+          <a:endParaRPr lang="pt-BR" sz="1500"/>
+        </a:p>
+      </dgm:t>
+    </dgm:pt>
+    <dgm:pt modelId="{C1F5078C-86A6-40E3-B438-52AB5A75995F}" type="sibTrans" cxnId="{1A44484C-0002-455A-A6C9-45448A63ACDD}">
+      <dgm:prSet/>
+      <dgm:spPr/>
+      <dgm:t>
+        <a:bodyPr/>
+        <a:lstStyle/>
+        <a:p>
+          <a:r>
+            <a:rPr lang="pt-BR" sz="1500" dirty="0" smtClean="0"/>
+            <a:t>	</a:t>
+          </a:r>
+          <a:endParaRPr lang="pt-BR" sz="1500" dirty="0"/>
+        </a:p>
+      </dgm:t>
+    </dgm:pt>
+    <dgm:pt modelId="{8D10E390-ABCF-4389-B87B-4FE02464D45A}" type="asst">
+      <dgm:prSet phldrT="[Texto]" custT="1"/>
+      <dgm:spPr/>
+      <dgm:t>
+        <a:bodyPr/>
+        <a:lstStyle/>
+        <a:p>
+          <a:r>
+            <a:rPr lang="pt-BR" sz="1500" dirty="0" smtClean="0"/>
+            <a:t>PLAYER</a:t>
+          </a:r>
+          <a:endParaRPr lang="pt-BR" sz="1500" dirty="0"/>
+        </a:p>
+      </dgm:t>
+    </dgm:pt>
+    <dgm:pt modelId="{0B85F4EA-AF3A-4E38-AE99-2C55CCC0361B}" type="parTrans" cxnId="{8E6A69FD-BE02-4C6C-80AF-0EB54BED2D71}">
+      <dgm:prSet/>
+      <dgm:spPr/>
+      <dgm:t>
+        <a:bodyPr/>
+        <a:lstStyle/>
+        <a:p>
+          <a:endParaRPr lang="pt-BR" sz="1500"/>
+        </a:p>
+      </dgm:t>
+    </dgm:pt>
+    <dgm:pt modelId="{94181B4D-0D41-49A7-9E20-5196C964DFBE}" type="sibTrans" cxnId="{8E6A69FD-BE02-4C6C-80AF-0EB54BED2D71}">
+      <dgm:prSet/>
+      <dgm:spPr/>
+      <dgm:t>
+        <a:bodyPr/>
+        <a:lstStyle/>
+        <a:p>
+          <a:endParaRPr lang="pt-BR" sz="1500"/>
+        </a:p>
+      </dgm:t>
+    </dgm:pt>
+    <dgm:pt modelId="{9859D764-E2A7-4F4D-8FB5-B63E7F459D61}">
+      <dgm:prSet phldrT="[Texto]" custT="1"/>
+      <dgm:spPr/>
+      <dgm:t>
+        <a:bodyPr/>
+        <a:lstStyle/>
+        <a:p>
+          <a:r>
+            <a:rPr lang="pt-BR" sz="1500" dirty="0" smtClean="0"/>
+            <a:t>TEAM</a:t>
+          </a:r>
+          <a:endParaRPr lang="pt-BR" sz="1500" dirty="0"/>
+        </a:p>
+      </dgm:t>
+    </dgm:pt>
+    <dgm:pt modelId="{9CE172C3-93C9-4ECB-93E6-12D476665F64}" type="parTrans" cxnId="{926090A2-AD63-4EEF-8C51-A8BAC63EE55B}">
+      <dgm:prSet/>
+      <dgm:spPr/>
+      <dgm:t>
+        <a:bodyPr/>
+        <a:lstStyle/>
+        <a:p>
+          <a:endParaRPr lang="pt-BR" sz="1500"/>
+        </a:p>
+      </dgm:t>
+    </dgm:pt>
+    <dgm:pt modelId="{A2EE5082-CAF4-467F-AB05-BC127324E4EF}" type="sibTrans" cxnId="{926090A2-AD63-4EEF-8C51-A8BAC63EE55B}">
+      <dgm:prSet/>
+      <dgm:spPr/>
+      <dgm:t>
+        <a:bodyPr/>
+        <a:lstStyle/>
+        <a:p>
+          <a:endParaRPr lang="pt-BR" sz="1500"/>
+        </a:p>
+      </dgm:t>
+    </dgm:pt>
+    <dgm:pt modelId="{F50FF6B0-362C-438A-A613-CAA5F3625AA4}" type="asst">
+      <dgm:prSet/>
+      <dgm:spPr/>
+      <dgm:t>
+        <a:bodyPr/>
+        <a:lstStyle/>
+        <a:p>
+          <a:r>
+            <a:rPr lang="pt-BR" dirty="0" smtClean="0"/>
+            <a:t>CREATE</a:t>
+          </a:r>
+        </a:p>
+        <a:p>
+          <a:r>
+            <a:rPr lang="pt-BR" dirty="0" smtClean="0"/>
+            <a:t>EDIT</a:t>
+          </a:r>
+        </a:p>
+        <a:p>
+          <a:endParaRPr lang="pt-BR" dirty="0"/>
+        </a:p>
+      </dgm:t>
+    </dgm:pt>
+    <dgm:pt modelId="{E79A053B-79BD-4810-AA44-C2C110FBFC10}" type="parTrans" cxnId="{C53FFF5C-B636-4437-B3D0-4386D986D319}">
+      <dgm:prSet/>
+      <dgm:spPr/>
+      <dgm:t>
+        <a:bodyPr/>
+        <a:lstStyle/>
+        <a:p>
+          <a:endParaRPr lang="pt-BR"/>
+        </a:p>
+      </dgm:t>
+    </dgm:pt>
+    <dgm:pt modelId="{186F8D44-5401-4D22-BEAD-C3D82D5E6CE9}" type="sibTrans" cxnId="{C53FFF5C-B636-4437-B3D0-4386D986D319}">
+      <dgm:prSet/>
+      <dgm:spPr/>
+      <dgm:t>
+        <a:bodyPr/>
+        <a:lstStyle/>
+        <a:p>
+          <a:endParaRPr lang="pt-BR"/>
+        </a:p>
+      </dgm:t>
+    </dgm:pt>
+    <dgm:pt modelId="{99A1B983-419C-40C9-BF60-A9A421726865}" type="asst">
+      <dgm:prSet/>
+      <dgm:spPr/>
+      <dgm:t>
+        <a:bodyPr/>
+        <a:lstStyle/>
+        <a:p>
+          <a:endParaRPr lang="pt-BR" dirty="0"/>
+        </a:p>
+      </dgm:t>
+    </dgm:pt>
+    <dgm:pt modelId="{A04D6CC9-EA66-4368-A891-515F9679FE15}" type="parTrans" cxnId="{317FEB28-1CCA-4D6E-BA77-303E9F99BBEB}">
+      <dgm:prSet/>
+      <dgm:spPr/>
+      <dgm:t>
+        <a:bodyPr/>
+        <a:lstStyle/>
+        <a:p>
+          <a:endParaRPr lang="pt-BR"/>
+        </a:p>
+      </dgm:t>
+    </dgm:pt>
+    <dgm:pt modelId="{5CCE849D-FCF5-4AAE-B339-03D98C5899B8}" type="sibTrans" cxnId="{317FEB28-1CCA-4D6E-BA77-303E9F99BBEB}">
+      <dgm:prSet/>
+      <dgm:spPr/>
+      <dgm:t>
+        <a:bodyPr/>
+        <a:lstStyle/>
+        <a:p>
+          <a:endParaRPr lang="pt-BR"/>
+        </a:p>
+      </dgm:t>
+    </dgm:pt>
+    <dgm:pt modelId="{DB76BC93-A9D8-4A9E-AADD-4AA8836B19A7}">
+      <dgm:prSet/>
+      <dgm:spPr/>
+      <dgm:t>
+        <a:bodyPr/>
+        <a:lstStyle/>
+        <a:p>
+          <a:r>
+            <a:rPr lang="pt-BR" dirty="0" smtClean="0"/>
+            <a:t>QUANTIDADE DE PLAYERS</a:t>
+          </a:r>
+        </a:p>
+      </dgm:t>
+    </dgm:pt>
+    <dgm:pt modelId="{D3B1B0CF-61BF-4E0E-8B91-C35482C87FA4}" type="parTrans" cxnId="{1E1A3D95-5926-4B65-8A93-CE210BA6F6B1}">
+      <dgm:prSet/>
+      <dgm:spPr/>
+      <dgm:t>
+        <a:bodyPr/>
+        <a:lstStyle/>
+        <a:p>
+          <a:endParaRPr lang="pt-BR"/>
+        </a:p>
+      </dgm:t>
+    </dgm:pt>
+    <dgm:pt modelId="{EE771179-A4D2-4CBC-8354-9B3AC501CC68}" type="sibTrans" cxnId="{1E1A3D95-5926-4B65-8A93-CE210BA6F6B1}">
+      <dgm:prSet/>
+      <dgm:spPr/>
+      <dgm:t>
+        <a:bodyPr/>
+        <a:lstStyle/>
+        <a:p>
+          <a:endParaRPr lang="pt-BR"/>
+        </a:p>
+      </dgm:t>
+    </dgm:pt>
+    <dgm:pt modelId="{7315873D-BADF-4984-A431-976521EFB86B}" type="asst">
+      <dgm:prSet/>
+      <dgm:spPr/>
+      <dgm:t>
+        <a:bodyPr/>
+        <a:lstStyle/>
+        <a:p>
+          <a:r>
+            <a:rPr lang="pt-BR" dirty="0" smtClean="0"/>
+            <a:t>LOGIN</a:t>
+          </a:r>
+          <a:endParaRPr lang="pt-BR" dirty="0"/>
+        </a:p>
+      </dgm:t>
+    </dgm:pt>
+    <dgm:pt modelId="{20C21331-53FD-430D-9760-C2EF0F95A85F}" type="parTrans" cxnId="{5A3D8890-20F4-4224-9BA4-F85EB8A4B6A6}">
+      <dgm:prSet/>
+      <dgm:spPr/>
+      <dgm:t>
+        <a:bodyPr/>
+        <a:lstStyle/>
+        <a:p>
+          <a:endParaRPr lang="pt-BR"/>
+        </a:p>
+      </dgm:t>
+    </dgm:pt>
+    <dgm:pt modelId="{9F43C7BA-4A1A-43B1-A26C-93E317310320}" type="sibTrans" cxnId="{5A3D8890-20F4-4224-9BA4-F85EB8A4B6A6}">
+      <dgm:prSet/>
+      <dgm:spPr/>
+      <dgm:t>
+        <a:bodyPr/>
+        <a:lstStyle/>
+        <a:p>
+          <a:endParaRPr lang="pt-BR"/>
+        </a:p>
+      </dgm:t>
+    </dgm:pt>
+    <dgm:pt modelId="{40B8C118-9BAF-40FD-B98C-0A8FE44B27C4}" type="pres">
+      <dgm:prSet presAssocID="{15E998CE-284C-4F10-BFD5-AECCF9BF3292}" presName="hierChild1" presStyleCnt="0">
+        <dgm:presLayoutVars>
+          <dgm:orgChart val="1"/>
+          <dgm:chPref val="1"/>
+          <dgm:dir/>
+          <dgm:animOne val="branch"/>
+          <dgm:animLvl val="lvl"/>
+          <dgm:resizeHandles/>
+        </dgm:presLayoutVars>
+      </dgm:prSet>
+      <dgm:spPr/>
+    </dgm:pt>
+    <dgm:pt modelId="{87D6125B-67AD-4CB1-9C1B-C152FDD116C8}" type="pres">
+      <dgm:prSet presAssocID="{3479E766-EBE7-42D1-9BAD-25D121B91C11}" presName="hierRoot1" presStyleCnt="0">
+        <dgm:presLayoutVars>
+          <dgm:hierBranch val="init"/>
+        </dgm:presLayoutVars>
+      </dgm:prSet>
+      <dgm:spPr/>
+    </dgm:pt>
+    <dgm:pt modelId="{3A52BFF5-C0FD-4BE4-AA4C-6BCE0B41AEA0}" type="pres">
+      <dgm:prSet presAssocID="{3479E766-EBE7-42D1-9BAD-25D121B91C11}" presName="rootComposite1" presStyleCnt="0"/>
+      <dgm:spPr/>
+    </dgm:pt>
+    <dgm:pt modelId="{CF4BF49A-7DE9-4808-937C-CE9D3DF70FBD}" type="pres">
+      <dgm:prSet presAssocID="{3479E766-EBE7-42D1-9BAD-25D121B91C11}" presName="rootText1" presStyleLbl="node0" presStyleIdx="0" presStyleCnt="2" custLinFactNeighborX="3189" custLinFactNeighborY="2694">
+        <dgm:presLayoutVars>
+          <dgm:chMax/>
+          <dgm:chPref val="3"/>
+        </dgm:presLayoutVars>
+      </dgm:prSet>
+      <dgm:spPr/>
+    </dgm:pt>
+    <dgm:pt modelId="{71D30A04-631A-4561-AD9B-F8DCCCE7D6EA}" type="pres">
+      <dgm:prSet presAssocID="{3479E766-EBE7-42D1-9BAD-25D121B91C11}" presName="titleText1" presStyleLbl="fgAcc0" presStyleIdx="0" presStyleCnt="2" custScaleX="128097" custScaleY="285648" custLinFactY="61666" custLinFactNeighborX="-7972" custLinFactNeighborY="100000">
+        <dgm:presLayoutVars>
+          <dgm:chMax val="0"/>
+          <dgm:chPref val="0"/>
+        </dgm:presLayoutVars>
+      </dgm:prSet>
+      <dgm:spPr/>
+      <dgm:t>
+        <a:bodyPr/>
+        <a:lstStyle/>
+        <a:p>
+          <a:endParaRPr lang="pt-BR"/>
+        </a:p>
+      </dgm:t>
+    </dgm:pt>
+    <dgm:pt modelId="{5184069E-55DB-457B-AF08-EBB1377CF3C8}" type="pres">
+      <dgm:prSet presAssocID="{3479E766-EBE7-42D1-9BAD-25D121B91C11}" presName="rootConnector1" presStyleLbl="node1" presStyleIdx="0" presStyleCnt="1"/>
+      <dgm:spPr/>
+    </dgm:pt>
+    <dgm:pt modelId="{C1853D8D-8B91-4FBF-817C-4A8FCBB1DD4C}" type="pres">
+      <dgm:prSet presAssocID="{3479E766-EBE7-42D1-9BAD-25D121B91C11}" presName="hierChild2" presStyleCnt="0"/>
+      <dgm:spPr/>
+    </dgm:pt>
+    <dgm:pt modelId="{0741F043-C52B-421D-B53F-82D5C15064C9}" type="pres">
+      <dgm:prSet presAssocID="{9CE172C3-93C9-4ECB-93E6-12D476665F64}" presName="Name37" presStyleLbl="parChTrans1D2" presStyleIdx="0" presStyleCnt="2"/>
+      <dgm:spPr/>
+    </dgm:pt>
+    <dgm:pt modelId="{8680543F-9E1D-4D1F-8BE4-8436DBB57E8B}" type="pres">
+      <dgm:prSet presAssocID="{9859D764-E2A7-4F4D-8FB5-B63E7F459D61}" presName="hierRoot2" presStyleCnt="0">
+        <dgm:presLayoutVars>
+          <dgm:hierBranch val="init"/>
+        </dgm:presLayoutVars>
+      </dgm:prSet>
+      <dgm:spPr/>
+    </dgm:pt>
+    <dgm:pt modelId="{13709DB1-97DD-4681-8C8A-FC1E991ED3D1}" type="pres">
+      <dgm:prSet presAssocID="{9859D764-E2A7-4F4D-8FB5-B63E7F459D61}" presName="rootComposite" presStyleCnt="0"/>
+      <dgm:spPr/>
+    </dgm:pt>
+    <dgm:pt modelId="{C13972BB-169E-4C48-816A-2C346E3FD204}" type="pres">
+      <dgm:prSet presAssocID="{9859D764-E2A7-4F4D-8FB5-B63E7F459D61}" presName="rootText" presStyleLbl="node1" presStyleIdx="0" presStyleCnt="1" custLinFactX="100000" custLinFactY="-44729" custLinFactNeighborX="101685" custLinFactNeighborY="-100000">
+        <dgm:presLayoutVars>
+          <dgm:chMax/>
+          <dgm:chPref val="3"/>
+        </dgm:presLayoutVars>
+      </dgm:prSet>
+      <dgm:spPr/>
+    </dgm:pt>
+    <dgm:pt modelId="{B3369263-41BD-4251-B97C-6C29634A2E32}" type="pres">
+      <dgm:prSet presAssocID="{9859D764-E2A7-4F4D-8FB5-B63E7F459D61}" presName="titleText2" presStyleLbl="fgAcc1" presStyleIdx="0" presStyleCnt="1" custScaleX="144622" custScaleY="277015" custLinFactX="100000" custLinFactY="-100000" custLinFactNeighborX="125867" custLinFactNeighborY="-181761">
+        <dgm:presLayoutVars>
+          <dgm:chMax val="0"/>
+          <dgm:chPref val="0"/>
+        </dgm:presLayoutVars>
+      </dgm:prSet>
+      <dgm:spPr/>
+    </dgm:pt>
+    <dgm:pt modelId="{1055C9E7-09E1-498E-A776-F46CFE237EB9}" type="pres">
+      <dgm:prSet presAssocID="{9859D764-E2A7-4F4D-8FB5-B63E7F459D61}" presName="rootConnector" presStyleLbl="node2" presStyleIdx="0" presStyleCnt="0"/>
+      <dgm:spPr/>
+    </dgm:pt>
+    <dgm:pt modelId="{E127166A-A420-4F47-8E65-61591EED6B3C}" type="pres">
+      <dgm:prSet presAssocID="{9859D764-E2A7-4F4D-8FB5-B63E7F459D61}" presName="hierChild4" presStyleCnt="0"/>
+      <dgm:spPr/>
+    </dgm:pt>
+    <dgm:pt modelId="{2EB0B348-98FF-4475-8D07-F81EC633D5A8}" type="pres">
+      <dgm:prSet presAssocID="{9859D764-E2A7-4F4D-8FB5-B63E7F459D61}" presName="hierChild5" presStyleCnt="0"/>
+      <dgm:spPr/>
+    </dgm:pt>
+    <dgm:pt modelId="{3820EA95-9475-4977-9B9F-D3E1B00F0FA1}" type="pres">
+      <dgm:prSet presAssocID="{A04D6CC9-EA66-4368-A891-515F9679FE15}" presName="Name96" presStyleLbl="parChTrans1D3" presStyleIdx="0" presStyleCnt="3"/>
+      <dgm:spPr/>
+    </dgm:pt>
+    <dgm:pt modelId="{B3ACCC6D-5668-4FA3-8097-7727246D643F}" type="pres">
+      <dgm:prSet presAssocID="{99A1B983-419C-40C9-BF60-A9A421726865}" presName="hierRoot3" presStyleCnt="0">
+        <dgm:presLayoutVars>
+          <dgm:hierBranch val="init"/>
+        </dgm:presLayoutVars>
+      </dgm:prSet>
+      <dgm:spPr/>
+    </dgm:pt>
+    <dgm:pt modelId="{4A4EAF98-B46B-4DCA-A07D-C98DF1FE55EC}" type="pres">
+      <dgm:prSet presAssocID="{99A1B983-419C-40C9-BF60-A9A421726865}" presName="rootComposite3" presStyleCnt="0"/>
+      <dgm:spPr/>
+    </dgm:pt>
+    <dgm:pt modelId="{B05867A0-E8AA-47CF-BF20-BE670CB592BD}" type="pres">
+      <dgm:prSet presAssocID="{99A1B983-419C-40C9-BF60-A9A421726865}" presName="rootText3" presStyleLbl="asst1" presStyleIdx="0" presStyleCnt="4" custLinFactX="3633" custLinFactY="-100000" custLinFactNeighborX="100000" custLinFactNeighborY="-101697">
+        <dgm:presLayoutVars>
+          <dgm:chPref val="3"/>
+        </dgm:presLayoutVars>
+      </dgm:prSet>
+      <dgm:spPr/>
+    </dgm:pt>
+    <dgm:pt modelId="{B731182D-E1F8-43E3-B6CD-D3D3DC6FDF3F}" type="pres">
+      <dgm:prSet presAssocID="{99A1B983-419C-40C9-BF60-A9A421726865}" presName="titleText3" presStyleLbl="fgAcc2" presStyleIdx="0" presStyleCnt="4" custScaleX="144622" custScaleY="277015" custLinFactX="13090" custLinFactY="-200000" custLinFactNeighborX="100000" custLinFactNeighborY="-252664">
+        <dgm:presLayoutVars>
+          <dgm:chMax val="0"/>
+          <dgm:chPref val="0"/>
+        </dgm:presLayoutVars>
+      </dgm:prSet>
+      <dgm:spPr/>
+    </dgm:pt>
+    <dgm:pt modelId="{BA6053B0-88F6-4F74-81AA-8DF2F778E75C}" type="pres">
+      <dgm:prSet presAssocID="{99A1B983-419C-40C9-BF60-A9A421726865}" presName="rootConnector3" presStyleLbl="asst2" presStyleIdx="0" presStyleCnt="0"/>
+      <dgm:spPr/>
+    </dgm:pt>
+    <dgm:pt modelId="{55FF5A21-EFE2-4B76-9593-9B0FECCADA16}" type="pres">
+      <dgm:prSet presAssocID="{99A1B983-419C-40C9-BF60-A9A421726865}" presName="hierChild6" presStyleCnt="0"/>
+      <dgm:spPr/>
+    </dgm:pt>
+    <dgm:pt modelId="{266196C9-0544-45AB-A656-9C6BE8EB1BDF}" type="pres">
+      <dgm:prSet presAssocID="{99A1B983-419C-40C9-BF60-A9A421726865}" presName="hierChild7" presStyleCnt="0"/>
+      <dgm:spPr/>
+    </dgm:pt>
+    <dgm:pt modelId="{C418B083-EC5D-4888-9BEA-C3C3C740975E}" type="pres">
+      <dgm:prSet presAssocID="{3479E766-EBE7-42D1-9BAD-25D121B91C11}" presName="hierChild3" presStyleCnt="0"/>
+      <dgm:spPr/>
+    </dgm:pt>
+    <dgm:pt modelId="{04FADF1B-F2CB-41FE-B823-6E65A8CBBBBC}" type="pres">
+      <dgm:prSet presAssocID="{0B85F4EA-AF3A-4E38-AE99-2C55CCC0361B}" presName="Name96" presStyleLbl="parChTrans1D2" presStyleIdx="1" presStyleCnt="2"/>
+      <dgm:spPr/>
+    </dgm:pt>
+    <dgm:pt modelId="{252F6199-0D50-4C02-BFBA-4753C0749912}" type="pres">
+      <dgm:prSet presAssocID="{8D10E390-ABCF-4389-B87B-4FE02464D45A}" presName="hierRoot3" presStyleCnt="0">
+        <dgm:presLayoutVars>
+          <dgm:hierBranch val="init"/>
+        </dgm:presLayoutVars>
+      </dgm:prSet>
+      <dgm:spPr/>
+    </dgm:pt>
+    <dgm:pt modelId="{E11DE4AB-4A43-420F-9AB0-28549BED69C0}" type="pres">
+      <dgm:prSet presAssocID="{8D10E390-ABCF-4389-B87B-4FE02464D45A}" presName="rootComposite3" presStyleCnt="0"/>
+      <dgm:spPr/>
+    </dgm:pt>
+    <dgm:pt modelId="{844C2EB8-F332-4E9B-8C12-C47E4F7B7B84}" type="pres">
+      <dgm:prSet presAssocID="{8D10E390-ABCF-4389-B87B-4FE02464D45A}" presName="rootText3" presStyleLbl="asst1" presStyleIdx="1" presStyleCnt="4">
+        <dgm:presLayoutVars>
+          <dgm:chPref val="3"/>
+        </dgm:presLayoutVars>
+      </dgm:prSet>
+      <dgm:spPr/>
+    </dgm:pt>
+    <dgm:pt modelId="{EB33CE6A-31CA-42AE-8744-7C5881C06510}" type="pres">
+      <dgm:prSet presAssocID="{8D10E390-ABCF-4389-B87B-4FE02464D45A}" presName="titleText3" presStyleLbl="fgAcc2" presStyleIdx="1" presStyleCnt="4" custScaleX="144622" custScaleY="277015" custLinFactY="43190" custLinFactNeighborX="-32773" custLinFactNeighborY="100000">
+        <dgm:presLayoutVars>
+          <dgm:chMax val="0"/>
+          <dgm:chPref val="0"/>
+        </dgm:presLayoutVars>
+      </dgm:prSet>
+      <dgm:spPr/>
+    </dgm:pt>
+    <dgm:pt modelId="{DABB8DC9-8054-4BEB-B054-CABACD104586}" type="pres">
+      <dgm:prSet presAssocID="{8D10E390-ABCF-4389-B87B-4FE02464D45A}" presName="rootConnector3" presStyleLbl="asst1" presStyleIdx="1" presStyleCnt="4"/>
+      <dgm:spPr/>
+    </dgm:pt>
+    <dgm:pt modelId="{4E587AF8-F93E-40A9-B56A-0F6F62ED9BCC}" type="pres">
+      <dgm:prSet presAssocID="{8D10E390-ABCF-4389-B87B-4FE02464D45A}" presName="hierChild6" presStyleCnt="0"/>
+      <dgm:spPr/>
+    </dgm:pt>
+    <dgm:pt modelId="{0B0B0F4E-E7E1-4859-AC4F-1FD7BF147C97}" type="pres">
+      <dgm:prSet presAssocID="{8D10E390-ABCF-4389-B87B-4FE02464D45A}" presName="hierChild7" presStyleCnt="0"/>
+      <dgm:spPr/>
+    </dgm:pt>
+    <dgm:pt modelId="{7089A9C6-6F2C-4C1E-AB15-88BC2D7E0137}" type="pres">
+      <dgm:prSet presAssocID="{E79A053B-79BD-4810-AA44-C2C110FBFC10}" presName="Name96" presStyleLbl="parChTrans1D3" presStyleIdx="1" presStyleCnt="3"/>
+      <dgm:spPr/>
+    </dgm:pt>
+    <dgm:pt modelId="{A6A4CCBE-D1EC-40DE-9856-F9D67C94E09A}" type="pres">
+      <dgm:prSet presAssocID="{F50FF6B0-362C-438A-A613-CAA5F3625AA4}" presName="hierRoot3" presStyleCnt="0">
+        <dgm:presLayoutVars>
+          <dgm:hierBranch val="init"/>
+        </dgm:presLayoutVars>
+      </dgm:prSet>
+      <dgm:spPr/>
+    </dgm:pt>
+    <dgm:pt modelId="{B9325112-5085-4A20-AB56-D723B56B2AF7}" type="pres">
+      <dgm:prSet presAssocID="{F50FF6B0-362C-438A-A613-CAA5F3625AA4}" presName="rootComposite3" presStyleCnt="0"/>
+      <dgm:spPr/>
+    </dgm:pt>
+    <dgm:pt modelId="{65728441-1D6C-429D-A340-820653387442}" type="pres">
+      <dgm:prSet presAssocID="{F50FF6B0-362C-438A-A613-CAA5F3625AA4}" presName="rootText3" presStyleLbl="asst1" presStyleIdx="2" presStyleCnt="4" custLinFactX="-73784" custLinFactNeighborX="-100000" custLinFactNeighborY="21555">
+        <dgm:presLayoutVars>
+          <dgm:chPref val="3"/>
+        </dgm:presLayoutVars>
+      </dgm:prSet>
+      <dgm:spPr/>
+    </dgm:pt>
+    <dgm:pt modelId="{7D256364-5405-44E2-BE6B-A65F99705CE8}" type="pres">
+      <dgm:prSet presAssocID="{F50FF6B0-362C-438A-A613-CAA5F3625AA4}" presName="titleText3" presStyleLbl="fgAcc2" presStyleIdx="2" presStyleCnt="4" custScaleX="144622" custScaleY="277015" custLinFactX="-91321" custLinFactY="100000" custLinFactNeighborX="-100000" custLinFactNeighborY="103237">
+        <dgm:presLayoutVars>
+          <dgm:chMax val="0"/>
+          <dgm:chPref val="0"/>
+        </dgm:presLayoutVars>
+      </dgm:prSet>
+      <dgm:spPr/>
+    </dgm:pt>
+    <dgm:pt modelId="{71A4F153-60AC-4CE1-8AC3-0443195B9B96}" type="pres">
+      <dgm:prSet presAssocID="{F50FF6B0-362C-438A-A613-CAA5F3625AA4}" presName="rootConnector3" presStyleLbl="asst1" presStyleIdx="2" presStyleCnt="4"/>
+      <dgm:spPr/>
+    </dgm:pt>
+    <dgm:pt modelId="{D3BFEB3F-BE30-44F5-B619-23BEA7F9EDCB}" type="pres">
+      <dgm:prSet presAssocID="{F50FF6B0-362C-438A-A613-CAA5F3625AA4}" presName="hierChild6" presStyleCnt="0"/>
+      <dgm:spPr/>
+    </dgm:pt>
+    <dgm:pt modelId="{3E585850-342E-4BD4-AB8D-1E4BAE25CE49}" type="pres">
+      <dgm:prSet presAssocID="{F50FF6B0-362C-438A-A613-CAA5F3625AA4}" presName="hierChild7" presStyleCnt="0"/>
+      <dgm:spPr/>
+    </dgm:pt>
+    <dgm:pt modelId="{4203D97C-94A0-4EF0-9B06-D52F0E81CC48}" type="pres">
+      <dgm:prSet presAssocID="{20C21331-53FD-430D-9760-C2EF0F95A85F}" presName="Name96" presStyleLbl="parChTrans1D3" presStyleIdx="2" presStyleCnt="3"/>
+      <dgm:spPr/>
+    </dgm:pt>
+    <dgm:pt modelId="{B83239BF-F031-449D-AE91-E7537D11023C}" type="pres">
+      <dgm:prSet presAssocID="{7315873D-BADF-4984-A431-976521EFB86B}" presName="hierRoot3" presStyleCnt="0">
+        <dgm:presLayoutVars>
+          <dgm:hierBranch val="init"/>
+        </dgm:presLayoutVars>
+      </dgm:prSet>
+      <dgm:spPr/>
+    </dgm:pt>
+    <dgm:pt modelId="{CC064811-B99C-445F-B607-8499C3553BB4}" type="pres">
+      <dgm:prSet presAssocID="{7315873D-BADF-4984-A431-976521EFB86B}" presName="rootComposite3" presStyleCnt="0"/>
+      <dgm:spPr/>
+    </dgm:pt>
+    <dgm:pt modelId="{A24A19AD-3415-4D04-B7C3-93444F96EECF}" type="pres">
+      <dgm:prSet presAssocID="{7315873D-BADF-4984-A431-976521EFB86B}" presName="rootText3" presStyleLbl="asst1" presStyleIdx="3" presStyleCnt="4" custLinFactX="-117275" custLinFactY="-123306" custLinFactNeighborX="-200000" custLinFactNeighborY="-200000">
+        <dgm:presLayoutVars>
+          <dgm:chPref val="3"/>
+        </dgm:presLayoutVars>
+      </dgm:prSet>
+      <dgm:spPr/>
+    </dgm:pt>
+    <dgm:pt modelId="{EBDEC477-7DF7-447D-AE63-D5F395D32C09}" type="pres">
+      <dgm:prSet presAssocID="{7315873D-BADF-4984-A431-976521EFB86B}" presName="titleText3" presStyleLbl="fgAcc2" presStyleIdx="3" presStyleCnt="4" custScaleX="144622" custScaleY="277015" custLinFactX="-151642" custLinFactY="-400000" custLinFactNeighborX="-200000" custLinFactNeighborY="-412871">
+        <dgm:presLayoutVars>
+          <dgm:chMax val="0"/>
+          <dgm:chPref val="0"/>
+        </dgm:presLayoutVars>
+      </dgm:prSet>
+      <dgm:spPr/>
+    </dgm:pt>
+    <dgm:pt modelId="{0B6725E4-0887-4C87-9875-9A7F6B69CD6C}" type="pres">
+      <dgm:prSet presAssocID="{7315873D-BADF-4984-A431-976521EFB86B}" presName="rootConnector3" presStyleLbl="asst1" presStyleIdx="3" presStyleCnt="4"/>
+      <dgm:spPr/>
+    </dgm:pt>
+    <dgm:pt modelId="{2D5E7619-A3D0-44FF-B49D-101B8B39D997}" type="pres">
+      <dgm:prSet presAssocID="{7315873D-BADF-4984-A431-976521EFB86B}" presName="hierChild6" presStyleCnt="0"/>
+      <dgm:spPr/>
+    </dgm:pt>
+    <dgm:pt modelId="{3A648F9B-EA95-4E10-8E6F-771D754263AA}" type="pres">
+      <dgm:prSet presAssocID="{7315873D-BADF-4984-A431-976521EFB86B}" presName="hierChild7" presStyleCnt="0"/>
+      <dgm:spPr/>
+    </dgm:pt>
+    <dgm:pt modelId="{6A6A3355-A02D-4DF1-A3BA-25CB4B8E3CA1}" type="pres">
+      <dgm:prSet presAssocID="{DB76BC93-A9D8-4A9E-AADD-4AA8836B19A7}" presName="hierRoot1" presStyleCnt="0">
+        <dgm:presLayoutVars>
+          <dgm:hierBranch val="init"/>
+        </dgm:presLayoutVars>
+      </dgm:prSet>
+      <dgm:spPr/>
+    </dgm:pt>
+    <dgm:pt modelId="{F1C987EC-165F-4268-A85F-34301FDF89E9}" type="pres">
+      <dgm:prSet presAssocID="{DB76BC93-A9D8-4A9E-AADD-4AA8836B19A7}" presName="rootComposite1" presStyleCnt="0"/>
+      <dgm:spPr/>
+    </dgm:pt>
+    <dgm:pt modelId="{821B02D1-891C-471A-A164-F954C6A4FC7C}" type="pres">
+      <dgm:prSet presAssocID="{DB76BC93-A9D8-4A9E-AADD-4AA8836B19A7}" presName="rootText1" presStyleLbl="node0" presStyleIdx="1" presStyleCnt="2">
+        <dgm:presLayoutVars>
+          <dgm:chMax/>
+          <dgm:chPref val="3"/>
+        </dgm:presLayoutVars>
+      </dgm:prSet>
+      <dgm:spPr/>
+    </dgm:pt>
+    <dgm:pt modelId="{71D34BC3-5AE0-490A-B1CB-16F8752F1527}" type="pres">
+      <dgm:prSet presAssocID="{DB76BC93-A9D8-4A9E-AADD-4AA8836B19A7}" presName="titleText1" presStyleLbl="fgAcc0" presStyleIdx="1" presStyleCnt="2" custScaleX="144622" custScaleY="277015" custLinFactY="38571" custLinFactNeighborY="100000">
+        <dgm:presLayoutVars>
+          <dgm:chMax val="0"/>
+          <dgm:chPref val="0"/>
+        </dgm:presLayoutVars>
+      </dgm:prSet>
+      <dgm:spPr/>
+    </dgm:pt>
+    <dgm:pt modelId="{D4B65186-B85A-4340-A91C-A618F7303051}" type="pres">
+      <dgm:prSet presAssocID="{DB76BC93-A9D8-4A9E-AADD-4AA8836B19A7}" presName="rootConnector1" presStyleLbl="node1" presStyleIdx="0" presStyleCnt="1"/>
+      <dgm:spPr/>
+    </dgm:pt>
+    <dgm:pt modelId="{8BD0CFC2-8382-48BC-B10D-92C8EA69D068}" type="pres">
+      <dgm:prSet presAssocID="{DB76BC93-A9D8-4A9E-AADD-4AA8836B19A7}" presName="hierChild2" presStyleCnt="0"/>
+      <dgm:spPr/>
+    </dgm:pt>
+    <dgm:pt modelId="{FC0FAE1C-48DA-4EEC-96F1-A2FBC77D56DC}" type="pres">
+      <dgm:prSet presAssocID="{DB76BC93-A9D8-4A9E-AADD-4AA8836B19A7}" presName="hierChild3" presStyleCnt="0"/>
+      <dgm:spPr/>
+    </dgm:pt>
+  </dgm:ptLst>
+  <dgm:cxnLst>
+    <dgm:cxn modelId="{C53FFF5C-B636-4437-B3D0-4386D986D319}" srcId="{8D10E390-ABCF-4389-B87B-4FE02464D45A}" destId="{F50FF6B0-362C-438A-A613-CAA5F3625AA4}" srcOrd="0" destOrd="0" parTransId="{E79A053B-79BD-4810-AA44-C2C110FBFC10}" sibTransId="{186F8D44-5401-4D22-BEAD-C3D82D5E6CE9}"/>
+    <dgm:cxn modelId="{F9F0FDC3-09D9-47BA-B609-E47A9A15BD58}" type="presOf" srcId="{9F43C7BA-4A1A-43B1-A26C-93E317310320}" destId="{EBDEC477-7DF7-447D-AE63-D5F395D32C09}" srcOrd="0" destOrd="0" presId="urn:microsoft.com/office/officeart/2008/layout/NameandTitleOrganizationalChart"/>
+    <dgm:cxn modelId="{875E5CE2-AF23-40F6-AFCA-40F42BA28B93}" type="presOf" srcId="{99A1B983-419C-40C9-BF60-A9A421726865}" destId="{BA6053B0-88F6-4F74-81AA-8DF2F778E75C}" srcOrd="1" destOrd="0" presId="urn:microsoft.com/office/officeart/2008/layout/NameandTitleOrganizationalChart"/>
+    <dgm:cxn modelId="{463D2EE5-1C1F-49C9-8470-9CAF6EAC0F31}" type="presOf" srcId="{DB76BC93-A9D8-4A9E-AADD-4AA8836B19A7}" destId="{D4B65186-B85A-4340-A91C-A618F7303051}" srcOrd="1" destOrd="0" presId="urn:microsoft.com/office/officeart/2008/layout/NameandTitleOrganizationalChart"/>
+    <dgm:cxn modelId="{D2C8C4BB-0FB8-42A3-BFA5-A0D78C396BF0}" type="presOf" srcId="{F50FF6B0-362C-438A-A613-CAA5F3625AA4}" destId="{65728441-1D6C-429D-A340-820653387442}" srcOrd="0" destOrd="0" presId="urn:microsoft.com/office/officeart/2008/layout/NameandTitleOrganizationalChart"/>
+    <dgm:cxn modelId="{D11899BE-5E96-4B93-B548-0B62B5405088}" type="presOf" srcId="{0B85F4EA-AF3A-4E38-AE99-2C55CCC0361B}" destId="{04FADF1B-F2CB-41FE-B823-6E65A8CBBBBC}" srcOrd="0" destOrd="0" presId="urn:microsoft.com/office/officeart/2008/layout/NameandTitleOrganizationalChart"/>
+    <dgm:cxn modelId="{22B442BF-5C08-4414-9481-60E57C689686}" type="presOf" srcId="{9CE172C3-93C9-4ECB-93E6-12D476665F64}" destId="{0741F043-C52B-421D-B53F-82D5C15064C9}" srcOrd="0" destOrd="0" presId="urn:microsoft.com/office/officeart/2008/layout/NameandTitleOrganizationalChart"/>
+    <dgm:cxn modelId="{1A44484C-0002-455A-A6C9-45448A63ACDD}" srcId="{15E998CE-284C-4F10-BFD5-AECCF9BF3292}" destId="{3479E766-EBE7-42D1-9BAD-25D121B91C11}" srcOrd="0" destOrd="0" parTransId="{9CA5F4CD-1D0A-4094-8216-A47F79E20CBE}" sibTransId="{C1F5078C-86A6-40E3-B438-52AB5A75995F}"/>
+    <dgm:cxn modelId="{93CC1DA4-3747-4513-9F12-F9F5B976A54A}" type="presOf" srcId="{9859D764-E2A7-4F4D-8FB5-B63E7F459D61}" destId="{C13972BB-169E-4C48-816A-2C346E3FD204}" srcOrd="0" destOrd="0" presId="urn:microsoft.com/office/officeart/2008/layout/NameandTitleOrganizationalChart"/>
+    <dgm:cxn modelId="{013FA86D-541C-4D4E-8145-959410052591}" type="presOf" srcId="{A04D6CC9-EA66-4368-A891-515F9679FE15}" destId="{3820EA95-9475-4977-9B9F-D3E1B00F0FA1}" srcOrd="0" destOrd="0" presId="urn:microsoft.com/office/officeart/2008/layout/NameandTitleOrganizationalChart"/>
+    <dgm:cxn modelId="{926090A2-AD63-4EEF-8C51-A8BAC63EE55B}" srcId="{3479E766-EBE7-42D1-9BAD-25D121B91C11}" destId="{9859D764-E2A7-4F4D-8FB5-B63E7F459D61}" srcOrd="1" destOrd="0" parTransId="{9CE172C3-93C9-4ECB-93E6-12D476665F64}" sibTransId="{A2EE5082-CAF4-467F-AB05-BC127324E4EF}"/>
+    <dgm:cxn modelId="{3AE930C9-0F66-4B67-8D45-09BB098C8E4C}" type="presOf" srcId="{E79A053B-79BD-4810-AA44-C2C110FBFC10}" destId="{7089A9C6-6F2C-4C1E-AB15-88BC2D7E0137}" srcOrd="0" destOrd="0" presId="urn:microsoft.com/office/officeart/2008/layout/NameandTitleOrganizationalChart"/>
+    <dgm:cxn modelId="{DD77FBD5-CCE6-49C0-A0E8-B317E8E30A6B}" type="presOf" srcId="{9859D764-E2A7-4F4D-8FB5-B63E7F459D61}" destId="{1055C9E7-09E1-498E-A776-F46CFE237EB9}" srcOrd="1" destOrd="0" presId="urn:microsoft.com/office/officeart/2008/layout/NameandTitleOrganizationalChart"/>
+    <dgm:cxn modelId="{1C48E139-A322-4E7A-A942-03DB49183A5E}" type="presOf" srcId="{186F8D44-5401-4D22-BEAD-C3D82D5E6CE9}" destId="{7D256364-5405-44E2-BE6B-A65F99705CE8}" srcOrd="0" destOrd="0" presId="urn:microsoft.com/office/officeart/2008/layout/NameandTitleOrganizationalChart"/>
+    <dgm:cxn modelId="{5A3D8890-20F4-4224-9BA4-F85EB8A4B6A6}" srcId="{8D10E390-ABCF-4389-B87B-4FE02464D45A}" destId="{7315873D-BADF-4984-A431-976521EFB86B}" srcOrd="1" destOrd="0" parTransId="{20C21331-53FD-430D-9760-C2EF0F95A85F}" sibTransId="{9F43C7BA-4A1A-43B1-A26C-93E317310320}"/>
+    <dgm:cxn modelId="{622A9305-BFD9-463F-94EE-F85BB06B2913}" type="presOf" srcId="{20C21331-53FD-430D-9760-C2EF0F95A85F}" destId="{4203D97C-94A0-4EF0-9B06-D52F0E81CC48}" srcOrd="0" destOrd="0" presId="urn:microsoft.com/office/officeart/2008/layout/NameandTitleOrganizationalChart"/>
+    <dgm:cxn modelId="{360CFE88-EBA3-43D4-85AD-0DAA6A3BE0C2}" type="presOf" srcId="{3479E766-EBE7-42D1-9BAD-25D121B91C11}" destId="{5184069E-55DB-457B-AF08-EBB1377CF3C8}" srcOrd="1" destOrd="0" presId="urn:microsoft.com/office/officeart/2008/layout/NameandTitleOrganizationalChart"/>
+    <dgm:cxn modelId="{D1BC0755-1D1E-404E-8A08-22CC18CF9628}" type="presOf" srcId="{5CCE849D-FCF5-4AAE-B339-03D98C5899B8}" destId="{B731182D-E1F8-43E3-B6CD-D3D3DC6FDF3F}" srcOrd="0" destOrd="0" presId="urn:microsoft.com/office/officeart/2008/layout/NameandTitleOrganizationalChart"/>
+    <dgm:cxn modelId="{D85BE6B9-652C-4430-BD12-FBDA211CF7B6}" type="presOf" srcId="{94181B4D-0D41-49A7-9E20-5196C964DFBE}" destId="{EB33CE6A-31CA-42AE-8744-7C5881C06510}" srcOrd="0" destOrd="0" presId="urn:microsoft.com/office/officeart/2008/layout/NameandTitleOrganizationalChart"/>
+    <dgm:cxn modelId="{1BA2750D-D1C0-4568-BE27-5C7D656AE912}" type="presOf" srcId="{A2EE5082-CAF4-467F-AB05-BC127324E4EF}" destId="{B3369263-41BD-4251-B97C-6C29634A2E32}" srcOrd="0" destOrd="0" presId="urn:microsoft.com/office/officeart/2008/layout/NameandTitleOrganizationalChart"/>
+    <dgm:cxn modelId="{1E1A3D95-5926-4B65-8A93-CE210BA6F6B1}" srcId="{15E998CE-284C-4F10-BFD5-AECCF9BF3292}" destId="{DB76BC93-A9D8-4A9E-AADD-4AA8836B19A7}" srcOrd="1" destOrd="0" parTransId="{D3B1B0CF-61BF-4E0E-8B91-C35482C87FA4}" sibTransId="{EE771179-A4D2-4CBC-8354-9B3AC501CC68}"/>
+    <dgm:cxn modelId="{21B20727-E04C-4B47-B191-246742BDAF9E}" type="presOf" srcId="{99A1B983-419C-40C9-BF60-A9A421726865}" destId="{B05867A0-E8AA-47CF-BF20-BE670CB592BD}" srcOrd="0" destOrd="0" presId="urn:microsoft.com/office/officeart/2008/layout/NameandTitleOrganizationalChart"/>
+    <dgm:cxn modelId="{5ACD831B-CBD1-4C01-9F02-9AA74245AF6F}" type="presOf" srcId="{7315873D-BADF-4984-A431-976521EFB86B}" destId="{A24A19AD-3415-4D04-B7C3-93444F96EECF}" srcOrd="0" destOrd="0" presId="urn:microsoft.com/office/officeart/2008/layout/NameandTitleOrganizationalChart"/>
+    <dgm:cxn modelId="{879118F0-BECE-4D03-BF5C-F682130DA800}" type="presOf" srcId="{7315873D-BADF-4984-A431-976521EFB86B}" destId="{0B6725E4-0887-4C87-9875-9A7F6B69CD6C}" srcOrd="1" destOrd="0" presId="urn:microsoft.com/office/officeart/2008/layout/NameandTitleOrganizationalChart"/>
+    <dgm:cxn modelId="{4881E002-B8BC-45F9-BF39-5AEC3357B393}" type="presOf" srcId="{8D10E390-ABCF-4389-B87B-4FE02464D45A}" destId="{844C2EB8-F332-4E9B-8C12-C47E4F7B7B84}" srcOrd="0" destOrd="0" presId="urn:microsoft.com/office/officeart/2008/layout/NameandTitleOrganizationalChart"/>
+    <dgm:cxn modelId="{12F4F400-1C92-4FD1-AE34-6245E6E87F32}" type="presOf" srcId="{15E998CE-284C-4F10-BFD5-AECCF9BF3292}" destId="{40B8C118-9BAF-40FD-B98C-0A8FE44B27C4}" srcOrd="0" destOrd="0" presId="urn:microsoft.com/office/officeart/2008/layout/NameandTitleOrganizationalChart"/>
+    <dgm:cxn modelId="{7556279C-8F14-44B0-BACB-1B94813365F6}" type="presOf" srcId="{F50FF6B0-362C-438A-A613-CAA5F3625AA4}" destId="{71A4F153-60AC-4CE1-8AC3-0443195B9B96}" srcOrd="1" destOrd="0" presId="urn:microsoft.com/office/officeart/2008/layout/NameandTitleOrganizationalChart"/>
+    <dgm:cxn modelId="{56D30539-1D2E-409E-A5B6-A72EB8E5CB05}" type="presOf" srcId="{8D10E390-ABCF-4389-B87B-4FE02464D45A}" destId="{DABB8DC9-8054-4BEB-B054-CABACD104586}" srcOrd="1" destOrd="0" presId="urn:microsoft.com/office/officeart/2008/layout/NameandTitleOrganizationalChart"/>
+    <dgm:cxn modelId="{2DE31D37-BD39-4F04-92A6-613830DDBC38}" type="presOf" srcId="{3479E766-EBE7-42D1-9BAD-25D121B91C11}" destId="{CF4BF49A-7DE9-4808-937C-CE9D3DF70FBD}" srcOrd="0" destOrd="0" presId="urn:microsoft.com/office/officeart/2008/layout/NameandTitleOrganizationalChart"/>
+    <dgm:cxn modelId="{1F5C460F-5730-408A-9A1A-E8A6CA1E3E8F}" type="presOf" srcId="{DB76BC93-A9D8-4A9E-AADD-4AA8836B19A7}" destId="{821B02D1-891C-471A-A164-F954C6A4FC7C}" srcOrd="0" destOrd="0" presId="urn:microsoft.com/office/officeart/2008/layout/NameandTitleOrganizationalChart"/>
+    <dgm:cxn modelId="{6E9B7D2E-3E1D-4A89-9FE1-8FC108D2A049}" type="presOf" srcId="{C1F5078C-86A6-40E3-B438-52AB5A75995F}" destId="{71D30A04-631A-4561-AD9B-F8DCCCE7D6EA}" srcOrd="0" destOrd="0" presId="urn:microsoft.com/office/officeart/2008/layout/NameandTitleOrganizationalChart"/>
+    <dgm:cxn modelId="{A80BC8F4-E91F-40DF-9099-3969E0E2D2B8}" type="presOf" srcId="{EE771179-A4D2-4CBC-8354-9B3AC501CC68}" destId="{71D34BC3-5AE0-490A-B1CB-16F8752F1527}" srcOrd="0" destOrd="0" presId="urn:microsoft.com/office/officeart/2008/layout/NameandTitleOrganizationalChart"/>
+    <dgm:cxn modelId="{317FEB28-1CCA-4D6E-BA77-303E9F99BBEB}" srcId="{9859D764-E2A7-4F4D-8FB5-B63E7F459D61}" destId="{99A1B983-419C-40C9-BF60-A9A421726865}" srcOrd="0" destOrd="0" parTransId="{A04D6CC9-EA66-4368-A891-515F9679FE15}" sibTransId="{5CCE849D-FCF5-4AAE-B339-03D98C5899B8}"/>
+    <dgm:cxn modelId="{8E6A69FD-BE02-4C6C-80AF-0EB54BED2D71}" srcId="{3479E766-EBE7-42D1-9BAD-25D121B91C11}" destId="{8D10E390-ABCF-4389-B87B-4FE02464D45A}" srcOrd="0" destOrd="0" parTransId="{0B85F4EA-AF3A-4E38-AE99-2C55CCC0361B}" sibTransId="{94181B4D-0D41-49A7-9E20-5196C964DFBE}"/>
+    <dgm:cxn modelId="{9CC4A01D-ABB4-4672-A750-EC7A6040A053}" type="presParOf" srcId="{40B8C118-9BAF-40FD-B98C-0A8FE44B27C4}" destId="{87D6125B-67AD-4CB1-9C1B-C152FDD116C8}" srcOrd="0" destOrd="0" presId="urn:microsoft.com/office/officeart/2008/layout/NameandTitleOrganizationalChart"/>
+    <dgm:cxn modelId="{D7EA987E-47BC-4DFB-82CA-793E36022264}" type="presParOf" srcId="{87D6125B-67AD-4CB1-9C1B-C152FDD116C8}" destId="{3A52BFF5-C0FD-4BE4-AA4C-6BCE0B41AEA0}" srcOrd="0" destOrd="0" presId="urn:microsoft.com/office/officeart/2008/layout/NameandTitleOrganizationalChart"/>
+    <dgm:cxn modelId="{5E709C88-6F27-4BB0-B058-0B5E189417F5}" type="presParOf" srcId="{3A52BFF5-C0FD-4BE4-AA4C-6BCE0B41AEA0}" destId="{CF4BF49A-7DE9-4808-937C-CE9D3DF70FBD}" srcOrd="0" destOrd="0" presId="urn:microsoft.com/office/officeart/2008/layout/NameandTitleOrganizationalChart"/>
+    <dgm:cxn modelId="{EF7D2BE9-8E1E-484E-AEEB-F7E589EFE269}" type="presParOf" srcId="{3A52BFF5-C0FD-4BE4-AA4C-6BCE0B41AEA0}" destId="{71D30A04-631A-4561-AD9B-F8DCCCE7D6EA}" srcOrd="1" destOrd="0" presId="urn:microsoft.com/office/officeart/2008/layout/NameandTitleOrganizationalChart"/>
+    <dgm:cxn modelId="{A02A89EA-58D7-4DD2-A641-52E105936FE0}" type="presParOf" srcId="{3A52BFF5-C0FD-4BE4-AA4C-6BCE0B41AEA0}" destId="{5184069E-55DB-457B-AF08-EBB1377CF3C8}" srcOrd="2" destOrd="0" presId="urn:microsoft.com/office/officeart/2008/layout/NameandTitleOrganizationalChart"/>
+    <dgm:cxn modelId="{E439B0DC-D0F2-4BF9-B359-DF81F24D26A6}" type="presParOf" srcId="{87D6125B-67AD-4CB1-9C1B-C152FDD116C8}" destId="{C1853D8D-8B91-4FBF-817C-4A8FCBB1DD4C}" srcOrd="1" destOrd="0" presId="urn:microsoft.com/office/officeart/2008/layout/NameandTitleOrganizationalChart"/>
+    <dgm:cxn modelId="{833327DB-623F-430B-B822-8A862B76BD27}" type="presParOf" srcId="{C1853D8D-8B91-4FBF-817C-4A8FCBB1DD4C}" destId="{0741F043-C52B-421D-B53F-82D5C15064C9}" srcOrd="0" destOrd="0" presId="urn:microsoft.com/office/officeart/2008/layout/NameandTitleOrganizationalChart"/>
+    <dgm:cxn modelId="{C201C471-C456-4809-9392-455855635DDE}" type="presParOf" srcId="{C1853D8D-8B91-4FBF-817C-4A8FCBB1DD4C}" destId="{8680543F-9E1D-4D1F-8BE4-8436DBB57E8B}" srcOrd="1" destOrd="0" presId="urn:microsoft.com/office/officeart/2008/layout/NameandTitleOrganizationalChart"/>
+    <dgm:cxn modelId="{DF6F637D-B61E-4627-A207-1CB9A385CAC9}" type="presParOf" srcId="{8680543F-9E1D-4D1F-8BE4-8436DBB57E8B}" destId="{13709DB1-97DD-4681-8C8A-FC1E991ED3D1}" srcOrd="0" destOrd="0" presId="urn:microsoft.com/office/officeart/2008/layout/NameandTitleOrganizationalChart"/>
+    <dgm:cxn modelId="{CD05B20D-074D-4BDA-BF34-8794E0C158DE}" type="presParOf" srcId="{13709DB1-97DD-4681-8C8A-FC1E991ED3D1}" destId="{C13972BB-169E-4C48-816A-2C346E3FD204}" srcOrd="0" destOrd="0" presId="urn:microsoft.com/office/officeart/2008/layout/NameandTitleOrganizationalChart"/>
+    <dgm:cxn modelId="{B2249DAA-D024-40EE-AA01-0E414FAB9D08}" type="presParOf" srcId="{13709DB1-97DD-4681-8C8A-FC1E991ED3D1}" destId="{B3369263-41BD-4251-B97C-6C29634A2E32}" srcOrd="1" destOrd="0" presId="urn:microsoft.com/office/officeart/2008/layout/NameandTitleOrganizationalChart"/>
+    <dgm:cxn modelId="{C8E1DA03-B01C-449E-8C3E-200ED798A53B}" type="presParOf" srcId="{13709DB1-97DD-4681-8C8A-FC1E991ED3D1}" destId="{1055C9E7-09E1-498E-A776-F46CFE237EB9}" srcOrd="2" destOrd="0" presId="urn:microsoft.com/office/officeart/2008/layout/NameandTitleOrganizationalChart"/>
+    <dgm:cxn modelId="{3C359CF6-119F-48F9-BFA6-863E61494EFD}" type="presParOf" srcId="{8680543F-9E1D-4D1F-8BE4-8436DBB57E8B}" destId="{E127166A-A420-4F47-8E65-61591EED6B3C}" srcOrd="1" destOrd="0" presId="urn:microsoft.com/office/officeart/2008/layout/NameandTitleOrganizationalChart"/>
+    <dgm:cxn modelId="{3FD06DFF-D26B-4F71-84AA-A9698CF73B9E}" type="presParOf" srcId="{8680543F-9E1D-4D1F-8BE4-8436DBB57E8B}" destId="{2EB0B348-98FF-4475-8D07-F81EC633D5A8}" srcOrd="2" destOrd="0" presId="urn:microsoft.com/office/officeart/2008/layout/NameandTitleOrganizationalChart"/>
+    <dgm:cxn modelId="{5501366D-288A-4E1B-9F3F-EDE0368EB76C}" type="presParOf" srcId="{2EB0B348-98FF-4475-8D07-F81EC633D5A8}" destId="{3820EA95-9475-4977-9B9F-D3E1B00F0FA1}" srcOrd="0" destOrd="0" presId="urn:microsoft.com/office/officeart/2008/layout/NameandTitleOrganizationalChart"/>
+    <dgm:cxn modelId="{0BD465D3-C53C-41EA-A723-6365A8D8CFA2}" type="presParOf" srcId="{2EB0B348-98FF-4475-8D07-F81EC633D5A8}" destId="{B3ACCC6D-5668-4FA3-8097-7727246D643F}" srcOrd="1" destOrd="0" presId="urn:microsoft.com/office/officeart/2008/layout/NameandTitleOrganizationalChart"/>
+    <dgm:cxn modelId="{3B6D9A69-FAF3-4ACF-BB68-460FDF520B12}" type="presParOf" srcId="{B3ACCC6D-5668-4FA3-8097-7727246D643F}" destId="{4A4EAF98-B46B-4DCA-A07D-C98DF1FE55EC}" srcOrd="0" destOrd="0" presId="urn:microsoft.com/office/officeart/2008/layout/NameandTitleOrganizationalChart"/>
+    <dgm:cxn modelId="{FE74C3FA-D408-4448-8231-F35A96B7279A}" type="presParOf" srcId="{4A4EAF98-B46B-4DCA-A07D-C98DF1FE55EC}" destId="{B05867A0-E8AA-47CF-BF20-BE670CB592BD}" srcOrd="0" destOrd="0" presId="urn:microsoft.com/office/officeart/2008/layout/NameandTitleOrganizationalChart"/>
+    <dgm:cxn modelId="{00FE0017-D4DA-46EA-96E4-0F8883E9977A}" type="presParOf" srcId="{4A4EAF98-B46B-4DCA-A07D-C98DF1FE55EC}" destId="{B731182D-E1F8-43E3-B6CD-D3D3DC6FDF3F}" srcOrd="1" destOrd="0" presId="urn:microsoft.com/office/officeart/2008/layout/NameandTitleOrganizationalChart"/>
+    <dgm:cxn modelId="{208AB137-97BA-4009-AD65-A3C462D93968}" type="presParOf" srcId="{4A4EAF98-B46B-4DCA-A07D-C98DF1FE55EC}" destId="{BA6053B0-88F6-4F74-81AA-8DF2F778E75C}" srcOrd="2" destOrd="0" presId="urn:microsoft.com/office/officeart/2008/layout/NameandTitleOrganizationalChart"/>
+    <dgm:cxn modelId="{06B383D7-6C4E-4851-9DE8-CCE118472FF5}" type="presParOf" srcId="{B3ACCC6D-5668-4FA3-8097-7727246D643F}" destId="{55FF5A21-EFE2-4B76-9593-9B0FECCADA16}" srcOrd="1" destOrd="0" presId="urn:microsoft.com/office/officeart/2008/layout/NameandTitleOrganizationalChart"/>
+    <dgm:cxn modelId="{27134781-6CFC-4A90-A4AA-453A6067B43A}" type="presParOf" srcId="{B3ACCC6D-5668-4FA3-8097-7727246D643F}" destId="{266196C9-0544-45AB-A656-9C6BE8EB1BDF}" srcOrd="2" destOrd="0" presId="urn:microsoft.com/office/officeart/2008/layout/NameandTitleOrganizationalChart"/>
+    <dgm:cxn modelId="{69BF2364-1394-466E-A2C2-614346C06D33}" type="presParOf" srcId="{87D6125B-67AD-4CB1-9C1B-C152FDD116C8}" destId="{C418B083-EC5D-4888-9BEA-C3C3C740975E}" srcOrd="2" destOrd="0" presId="urn:microsoft.com/office/officeart/2008/layout/NameandTitleOrganizationalChart"/>
+    <dgm:cxn modelId="{BC697D5B-BA67-4B0E-A34B-2B53C1AE607A}" type="presParOf" srcId="{C418B083-EC5D-4888-9BEA-C3C3C740975E}" destId="{04FADF1B-F2CB-41FE-B823-6E65A8CBBBBC}" srcOrd="0" destOrd="0" presId="urn:microsoft.com/office/officeart/2008/layout/NameandTitleOrganizationalChart"/>
+    <dgm:cxn modelId="{995FDB8C-57C4-44A9-BE22-0932B7001DA1}" type="presParOf" srcId="{C418B083-EC5D-4888-9BEA-C3C3C740975E}" destId="{252F6199-0D50-4C02-BFBA-4753C0749912}" srcOrd="1" destOrd="0" presId="urn:microsoft.com/office/officeart/2008/layout/NameandTitleOrganizationalChart"/>
+    <dgm:cxn modelId="{D3541457-98E6-4457-B4F3-76664C527C16}" type="presParOf" srcId="{252F6199-0D50-4C02-BFBA-4753C0749912}" destId="{E11DE4AB-4A43-420F-9AB0-28549BED69C0}" srcOrd="0" destOrd="0" presId="urn:microsoft.com/office/officeart/2008/layout/NameandTitleOrganizationalChart"/>
+    <dgm:cxn modelId="{277080F8-20D6-496E-87A8-8AD29B95B472}" type="presParOf" srcId="{E11DE4AB-4A43-420F-9AB0-28549BED69C0}" destId="{844C2EB8-F332-4E9B-8C12-C47E4F7B7B84}" srcOrd="0" destOrd="0" presId="urn:microsoft.com/office/officeart/2008/layout/NameandTitleOrganizationalChart"/>
+    <dgm:cxn modelId="{504E5EB4-2AED-4758-99F7-832150D4FF29}" type="presParOf" srcId="{E11DE4AB-4A43-420F-9AB0-28549BED69C0}" destId="{EB33CE6A-31CA-42AE-8744-7C5881C06510}" srcOrd="1" destOrd="0" presId="urn:microsoft.com/office/officeart/2008/layout/NameandTitleOrganizationalChart"/>
+    <dgm:cxn modelId="{61DEBFCF-11AE-4BE1-840A-807B5B5E33A0}" type="presParOf" srcId="{E11DE4AB-4A43-420F-9AB0-28549BED69C0}" destId="{DABB8DC9-8054-4BEB-B054-CABACD104586}" srcOrd="2" destOrd="0" presId="urn:microsoft.com/office/officeart/2008/layout/NameandTitleOrganizationalChart"/>
+    <dgm:cxn modelId="{6E01AEA9-C80A-4B2A-97C4-46192D56DA14}" type="presParOf" srcId="{252F6199-0D50-4C02-BFBA-4753C0749912}" destId="{4E587AF8-F93E-40A9-B56A-0F6F62ED9BCC}" srcOrd="1" destOrd="0" presId="urn:microsoft.com/office/officeart/2008/layout/NameandTitleOrganizationalChart"/>
+    <dgm:cxn modelId="{B41331E2-99F8-439E-B59F-DE19DE992AA6}" type="presParOf" srcId="{252F6199-0D50-4C02-BFBA-4753C0749912}" destId="{0B0B0F4E-E7E1-4859-AC4F-1FD7BF147C97}" srcOrd="2" destOrd="0" presId="urn:microsoft.com/office/officeart/2008/layout/NameandTitleOrganizationalChart"/>
+    <dgm:cxn modelId="{24130AF9-DF10-438D-B651-F5B87BF0FA96}" type="presParOf" srcId="{0B0B0F4E-E7E1-4859-AC4F-1FD7BF147C97}" destId="{7089A9C6-6F2C-4C1E-AB15-88BC2D7E0137}" srcOrd="0" destOrd="0" presId="urn:microsoft.com/office/officeart/2008/layout/NameandTitleOrganizationalChart"/>
+    <dgm:cxn modelId="{E856BEED-28D2-4B8E-BE0C-CEA2AD683081}" type="presParOf" srcId="{0B0B0F4E-E7E1-4859-AC4F-1FD7BF147C97}" destId="{A6A4CCBE-D1EC-40DE-9856-F9D67C94E09A}" srcOrd="1" destOrd="0" presId="urn:microsoft.com/office/officeart/2008/layout/NameandTitleOrganizationalChart"/>
+    <dgm:cxn modelId="{5B5E4B23-AE8D-48A2-B3B9-28CF99535EC5}" type="presParOf" srcId="{A6A4CCBE-D1EC-40DE-9856-F9D67C94E09A}" destId="{B9325112-5085-4A20-AB56-D723B56B2AF7}" srcOrd="0" destOrd="0" presId="urn:microsoft.com/office/officeart/2008/layout/NameandTitleOrganizationalChart"/>
+    <dgm:cxn modelId="{866B672D-070C-46DA-BF60-920F85A4FB6A}" type="presParOf" srcId="{B9325112-5085-4A20-AB56-D723B56B2AF7}" destId="{65728441-1D6C-429D-A340-820653387442}" srcOrd="0" destOrd="0" presId="urn:microsoft.com/office/officeart/2008/layout/NameandTitleOrganizationalChart"/>
+    <dgm:cxn modelId="{53ED51AC-54DA-4887-BDAF-797F4D1D6F45}" type="presParOf" srcId="{B9325112-5085-4A20-AB56-D723B56B2AF7}" destId="{7D256364-5405-44E2-BE6B-A65F99705CE8}" srcOrd="1" destOrd="0" presId="urn:microsoft.com/office/officeart/2008/layout/NameandTitleOrganizationalChart"/>
+    <dgm:cxn modelId="{85BBC566-934E-4C33-8EC2-3BB566F9856E}" type="presParOf" srcId="{B9325112-5085-4A20-AB56-D723B56B2AF7}" destId="{71A4F153-60AC-4CE1-8AC3-0443195B9B96}" srcOrd="2" destOrd="0" presId="urn:microsoft.com/office/officeart/2008/layout/NameandTitleOrganizationalChart"/>
+    <dgm:cxn modelId="{009FE389-C418-4958-B7FC-C91C752C368D}" type="presParOf" srcId="{A6A4CCBE-D1EC-40DE-9856-F9D67C94E09A}" destId="{D3BFEB3F-BE30-44F5-B619-23BEA7F9EDCB}" srcOrd="1" destOrd="0" presId="urn:microsoft.com/office/officeart/2008/layout/NameandTitleOrganizationalChart"/>
+    <dgm:cxn modelId="{C9E96A01-D836-4058-8F1C-48AA9B2C5A84}" type="presParOf" srcId="{A6A4CCBE-D1EC-40DE-9856-F9D67C94E09A}" destId="{3E585850-342E-4BD4-AB8D-1E4BAE25CE49}" srcOrd="2" destOrd="0" presId="urn:microsoft.com/office/officeart/2008/layout/NameandTitleOrganizationalChart"/>
+    <dgm:cxn modelId="{0C3A6B82-E017-41C3-90B5-40E0B294D1A4}" type="presParOf" srcId="{0B0B0F4E-E7E1-4859-AC4F-1FD7BF147C97}" destId="{4203D97C-94A0-4EF0-9B06-D52F0E81CC48}" srcOrd="2" destOrd="0" presId="urn:microsoft.com/office/officeart/2008/layout/NameandTitleOrganizationalChart"/>
+    <dgm:cxn modelId="{89C70F35-D28A-4A1E-AB40-E23E5AFD68EF}" type="presParOf" srcId="{0B0B0F4E-E7E1-4859-AC4F-1FD7BF147C97}" destId="{B83239BF-F031-449D-AE91-E7537D11023C}" srcOrd="3" destOrd="0" presId="urn:microsoft.com/office/officeart/2008/layout/NameandTitleOrganizationalChart"/>
+    <dgm:cxn modelId="{CCE6D589-8D71-45A2-A4CE-31BEEDD2EF69}" type="presParOf" srcId="{B83239BF-F031-449D-AE91-E7537D11023C}" destId="{CC064811-B99C-445F-B607-8499C3553BB4}" srcOrd="0" destOrd="0" presId="urn:microsoft.com/office/officeart/2008/layout/NameandTitleOrganizationalChart"/>
+    <dgm:cxn modelId="{D7C05AFE-0C3D-4548-A12B-10E3E67270D2}" type="presParOf" srcId="{CC064811-B99C-445F-B607-8499C3553BB4}" destId="{A24A19AD-3415-4D04-B7C3-93444F96EECF}" srcOrd="0" destOrd="0" presId="urn:microsoft.com/office/officeart/2008/layout/NameandTitleOrganizationalChart"/>
+    <dgm:cxn modelId="{EB8104A0-6789-4585-B063-1CCD700AA651}" type="presParOf" srcId="{CC064811-B99C-445F-B607-8499C3553BB4}" destId="{EBDEC477-7DF7-447D-AE63-D5F395D32C09}" srcOrd="1" destOrd="0" presId="urn:microsoft.com/office/officeart/2008/layout/NameandTitleOrganizationalChart"/>
+    <dgm:cxn modelId="{9283ECDB-823E-4164-9A42-CE3722BF404C}" type="presParOf" srcId="{CC064811-B99C-445F-B607-8499C3553BB4}" destId="{0B6725E4-0887-4C87-9875-9A7F6B69CD6C}" srcOrd="2" destOrd="0" presId="urn:microsoft.com/office/officeart/2008/layout/NameandTitleOrganizationalChart"/>
+    <dgm:cxn modelId="{14391BFD-C0CF-40FF-B05B-B91D9A38114D}" type="presParOf" srcId="{B83239BF-F031-449D-AE91-E7537D11023C}" destId="{2D5E7619-A3D0-44FF-B49D-101B8B39D997}" srcOrd="1" destOrd="0" presId="urn:microsoft.com/office/officeart/2008/layout/NameandTitleOrganizationalChart"/>
+    <dgm:cxn modelId="{98629792-113F-4BB6-AB15-A59BE2FCF841}" type="presParOf" srcId="{B83239BF-F031-449D-AE91-E7537D11023C}" destId="{3A648F9B-EA95-4E10-8E6F-771D754263AA}" srcOrd="2" destOrd="0" presId="urn:microsoft.com/office/officeart/2008/layout/NameandTitleOrganizationalChart"/>
+    <dgm:cxn modelId="{6CA8D274-FE3D-4CC2-91A5-5B5435DC10D4}" type="presParOf" srcId="{40B8C118-9BAF-40FD-B98C-0A8FE44B27C4}" destId="{6A6A3355-A02D-4DF1-A3BA-25CB4B8E3CA1}" srcOrd="1" destOrd="0" presId="urn:microsoft.com/office/officeart/2008/layout/NameandTitleOrganizationalChart"/>
+    <dgm:cxn modelId="{937F066A-50E8-40DB-8B22-F2854D69CB6E}" type="presParOf" srcId="{6A6A3355-A02D-4DF1-A3BA-25CB4B8E3CA1}" destId="{F1C987EC-165F-4268-A85F-34301FDF89E9}" srcOrd="0" destOrd="0" presId="urn:microsoft.com/office/officeart/2008/layout/NameandTitleOrganizationalChart"/>
+    <dgm:cxn modelId="{DFA75CDF-0117-42E7-A416-3A82DA77AADC}" type="presParOf" srcId="{F1C987EC-165F-4268-A85F-34301FDF89E9}" destId="{821B02D1-891C-471A-A164-F954C6A4FC7C}" srcOrd="0" destOrd="0" presId="urn:microsoft.com/office/officeart/2008/layout/NameandTitleOrganizationalChart"/>
+    <dgm:cxn modelId="{9A397AED-A1ED-4BC7-83DD-A301AFAA6466}" type="presParOf" srcId="{F1C987EC-165F-4268-A85F-34301FDF89E9}" destId="{71D34BC3-5AE0-490A-B1CB-16F8752F1527}" srcOrd="1" destOrd="0" presId="urn:microsoft.com/office/officeart/2008/layout/NameandTitleOrganizationalChart"/>
+    <dgm:cxn modelId="{0C014AAC-7ED8-4BBC-ACB3-23B885706061}" type="presParOf" srcId="{F1C987EC-165F-4268-A85F-34301FDF89E9}" destId="{D4B65186-B85A-4340-A91C-A618F7303051}" srcOrd="2" destOrd="0" presId="urn:microsoft.com/office/officeart/2008/layout/NameandTitleOrganizationalChart"/>
+    <dgm:cxn modelId="{460D8805-78DB-4A0A-BCB4-3E4330297E95}" type="presParOf" srcId="{6A6A3355-A02D-4DF1-A3BA-25CB4B8E3CA1}" destId="{8BD0CFC2-8382-48BC-B10D-92C8EA69D068}" srcOrd="1" destOrd="0" presId="urn:microsoft.com/office/officeart/2008/layout/NameandTitleOrganizationalChart"/>
+    <dgm:cxn modelId="{537A7BC8-BB00-4E0A-A876-C36E3F0B0031}" type="presParOf" srcId="{6A6A3355-A02D-4DF1-A3BA-25CB4B8E3CA1}" destId="{FC0FAE1C-48DA-4EEC-96F1-A2FBC77D56DC}" srcOrd="2" destOrd="0" presId="urn:microsoft.com/office/officeart/2008/layout/NameandTitleOrganizationalChart"/>
+  </dgm:cxnLst>
+  <dgm:bg/>
+  <dgm:whole/>
+  <dgm:extLst>
+    <a:ext uri="http://schemas.microsoft.com/office/drawing/2008/diagram">
+      <dsp:dataModelExt xmlns:dsp="http://schemas.microsoft.com/office/drawing/2008/diagram" relId="rId6" minVer="http://schemas.openxmlformats.org/drawingml/2006/diagram"/>
+    </a:ext>
+  </dgm:extLst>
+</dgm:dataModel>
+</file>
+
+<file path=ppt/diagrams/data2.xml><?xml version="1.0" encoding="utf-8"?>
+<dgm:dataModel xmlns:dgm="http://schemas.openxmlformats.org/drawingml/2006/diagram" xmlns:a="http://schemas.openxmlformats.org/drawingml/2006/main">
+  <dgm:ptLst>
     <dgm:pt modelId="{60E93AD3-30BE-4767-8D39-E7D92EF608C3}" type="doc">
       <dgm:prSet loTypeId="urn:microsoft.com/office/officeart/2005/8/layout/orgChart1" loCatId="hierarchy" qsTypeId="urn:microsoft.com/office/officeart/2005/8/quickstyle/simple3" qsCatId="simple" csTypeId="urn:microsoft.com/office/officeart/2005/8/colors/colorful1" csCatId="colorful" phldr="1"/>
       <dgm:spPr/>
@@ -1307,26 +2831,6 @@
         </dgm:presLayoutVars>
       </dgm:prSet>
       <dgm:spPr/>
-    </dgm:pt>
-    <dgm:pt modelId="{D6E8058E-0948-45F0-B144-A85B090B7AA0}" type="pres">
-      <dgm:prSet presAssocID="{28AED74F-F378-4187-B8F4-D092434A3F24}" presName="hierRoot1" presStyleCnt="0">
-        <dgm:presLayoutVars>
-          <dgm:hierBranch val="init"/>
-        </dgm:presLayoutVars>
-      </dgm:prSet>
-      <dgm:spPr/>
-    </dgm:pt>
-    <dgm:pt modelId="{7B883CC3-35F0-474D-8919-BE2BF8A365D5}" type="pres">
-      <dgm:prSet presAssocID="{28AED74F-F378-4187-B8F4-D092434A3F24}" presName="rootComposite1" presStyleCnt="0"/>
-      <dgm:spPr/>
-    </dgm:pt>
-    <dgm:pt modelId="{CD9239C4-A412-47EC-A6C1-744A467EB3D6}" type="pres">
-      <dgm:prSet presAssocID="{28AED74F-F378-4187-B8F4-D092434A3F24}" presName="rootText1" presStyleLbl="node0" presStyleIdx="0" presStyleCnt="1">
-        <dgm:presLayoutVars>
-          <dgm:chPref val="3"/>
-        </dgm:presLayoutVars>
-      </dgm:prSet>
-      <dgm:spPr/>
       <dgm:t>
         <a:bodyPr/>
         <a:lstStyle/>
@@ -1335,36 +2839,20 @@
         </a:p>
       </dgm:t>
     </dgm:pt>
-    <dgm:pt modelId="{B65BA92D-EBDB-4289-B570-3EB7650F6ADE}" type="pres">
-      <dgm:prSet presAssocID="{28AED74F-F378-4187-B8F4-D092434A3F24}" presName="rootConnector1" presStyleLbl="node1" presStyleIdx="0" presStyleCnt="0"/>
-      <dgm:spPr/>
-    </dgm:pt>
-    <dgm:pt modelId="{9B22FA09-2E99-408B-A367-5964F34AAC68}" type="pres">
-      <dgm:prSet presAssocID="{28AED74F-F378-4187-B8F4-D092434A3F24}" presName="hierChild2" presStyleCnt="0"/>
-      <dgm:spPr/>
-    </dgm:pt>
-    <dgm:pt modelId="{7A78E2D2-DE9A-4ACF-B5AA-E7B928EFB4D5}" type="pres">
-      <dgm:prSet presAssocID="{28AED74F-F378-4187-B8F4-D092434A3F24}" presName="hierChild3" presStyleCnt="0"/>
-      <dgm:spPr/>
-    </dgm:pt>
-    <dgm:pt modelId="{91FFB2FB-811C-4B02-BB7B-D23B47F892E4}" type="pres">
-      <dgm:prSet presAssocID="{B5EC5C44-2B11-45D8-BAD6-578F20AFB5E0}" presName="Name111" presStyleLbl="parChTrans1D2" presStyleIdx="0" presStyleCnt="1"/>
-      <dgm:spPr/>
-    </dgm:pt>
-    <dgm:pt modelId="{84BB28B5-1697-4FF9-932E-64C7CCFFCA5C}" type="pres">
-      <dgm:prSet presAssocID="{C4977C36-550F-4A5F-9C87-A811F117BA5F}" presName="hierRoot3" presStyleCnt="0">
+    <dgm:pt modelId="{D6E8058E-0948-45F0-B144-A85B090B7AA0}" type="pres">
+      <dgm:prSet presAssocID="{28AED74F-F378-4187-B8F4-D092434A3F24}" presName="hierRoot1" presStyleCnt="0">
         <dgm:presLayoutVars>
           <dgm:hierBranch val="init"/>
         </dgm:presLayoutVars>
       </dgm:prSet>
       <dgm:spPr/>
     </dgm:pt>
-    <dgm:pt modelId="{CEFF731A-A977-4421-8FAD-AF452161785A}" type="pres">
-      <dgm:prSet presAssocID="{C4977C36-550F-4A5F-9C87-A811F117BA5F}" presName="rootComposite3" presStyleCnt="0"/>
-      <dgm:spPr/>
-    </dgm:pt>
-    <dgm:pt modelId="{7A135C08-590F-49A8-8D0B-36B9D84D9841}" type="pres">
-      <dgm:prSet presAssocID="{C4977C36-550F-4A5F-9C87-A811F117BA5F}" presName="rootText3" presStyleLbl="asst1" presStyleIdx="0" presStyleCnt="1">
+    <dgm:pt modelId="{7B883CC3-35F0-474D-8919-BE2BF8A365D5}" type="pres">
+      <dgm:prSet presAssocID="{28AED74F-F378-4187-B8F4-D092434A3F24}" presName="rootComposite1" presStyleCnt="0"/>
+      <dgm:spPr/>
+    </dgm:pt>
+    <dgm:pt modelId="{CD9239C4-A412-47EC-A6C1-744A467EB3D6}" type="pres">
+      <dgm:prSet presAssocID="{28AED74F-F378-4187-B8F4-D092434A3F24}" presName="rootText1" presStyleLbl="node0" presStyleIdx="0" presStyleCnt="1">
         <dgm:presLayoutVars>
           <dgm:chPref val="3"/>
         </dgm:presLayoutVars>
@@ -1378,36 +2866,8 @@
         </a:p>
       </dgm:t>
     </dgm:pt>
-    <dgm:pt modelId="{F982FCCE-8244-4D58-8A5F-79800488E629}" type="pres">
-      <dgm:prSet presAssocID="{C4977C36-550F-4A5F-9C87-A811F117BA5F}" presName="rootConnector3" presStyleLbl="asst1" presStyleIdx="0" presStyleCnt="1"/>
-      <dgm:spPr/>
-    </dgm:pt>
-    <dgm:pt modelId="{66593B99-C3ED-4CBB-BCBF-CD29ABB9A556}" type="pres">
-      <dgm:prSet presAssocID="{C4977C36-550F-4A5F-9C87-A811F117BA5F}" presName="hierChild6" presStyleCnt="0"/>
-      <dgm:spPr/>
-    </dgm:pt>
-    <dgm:pt modelId="{58E9FF4B-FFEF-442A-AA17-5483B73B85B5}" type="pres">
-      <dgm:prSet presAssocID="{A14E9937-A010-409C-B3D8-5A070C6B84B2}" presName="Name37" presStyleLbl="parChTrans1D3" presStyleIdx="0" presStyleCnt="1"/>
-      <dgm:spPr/>
-    </dgm:pt>
-    <dgm:pt modelId="{3845A8B9-E993-4B1D-B886-FC1236123003}" type="pres">
-      <dgm:prSet presAssocID="{152AB78E-AD46-49B6-8237-EE2D29DD061F}" presName="hierRoot2" presStyleCnt="0">
-        <dgm:presLayoutVars>
-          <dgm:hierBranch val="init"/>
-        </dgm:presLayoutVars>
-      </dgm:prSet>
-      <dgm:spPr/>
-    </dgm:pt>
-    <dgm:pt modelId="{49C7E591-3312-4B90-8655-2824B208DFE2}" type="pres">
-      <dgm:prSet presAssocID="{152AB78E-AD46-49B6-8237-EE2D29DD061F}" presName="rootComposite" presStyleCnt="0"/>
-      <dgm:spPr/>
-    </dgm:pt>
-    <dgm:pt modelId="{9783CC92-21D0-4B65-A18B-4EC2A5A0862B}" type="pres">
-      <dgm:prSet presAssocID="{152AB78E-AD46-49B6-8237-EE2D29DD061F}" presName="rootText" presStyleLbl="node3" presStyleIdx="0" presStyleCnt="1">
-        <dgm:presLayoutVars>
-          <dgm:chPref val="3"/>
-        </dgm:presLayoutVars>
-      </dgm:prSet>
+    <dgm:pt modelId="{B65BA92D-EBDB-4289-B570-3EB7650F6ADE}" type="pres">
+      <dgm:prSet presAssocID="{28AED74F-F378-4187-B8F4-D092434A3F24}" presName="rootConnector1" presStyleLbl="node1" presStyleIdx="0" presStyleCnt="0"/>
       <dgm:spPr/>
       <dgm:t>
         <a:bodyPr/>
@@ -1417,36 +2877,16 @@
         </a:p>
       </dgm:t>
     </dgm:pt>
-    <dgm:pt modelId="{F467BD6F-64EF-4B83-B14D-2C1318429381}" type="pres">
-      <dgm:prSet presAssocID="{152AB78E-AD46-49B6-8237-EE2D29DD061F}" presName="rootConnector" presStyleLbl="node3" presStyleIdx="0" presStyleCnt="1"/>
-      <dgm:spPr/>
-    </dgm:pt>
-    <dgm:pt modelId="{FA6D30AC-2E64-4293-83C2-B2ABA8085998}" type="pres">
-      <dgm:prSet presAssocID="{152AB78E-AD46-49B6-8237-EE2D29DD061F}" presName="hierChild4" presStyleCnt="0"/>
-      <dgm:spPr/>
-    </dgm:pt>
-    <dgm:pt modelId="{27AF3E11-C6D3-496A-A278-7BAECF3F722B}" type="pres">
-      <dgm:prSet presAssocID="{DA7BDC28-48AE-4B8C-B0F6-5963C878CCD1}" presName="Name37" presStyleLbl="parChTrans1D4" presStyleIdx="0" presStyleCnt="4"/>
-      <dgm:spPr/>
-    </dgm:pt>
-    <dgm:pt modelId="{B32A97F1-45A0-498B-9EEB-CD07654F2832}" type="pres">
-      <dgm:prSet presAssocID="{F30153C1-E19E-474C-A42C-61AC08A41B7D}" presName="hierRoot2" presStyleCnt="0">
-        <dgm:presLayoutVars>
-          <dgm:hierBranch val="init"/>
-        </dgm:presLayoutVars>
-      </dgm:prSet>
-      <dgm:spPr/>
-    </dgm:pt>
-    <dgm:pt modelId="{9D48D9A4-6854-4791-94EE-B0D65701CF97}" type="pres">
-      <dgm:prSet presAssocID="{F30153C1-E19E-474C-A42C-61AC08A41B7D}" presName="rootComposite" presStyleCnt="0"/>
-      <dgm:spPr/>
-    </dgm:pt>
-    <dgm:pt modelId="{7C481C15-F641-45FB-B80D-21DD2CD3C055}" type="pres">
-      <dgm:prSet presAssocID="{F30153C1-E19E-474C-A42C-61AC08A41B7D}" presName="rootText" presStyleLbl="node4" presStyleIdx="0" presStyleCnt="4">
-        <dgm:presLayoutVars>
-          <dgm:chPref val="3"/>
-        </dgm:presLayoutVars>
-      </dgm:prSet>
+    <dgm:pt modelId="{9B22FA09-2E99-408B-A367-5964F34AAC68}" type="pres">
+      <dgm:prSet presAssocID="{28AED74F-F378-4187-B8F4-D092434A3F24}" presName="hierChild2" presStyleCnt="0"/>
+      <dgm:spPr/>
+    </dgm:pt>
+    <dgm:pt modelId="{7A78E2D2-DE9A-4ACF-B5AA-E7B928EFB4D5}" type="pres">
+      <dgm:prSet presAssocID="{28AED74F-F378-4187-B8F4-D092434A3F24}" presName="hierChild3" presStyleCnt="0"/>
+      <dgm:spPr/>
+    </dgm:pt>
+    <dgm:pt modelId="{91FFB2FB-811C-4B02-BB7B-D23B47F892E4}" type="pres">
+      <dgm:prSet presAssocID="{B5EC5C44-2B11-45D8-BAD6-578F20AFB5E0}" presName="Name111" presStyleLbl="parChTrans1D2" presStyleIdx="0" presStyleCnt="1"/>
       <dgm:spPr/>
       <dgm:t>
         <a:bodyPr/>
@@ -1456,32 +2896,20 @@
         </a:p>
       </dgm:t>
     </dgm:pt>
-    <dgm:pt modelId="{A9347E8E-8CEE-43D4-819D-D22009AFD790}" type="pres">
-      <dgm:prSet presAssocID="{F30153C1-E19E-474C-A42C-61AC08A41B7D}" presName="rootConnector" presStyleLbl="node4" presStyleIdx="0" presStyleCnt="4"/>
-      <dgm:spPr/>
-    </dgm:pt>
-    <dgm:pt modelId="{9D8E5BF6-189F-45AB-9EA9-AA1F6938CDF2}" type="pres">
-      <dgm:prSet presAssocID="{F30153C1-E19E-474C-A42C-61AC08A41B7D}" presName="hierChild4" presStyleCnt="0"/>
-      <dgm:spPr/>
-    </dgm:pt>
-    <dgm:pt modelId="{A388048D-5810-4771-88DF-534DBE4BF990}" type="pres">
-      <dgm:prSet presAssocID="{F3BA44A1-AAC7-4997-9BB2-07D47DF1B973}" presName="Name37" presStyleLbl="parChTrans1D4" presStyleIdx="1" presStyleCnt="4"/>
-      <dgm:spPr/>
-    </dgm:pt>
-    <dgm:pt modelId="{4F653627-75F1-41DB-A06B-67F5BCBEF676}" type="pres">
-      <dgm:prSet presAssocID="{F3FCA2FC-FF6F-4130-B989-9B863F0171EB}" presName="hierRoot2" presStyleCnt="0">
+    <dgm:pt modelId="{84BB28B5-1697-4FF9-932E-64C7CCFFCA5C}" type="pres">
+      <dgm:prSet presAssocID="{C4977C36-550F-4A5F-9C87-A811F117BA5F}" presName="hierRoot3" presStyleCnt="0">
         <dgm:presLayoutVars>
           <dgm:hierBranch val="init"/>
         </dgm:presLayoutVars>
       </dgm:prSet>
       <dgm:spPr/>
     </dgm:pt>
-    <dgm:pt modelId="{8A371020-A898-44B0-9124-51B68EC032A4}" type="pres">
-      <dgm:prSet presAssocID="{F3FCA2FC-FF6F-4130-B989-9B863F0171EB}" presName="rootComposite" presStyleCnt="0"/>
-      <dgm:spPr/>
-    </dgm:pt>
-    <dgm:pt modelId="{C7C4DE68-8B6B-4C03-A01A-42EE688DC268}" type="pres">
-      <dgm:prSet presAssocID="{F3FCA2FC-FF6F-4130-B989-9B863F0171EB}" presName="rootText" presStyleLbl="node4" presStyleIdx="1" presStyleCnt="4">
+    <dgm:pt modelId="{CEFF731A-A977-4421-8FAD-AF452161785A}" type="pres">
+      <dgm:prSet presAssocID="{C4977C36-550F-4A5F-9C87-A811F117BA5F}" presName="rootComposite3" presStyleCnt="0"/>
+      <dgm:spPr/>
+    </dgm:pt>
+    <dgm:pt modelId="{7A135C08-590F-49A8-8D0B-36B9D84D9841}" type="pres">
+      <dgm:prSet presAssocID="{C4977C36-550F-4A5F-9C87-A811F117BA5F}" presName="rootText3" presStyleLbl="asst1" presStyleIdx="0" presStyleCnt="1">
         <dgm:presLayoutVars>
           <dgm:chPref val="3"/>
         </dgm:presLayoutVars>
@@ -1495,44 +2923,8 @@
         </a:p>
       </dgm:t>
     </dgm:pt>
-    <dgm:pt modelId="{B716C9CB-D695-4E8C-8F1D-DD6EA87A9824}" type="pres">
-      <dgm:prSet presAssocID="{F3FCA2FC-FF6F-4130-B989-9B863F0171EB}" presName="rootConnector" presStyleLbl="node4" presStyleIdx="1" presStyleCnt="4"/>
-      <dgm:spPr/>
-    </dgm:pt>
-    <dgm:pt modelId="{9E0C28AF-8BF2-453C-B94D-579A9963D59F}" type="pres">
-      <dgm:prSet presAssocID="{F3FCA2FC-FF6F-4130-B989-9B863F0171EB}" presName="hierChild4" presStyleCnt="0"/>
-      <dgm:spPr/>
-    </dgm:pt>
-    <dgm:pt modelId="{1E3E0754-3C49-4453-BF6A-85835E231D76}" type="pres">
-      <dgm:prSet presAssocID="{F3FCA2FC-FF6F-4130-B989-9B863F0171EB}" presName="hierChild5" presStyleCnt="0"/>
-      <dgm:spPr/>
-    </dgm:pt>
-    <dgm:pt modelId="{DF1C4536-4B79-4F0B-87D9-FAF644663B5F}" type="pres">
-      <dgm:prSet presAssocID="{F30153C1-E19E-474C-A42C-61AC08A41B7D}" presName="hierChild5" presStyleCnt="0"/>
-      <dgm:spPr/>
-    </dgm:pt>
-    <dgm:pt modelId="{80537876-4520-4936-93ED-6025EB29981D}" type="pres">
-      <dgm:prSet presAssocID="{FFBD13BB-7F15-4766-8D7D-0DF27A2A2D5C}" presName="Name37" presStyleLbl="parChTrans1D4" presStyleIdx="2" presStyleCnt="4"/>
-      <dgm:spPr/>
-    </dgm:pt>
-    <dgm:pt modelId="{277075B9-C6CE-4165-9354-C06D23E5EEEB}" type="pres">
-      <dgm:prSet presAssocID="{6EF43CEA-584C-4BAA-B60F-D9D7EE1A2115}" presName="hierRoot2" presStyleCnt="0">
-        <dgm:presLayoutVars>
-          <dgm:hierBranch val="init"/>
-        </dgm:presLayoutVars>
-      </dgm:prSet>
-      <dgm:spPr/>
-    </dgm:pt>
-    <dgm:pt modelId="{71E98629-EB6B-4CE4-A598-33C5117E60C8}" type="pres">
-      <dgm:prSet presAssocID="{6EF43CEA-584C-4BAA-B60F-D9D7EE1A2115}" presName="rootComposite" presStyleCnt="0"/>
-      <dgm:spPr/>
-    </dgm:pt>
-    <dgm:pt modelId="{FED96B69-8591-4CC9-ABFA-DFF72684D88D}" type="pres">
-      <dgm:prSet presAssocID="{6EF43CEA-584C-4BAA-B60F-D9D7EE1A2115}" presName="rootText" presStyleLbl="node4" presStyleIdx="2" presStyleCnt="4" custLinFactNeighborX="-2040" custLinFactNeighborY="1632">
-        <dgm:presLayoutVars>
-          <dgm:chPref val="3"/>
-        </dgm:presLayoutVars>
-      </dgm:prSet>
+    <dgm:pt modelId="{F982FCCE-8244-4D58-8A5F-79800488E629}" type="pres">
+      <dgm:prSet presAssocID="{C4977C36-550F-4A5F-9C87-A811F117BA5F}" presName="rootConnector3" presStyleLbl="asst1" presStyleIdx="0" presStyleCnt="1"/>
       <dgm:spPr/>
       <dgm:t>
         <a:bodyPr/>
@@ -1542,40 +2934,12 @@
         </a:p>
       </dgm:t>
     </dgm:pt>
-    <dgm:pt modelId="{A397AFDE-3A24-416F-9D5C-25636DABD1F8}" type="pres">
-      <dgm:prSet presAssocID="{6EF43CEA-584C-4BAA-B60F-D9D7EE1A2115}" presName="rootConnector" presStyleLbl="node4" presStyleIdx="2" presStyleCnt="4"/>
-      <dgm:spPr/>
-    </dgm:pt>
-    <dgm:pt modelId="{FE28F7FA-D10C-4122-8138-F12E81FCB017}" type="pres">
-      <dgm:prSet presAssocID="{6EF43CEA-584C-4BAA-B60F-D9D7EE1A2115}" presName="hierChild4" presStyleCnt="0"/>
-      <dgm:spPr/>
-    </dgm:pt>
-    <dgm:pt modelId="{FF45AEDC-39FE-4BFF-BC6E-D5AB643B35FA}" type="pres">
-      <dgm:prSet presAssocID="{6EF43CEA-584C-4BAA-B60F-D9D7EE1A2115}" presName="hierChild5" presStyleCnt="0"/>
-      <dgm:spPr/>
-    </dgm:pt>
-    <dgm:pt modelId="{03E94D87-FA9B-4545-A8A1-430A0BCA6183}" type="pres">
-      <dgm:prSet presAssocID="{6BD66EC6-8785-47B3-9091-B7958AE87720}" presName="Name37" presStyleLbl="parChTrans1D4" presStyleIdx="3" presStyleCnt="4"/>
-      <dgm:spPr/>
-    </dgm:pt>
-    <dgm:pt modelId="{5121575F-6CD9-49CD-B05B-FDD1D4991739}" type="pres">
-      <dgm:prSet presAssocID="{BB21D518-39EF-421D-8E35-0AF5D8250426}" presName="hierRoot2" presStyleCnt="0">
-        <dgm:presLayoutVars>
-          <dgm:hierBranch val="init"/>
-        </dgm:presLayoutVars>
-      </dgm:prSet>
-      <dgm:spPr/>
-    </dgm:pt>
-    <dgm:pt modelId="{CA2D6136-1219-4C54-8F72-4F0779639E50}" type="pres">
-      <dgm:prSet presAssocID="{BB21D518-39EF-421D-8E35-0AF5D8250426}" presName="rootComposite" presStyleCnt="0"/>
-      <dgm:spPr/>
-    </dgm:pt>
-    <dgm:pt modelId="{1581195D-CB7D-454B-B893-0C3C59D7471D}" type="pres">
-      <dgm:prSet presAssocID="{BB21D518-39EF-421D-8E35-0AF5D8250426}" presName="rootText" presStyleLbl="node4" presStyleIdx="3" presStyleCnt="4">
-        <dgm:presLayoutVars>
-          <dgm:chPref val="3"/>
-        </dgm:presLayoutVars>
-      </dgm:prSet>
+    <dgm:pt modelId="{66593B99-C3ED-4CBB-BCBF-CD29ABB9A556}" type="pres">
+      <dgm:prSet presAssocID="{C4977C36-550F-4A5F-9C87-A811F117BA5F}" presName="hierChild6" presStyleCnt="0"/>
+      <dgm:spPr/>
+    </dgm:pt>
+    <dgm:pt modelId="{58E9FF4B-FFEF-442A-AA17-5483B73B85B5}" type="pres">
+      <dgm:prSet presAssocID="{A14E9937-A010-409C-B3D8-5A070C6B84B2}" presName="Name37" presStyleLbl="parChTrans1D3" presStyleIdx="0" presStyleCnt="1"/>
       <dgm:spPr/>
       <dgm:t>
         <a:bodyPr/>
@@ -1585,9 +2949,267 @@
         </a:p>
       </dgm:t>
     </dgm:pt>
+    <dgm:pt modelId="{3845A8B9-E993-4B1D-B886-FC1236123003}" type="pres">
+      <dgm:prSet presAssocID="{152AB78E-AD46-49B6-8237-EE2D29DD061F}" presName="hierRoot2" presStyleCnt="0">
+        <dgm:presLayoutVars>
+          <dgm:hierBranch val="init"/>
+        </dgm:presLayoutVars>
+      </dgm:prSet>
+      <dgm:spPr/>
+    </dgm:pt>
+    <dgm:pt modelId="{49C7E591-3312-4B90-8655-2824B208DFE2}" type="pres">
+      <dgm:prSet presAssocID="{152AB78E-AD46-49B6-8237-EE2D29DD061F}" presName="rootComposite" presStyleCnt="0"/>
+      <dgm:spPr/>
+    </dgm:pt>
+    <dgm:pt modelId="{9783CC92-21D0-4B65-A18B-4EC2A5A0862B}" type="pres">
+      <dgm:prSet presAssocID="{152AB78E-AD46-49B6-8237-EE2D29DD061F}" presName="rootText" presStyleLbl="node3" presStyleIdx="0" presStyleCnt="1">
+        <dgm:presLayoutVars>
+          <dgm:chPref val="3"/>
+        </dgm:presLayoutVars>
+      </dgm:prSet>
+      <dgm:spPr/>
+      <dgm:t>
+        <a:bodyPr/>
+        <a:lstStyle/>
+        <a:p>
+          <a:endParaRPr lang="pt-BR"/>
+        </a:p>
+      </dgm:t>
+    </dgm:pt>
+    <dgm:pt modelId="{F467BD6F-64EF-4B83-B14D-2C1318429381}" type="pres">
+      <dgm:prSet presAssocID="{152AB78E-AD46-49B6-8237-EE2D29DD061F}" presName="rootConnector" presStyleLbl="node3" presStyleIdx="0" presStyleCnt="1"/>
+      <dgm:spPr/>
+      <dgm:t>
+        <a:bodyPr/>
+        <a:lstStyle/>
+        <a:p>
+          <a:endParaRPr lang="pt-BR"/>
+        </a:p>
+      </dgm:t>
+    </dgm:pt>
+    <dgm:pt modelId="{FA6D30AC-2E64-4293-83C2-B2ABA8085998}" type="pres">
+      <dgm:prSet presAssocID="{152AB78E-AD46-49B6-8237-EE2D29DD061F}" presName="hierChild4" presStyleCnt="0"/>
+      <dgm:spPr/>
+    </dgm:pt>
+    <dgm:pt modelId="{27AF3E11-C6D3-496A-A278-7BAECF3F722B}" type="pres">
+      <dgm:prSet presAssocID="{DA7BDC28-48AE-4B8C-B0F6-5963C878CCD1}" presName="Name37" presStyleLbl="parChTrans1D4" presStyleIdx="0" presStyleCnt="4"/>
+      <dgm:spPr/>
+      <dgm:t>
+        <a:bodyPr/>
+        <a:lstStyle/>
+        <a:p>
+          <a:endParaRPr lang="pt-BR"/>
+        </a:p>
+      </dgm:t>
+    </dgm:pt>
+    <dgm:pt modelId="{B32A97F1-45A0-498B-9EEB-CD07654F2832}" type="pres">
+      <dgm:prSet presAssocID="{F30153C1-E19E-474C-A42C-61AC08A41B7D}" presName="hierRoot2" presStyleCnt="0">
+        <dgm:presLayoutVars>
+          <dgm:hierBranch val="init"/>
+        </dgm:presLayoutVars>
+      </dgm:prSet>
+      <dgm:spPr/>
+    </dgm:pt>
+    <dgm:pt modelId="{9D48D9A4-6854-4791-94EE-B0D65701CF97}" type="pres">
+      <dgm:prSet presAssocID="{F30153C1-E19E-474C-A42C-61AC08A41B7D}" presName="rootComposite" presStyleCnt="0"/>
+      <dgm:spPr/>
+    </dgm:pt>
+    <dgm:pt modelId="{7C481C15-F641-45FB-B80D-21DD2CD3C055}" type="pres">
+      <dgm:prSet presAssocID="{F30153C1-E19E-474C-A42C-61AC08A41B7D}" presName="rootText" presStyleLbl="node4" presStyleIdx="0" presStyleCnt="4">
+        <dgm:presLayoutVars>
+          <dgm:chPref val="3"/>
+        </dgm:presLayoutVars>
+      </dgm:prSet>
+      <dgm:spPr/>
+      <dgm:t>
+        <a:bodyPr/>
+        <a:lstStyle/>
+        <a:p>
+          <a:endParaRPr lang="pt-BR"/>
+        </a:p>
+      </dgm:t>
+    </dgm:pt>
+    <dgm:pt modelId="{A9347E8E-8CEE-43D4-819D-D22009AFD790}" type="pres">
+      <dgm:prSet presAssocID="{F30153C1-E19E-474C-A42C-61AC08A41B7D}" presName="rootConnector" presStyleLbl="node4" presStyleIdx="0" presStyleCnt="4"/>
+      <dgm:spPr/>
+      <dgm:t>
+        <a:bodyPr/>
+        <a:lstStyle/>
+        <a:p>
+          <a:endParaRPr lang="pt-BR"/>
+        </a:p>
+      </dgm:t>
+    </dgm:pt>
+    <dgm:pt modelId="{9D8E5BF6-189F-45AB-9EA9-AA1F6938CDF2}" type="pres">
+      <dgm:prSet presAssocID="{F30153C1-E19E-474C-A42C-61AC08A41B7D}" presName="hierChild4" presStyleCnt="0"/>
+      <dgm:spPr/>
+    </dgm:pt>
+    <dgm:pt modelId="{A388048D-5810-4771-88DF-534DBE4BF990}" type="pres">
+      <dgm:prSet presAssocID="{F3BA44A1-AAC7-4997-9BB2-07D47DF1B973}" presName="Name37" presStyleLbl="parChTrans1D4" presStyleIdx="1" presStyleCnt="4"/>
+      <dgm:spPr/>
+      <dgm:t>
+        <a:bodyPr/>
+        <a:lstStyle/>
+        <a:p>
+          <a:endParaRPr lang="pt-BR"/>
+        </a:p>
+      </dgm:t>
+    </dgm:pt>
+    <dgm:pt modelId="{4F653627-75F1-41DB-A06B-67F5BCBEF676}" type="pres">
+      <dgm:prSet presAssocID="{F3FCA2FC-FF6F-4130-B989-9B863F0171EB}" presName="hierRoot2" presStyleCnt="0">
+        <dgm:presLayoutVars>
+          <dgm:hierBranch val="init"/>
+        </dgm:presLayoutVars>
+      </dgm:prSet>
+      <dgm:spPr/>
+    </dgm:pt>
+    <dgm:pt modelId="{8A371020-A898-44B0-9124-51B68EC032A4}" type="pres">
+      <dgm:prSet presAssocID="{F3FCA2FC-FF6F-4130-B989-9B863F0171EB}" presName="rootComposite" presStyleCnt="0"/>
+      <dgm:spPr/>
+    </dgm:pt>
+    <dgm:pt modelId="{C7C4DE68-8B6B-4C03-A01A-42EE688DC268}" type="pres">
+      <dgm:prSet presAssocID="{F3FCA2FC-FF6F-4130-B989-9B863F0171EB}" presName="rootText" presStyleLbl="node4" presStyleIdx="1" presStyleCnt="4">
+        <dgm:presLayoutVars>
+          <dgm:chPref val="3"/>
+        </dgm:presLayoutVars>
+      </dgm:prSet>
+      <dgm:spPr/>
+      <dgm:t>
+        <a:bodyPr/>
+        <a:lstStyle/>
+        <a:p>
+          <a:endParaRPr lang="pt-BR"/>
+        </a:p>
+      </dgm:t>
+    </dgm:pt>
+    <dgm:pt modelId="{B716C9CB-D695-4E8C-8F1D-DD6EA87A9824}" type="pres">
+      <dgm:prSet presAssocID="{F3FCA2FC-FF6F-4130-B989-9B863F0171EB}" presName="rootConnector" presStyleLbl="node4" presStyleIdx="1" presStyleCnt="4"/>
+      <dgm:spPr/>
+      <dgm:t>
+        <a:bodyPr/>
+        <a:lstStyle/>
+        <a:p>
+          <a:endParaRPr lang="pt-BR"/>
+        </a:p>
+      </dgm:t>
+    </dgm:pt>
+    <dgm:pt modelId="{9E0C28AF-8BF2-453C-B94D-579A9963D59F}" type="pres">
+      <dgm:prSet presAssocID="{F3FCA2FC-FF6F-4130-B989-9B863F0171EB}" presName="hierChild4" presStyleCnt="0"/>
+      <dgm:spPr/>
+    </dgm:pt>
+    <dgm:pt modelId="{1E3E0754-3C49-4453-BF6A-85835E231D76}" type="pres">
+      <dgm:prSet presAssocID="{F3FCA2FC-FF6F-4130-B989-9B863F0171EB}" presName="hierChild5" presStyleCnt="0"/>
+      <dgm:spPr/>
+    </dgm:pt>
+    <dgm:pt modelId="{DF1C4536-4B79-4F0B-87D9-FAF644663B5F}" type="pres">
+      <dgm:prSet presAssocID="{F30153C1-E19E-474C-A42C-61AC08A41B7D}" presName="hierChild5" presStyleCnt="0"/>
+      <dgm:spPr/>
+    </dgm:pt>
+    <dgm:pt modelId="{80537876-4520-4936-93ED-6025EB29981D}" type="pres">
+      <dgm:prSet presAssocID="{FFBD13BB-7F15-4766-8D7D-0DF27A2A2D5C}" presName="Name37" presStyleLbl="parChTrans1D4" presStyleIdx="2" presStyleCnt="4"/>
+      <dgm:spPr/>
+      <dgm:t>
+        <a:bodyPr/>
+        <a:lstStyle/>
+        <a:p>
+          <a:endParaRPr lang="pt-BR"/>
+        </a:p>
+      </dgm:t>
+    </dgm:pt>
+    <dgm:pt modelId="{277075B9-C6CE-4165-9354-C06D23E5EEEB}" type="pres">
+      <dgm:prSet presAssocID="{6EF43CEA-584C-4BAA-B60F-D9D7EE1A2115}" presName="hierRoot2" presStyleCnt="0">
+        <dgm:presLayoutVars>
+          <dgm:hierBranch val="init"/>
+        </dgm:presLayoutVars>
+      </dgm:prSet>
+      <dgm:spPr/>
+    </dgm:pt>
+    <dgm:pt modelId="{71E98629-EB6B-4CE4-A598-33C5117E60C8}" type="pres">
+      <dgm:prSet presAssocID="{6EF43CEA-584C-4BAA-B60F-D9D7EE1A2115}" presName="rootComposite" presStyleCnt="0"/>
+      <dgm:spPr/>
+    </dgm:pt>
+    <dgm:pt modelId="{FED96B69-8591-4CC9-ABFA-DFF72684D88D}" type="pres">
+      <dgm:prSet presAssocID="{6EF43CEA-584C-4BAA-B60F-D9D7EE1A2115}" presName="rootText" presStyleLbl="node4" presStyleIdx="2" presStyleCnt="4" custLinFactNeighborX="-2040" custLinFactNeighborY="1632">
+        <dgm:presLayoutVars>
+          <dgm:chPref val="3"/>
+        </dgm:presLayoutVars>
+      </dgm:prSet>
+      <dgm:spPr/>
+      <dgm:t>
+        <a:bodyPr/>
+        <a:lstStyle/>
+        <a:p>
+          <a:endParaRPr lang="pt-BR"/>
+        </a:p>
+      </dgm:t>
+    </dgm:pt>
+    <dgm:pt modelId="{A397AFDE-3A24-416F-9D5C-25636DABD1F8}" type="pres">
+      <dgm:prSet presAssocID="{6EF43CEA-584C-4BAA-B60F-D9D7EE1A2115}" presName="rootConnector" presStyleLbl="node4" presStyleIdx="2" presStyleCnt="4"/>
+      <dgm:spPr/>
+      <dgm:t>
+        <a:bodyPr/>
+        <a:lstStyle/>
+        <a:p>
+          <a:endParaRPr lang="pt-BR"/>
+        </a:p>
+      </dgm:t>
+    </dgm:pt>
+    <dgm:pt modelId="{FE28F7FA-D10C-4122-8138-F12E81FCB017}" type="pres">
+      <dgm:prSet presAssocID="{6EF43CEA-584C-4BAA-B60F-D9D7EE1A2115}" presName="hierChild4" presStyleCnt="0"/>
+      <dgm:spPr/>
+    </dgm:pt>
+    <dgm:pt modelId="{FF45AEDC-39FE-4BFF-BC6E-D5AB643B35FA}" type="pres">
+      <dgm:prSet presAssocID="{6EF43CEA-584C-4BAA-B60F-D9D7EE1A2115}" presName="hierChild5" presStyleCnt="0"/>
+      <dgm:spPr/>
+    </dgm:pt>
+    <dgm:pt modelId="{03E94D87-FA9B-4545-A8A1-430A0BCA6183}" type="pres">
+      <dgm:prSet presAssocID="{6BD66EC6-8785-47B3-9091-B7958AE87720}" presName="Name37" presStyleLbl="parChTrans1D4" presStyleIdx="3" presStyleCnt="4"/>
+      <dgm:spPr/>
+      <dgm:t>
+        <a:bodyPr/>
+        <a:lstStyle/>
+        <a:p>
+          <a:endParaRPr lang="pt-BR"/>
+        </a:p>
+      </dgm:t>
+    </dgm:pt>
+    <dgm:pt modelId="{5121575F-6CD9-49CD-B05B-FDD1D4991739}" type="pres">
+      <dgm:prSet presAssocID="{BB21D518-39EF-421D-8E35-0AF5D8250426}" presName="hierRoot2" presStyleCnt="0">
+        <dgm:presLayoutVars>
+          <dgm:hierBranch val="init"/>
+        </dgm:presLayoutVars>
+      </dgm:prSet>
+      <dgm:spPr/>
+    </dgm:pt>
+    <dgm:pt modelId="{CA2D6136-1219-4C54-8F72-4F0779639E50}" type="pres">
+      <dgm:prSet presAssocID="{BB21D518-39EF-421D-8E35-0AF5D8250426}" presName="rootComposite" presStyleCnt="0"/>
+      <dgm:spPr/>
+    </dgm:pt>
+    <dgm:pt modelId="{1581195D-CB7D-454B-B893-0C3C59D7471D}" type="pres">
+      <dgm:prSet presAssocID="{BB21D518-39EF-421D-8E35-0AF5D8250426}" presName="rootText" presStyleLbl="node4" presStyleIdx="3" presStyleCnt="4">
+        <dgm:presLayoutVars>
+          <dgm:chPref val="3"/>
+        </dgm:presLayoutVars>
+      </dgm:prSet>
+      <dgm:spPr/>
+      <dgm:t>
+        <a:bodyPr/>
+        <a:lstStyle/>
+        <a:p>
+          <a:endParaRPr lang="pt-BR"/>
+        </a:p>
+      </dgm:t>
+    </dgm:pt>
     <dgm:pt modelId="{D1C99C83-EDD2-4445-8026-229548A522BC}" type="pres">
       <dgm:prSet presAssocID="{BB21D518-39EF-421D-8E35-0AF5D8250426}" presName="rootConnector" presStyleLbl="node4" presStyleIdx="3" presStyleCnt="4"/>
       <dgm:spPr/>
+      <dgm:t>
+        <a:bodyPr/>
+        <a:lstStyle/>
+        <a:p>
+          <a:endParaRPr lang="pt-BR"/>
+        </a:p>
+      </dgm:t>
     </dgm:pt>
     <dgm:pt modelId="{4CC616B5-2EC1-4EF8-9147-549A04512E45}" type="pres">
       <dgm:prSet presAssocID="{BB21D518-39EF-421D-8E35-0AF5D8250426}" presName="hierChild4" presStyleCnt="0"/>
@@ -1624,16 +3246,16 @@
     <dgm:cxn modelId="{76DB4092-CCA3-4E7D-9199-E4B61DB2A963}" type="presOf" srcId="{A14E9937-A010-409C-B3D8-5A070C6B84B2}" destId="{58E9FF4B-FFEF-442A-AA17-5483B73B85B5}" srcOrd="0" destOrd="0" presId="urn:microsoft.com/office/officeart/2005/8/layout/orgChart1"/>
     <dgm:cxn modelId="{579D9E2A-A86A-4896-8E1B-440CC4AA39DE}" type="presOf" srcId="{FFBD13BB-7F15-4766-8D7D-0DF27A2A2D5C}" destId="{80537876-4520-4936-93ED-6025EB29981D}" srcOrd="0" destOrd="0" presId="urn:microsoft.com/office/officeart/2005/8/layout/orgChart1"/>
     <dgm:cxn modelId="{A35FA896-F89A-47ED-8763-504172A1CE68}" srcId="{152AB78E-AD46-49B6-8237-EE2D29DD061F}" destId="{BB21D518-39EF-421D-8E35-0AF5D8250426}" srcOrd="2" destOrd="0" parTransId="{6BD66EC6-8785-47B3-9091-B7958AE87720}" sibTransId="{3C8FA0BB-AEF7-44E5-918B-58EFC7D1B29F}"/>
+    <dgm:cxn modelId="{3DF203B4-DB0D-4264-A488-EEBB3F2982FC}" type="presOf" srcId="{F30153C1-E19E-474C-A42C-61AC08A41B7D}" destId="{7C481C15-F641-45FB-B80D-21DD2CD3C055}" srcOrd="0" destOrd="0" presId="urn:microsoft.com/office/officeart/2005/8/layout/orgChart1"/>
     <dgm:cxn modelId="{9C8AB086-1CA1-4DED-AFF8-92B0ACA55038}" type="presOf" srcId="{28AED74F-F378-4187-B8F4-D092434A3F24}" destId="{CD9239C4-A412-47EC-A6C1-744A467EB3D6}" srcOrd="0" destOrd="0" presId="urn:microsoft.com/office/officeart/2005/8/layout/orgChart1"/>
-    <dgm:cxn modelId="{3DF203B4-DB0D-4264-A488-EEBB3F2982FC}" type="presOf" srcId="{F30153C1-E19E-474C-A42C-61AC08A41B7D}" destId="{7C481C15-F641-45FB-B80D-21DD2CD3C055}" srcOrd="0" destOrd="0" presId="urn:microsoft.com/office/officeart/2005/8/layout/orgChart1"/>
     <dgm:cxn modelId="{08D8205C-3071-4A91-B7F8-6B53EAB5B43C}" type="presOf" srcId="{BB21D518-39EF-421D-8E35-0AF5D8250426}" destId="{1581195D-CB7D-454B-B893-0C3C59D7471D}" srcOrd="0" destOrd="0" presId="urn:microsoft.com/office/officeart/2005/8/layout/orgChart1"/>
     <dgm:cxn modelId="{37A4EDFC-7FAC-454F-AB34-6A6F0FAB059F}" type="presOf" srcId="{C4977C36-550F-4A5F-9C87-A811F117BA5F}" destId="{F982FCCE-8244-4D58-8A5F-79800488E629}" srcOrd="1" destOrd="0" presId="urn:microsoft.com/office/officeart/2005/8/layout/orgChart1"/>
     <dgm:cxn modelId="{68A1D9A5-3F3B-4208-A9CF-84E89F64D48C}" type="presOf" srcId="{C4977C36-550F-4A5F-9C87-A811F117BA5F}" destId="{7A135C08-590F-49A8-8D0B-36B9D84D9841}" srcOrd="0" destOrd="0" presId="urn:microsoft.com/office/officeart/2005/8/layout/orgChart1"/>
     <dgm:cxn modelId="{299AE4A6-16D9-498F-B51F-2A3F2D56BC30}" type="presOf" srcId="{BB21D518-39EF-421D-8E35-0AF5D8250426}" destId="{D1C99C83-EDD2-4445-8026-229548A522BC}" srcOrd="1" destOrd="0" presId="urn:microsoft.com/office/officeart/2005/8/layout/orgChart1"/>
     <dgm:cxn modelId="{A9BB6628-2CD2-4780-AB51-71726EA4C438}" srcId="{152AB78E-AD46-49B6-8237-EE2D29DD061F}" destId="{6EF43CEA-584C-4BAA-B60F-D9D7EE1A2115}" srcOrd="1" destOrd="0" parTransId="{FFBD13BB-7F15-4766-8D7D-0DF27A2A2D5C}" sibTransId="{9A118880-7467-4D8A-AF3A-D840120F34B2}"/>
     <dgm:cxn modelId="{A9383447-A662-4699-837D-408D6BD94654}" srcId="{F30153C1-E19E-474C-A42C-61AC08A41B7D}" destId="{F3FCA2FC-FF6F-4130-B989-9B863F0171EB}" srcOrd="0" destOrd="0" parTransId="{F3BA44A1-AAC7-4997-9BB2-07D47DF1B973}" sibTransId="{2C37AE09-29BC-4759-A18B-FCB79C073233}"/>
+    <dgm:cxn modelId="{802A62F5-781E-4134-A3F2-DAC51433FE2A}" type="presOf" srcId="{B5EC5C44-2B11-45D8-BAD6-578F20AFB5E0}" destId="{91FFB2FB-811C-4B02-BB7B-D23B47F892E4}" srcOrd="0" destOrd="0" presId="urn:microsoft.com/office/officeart/2005/8/layout/orgChart1"/>
     <dgm:cxn modelId="{393C569B-AA1C-42E2-831B-6C1865C3D0CC}" type="presOf" srcId="{152AB78E-AD46-49B6-8237-EE2D29DD061F}" destId="{F467BD6F-64EF-4B83-B14D-2C1318429381}" srcOrd="1" destOrd="0" presId="urn:microsoft.com/office/officeart/2005/8/layout/orgChart1"/>
-    <dgm:cxn modelId="{802A62F5-781E-4134-A3F2-DAC51433FE2A}" type="presOf" srcId="{B5EC5C44-2B11-45D8-BAD6-578F20AFB5E0}" destId="{91FFB2FB-811C-4B02-BB7B-D23B47F892E4}" srcOrd="0" destOrd="0" presId="urn:microsoft.com/office/officeart/2005/8/layout/orgChart1"/>
     <dgm:cxn modelId="{85BBDBF6-0FD8-485A-A9D3-7E1BE3892A7B}" type="presOf" srcId="{F3FCA2FC-FF6F-4130-B989-9B863F0171EB}" destId="{C7C4DE68-8B6B-4C03-A01A-42EE688DC268}" srcOrd="0" destOrd="0" presId="urn:microsoft.com/office/officeart/2005/8/layout/orgChart1"/>
     <dgm:cxn modelId="{77F70D56-08DE-4E53-BD22-A8863E9DA86E}" type="presParOf" srcId="{D30E69ED-F139-4852-973C-482171B77211}" destId="{D6E8058E-0948-45F0-B144-A85B090B7AA0}" srcOrd="0" destOrd="0" presId="urn:microsoft.com/office/officeart/2005/8/layout/orgChart1"/>
     <dgm:cxn modelId="{EE6CDDDC-8775-4000-9CBD-14A5B5FF6F2A}" type="presParOf" srcId="{D6E8058E-0948-45F0-B144-A85B090B7AA0}" destId="{7B883CC3-35F0-474D-8919-BE2BF8A365D5}" srcOrd="0" destOrd="0" presId="urn:microsoft.com/office/officeart/2005/8/layout/orgChart1"/>
@@ -1695,6 +3317,1413 @@
 </file>
 
 <file path=ppt/diagrams/drawing1.xml><?xml version="1.0" encoding="utf-8"?>
+<dsp:drawing xmlns:dgm="http://schemas.openxmlformats.org/drawingml/2006/diagram" xmlns:dsp="http://schemas.microsoft.com/office/drawing/2008/diagram" xmlns:a="http://schemas.openxmlformats.org/drawingml/2006/main">
+  <dsp:spTree>
+    <dsp:nvGrpSpPr>
+      <dsp:cNvPr id="0" name=""/>
+      <dsp:cNvGrpSpPr/>
+    </dsp:nvGrpSpPr>
+    <dsp:grpSpPr/>
+    <dsp:sp modelId="{4203D97C-94A0-4EF0-9B06-D52F0E81CC48}">
+      <dsp:nvSpPr>
+        <dsp:cNvPr id="0" name=""/>
+        <dsp:cNvSpPr/>
+      </dsp:nvSpPr>
+      <dsp:spPr>
+        <a:xfrm>
+          <a:off x="1961562" y="549535"/>
+          <a:ext cx="1964601" cy="995308"/>
+        </a:xfrm>
+        <a:custGeom>
+          <a:avLst/>
+          <a:gdLst/>
+          <a:ahLst/>
+          <a:cxnLst/>
+          <a:rect l="0" t="0" r="0" b="0"/>
+          <a:pathLst>
+            <a:path>
+              <a:moveTo>
+                <a:pt x="1964601" y="995308"/>
+              </a:moveTo>
+              <a:lnTo>
+                <a:pt x="0" y="0"/>
+              </a:lnTo>
+            </a:path>
+          </a:pathLst>
+        </a:custGeom>
+        <a:noFill/>
+        <a:ln w="12700" cap="flat" cmpd="sng" algn="ctr">
+          <a:solidFill>
+            <a:schemeClr val="dk1">
+              <a:shade val="80000"/>
+              <a:hueOff val="0"/>
+              <a:satOff val="0"/>
+              <a:lumOff val="0"/>
+              <a:alphaOff val="0"/>
+            </a:schemeClr>
+          </a:solidFill>
+          <a:prstDash val="solid"/>
+          <a:miter lim="800000"/>
+        </a:ln>
+        <a:effectLst/>
+      </dsp:spPr>
+      <dsp:style>
+        <a:lnRef idx="2">
+          <a:scrgbClr r="0" g="0" b="0"/>
+        </a:lnRef>
+        <a:fillRef idx="0">
+          <a:scrgbClr r="0" g="0" b="0"/>
+        </a:fillRef>
+        <a:effectRef idx="0">
+          <a:scrgbClr r="0" g="0" b="0"/>
+        </a:effectRef>
+        <a:fontRef idx="minor"/>
+      </dsp:style>
+    </dsp:sp>
+    <dsp:sp modelId="{7089A9C6-6F2C-4C1E-AB15-88BC2D7E0137}">
+      <dsp:nvSpPr>
+        <dsp:cNvPr id="0" name=""/>
+        <dsp:cNvSpPr/>
+      </dsp:nvSpPr>
+      <dsp:spPr>
+        <a:xfrm>
+          <a:off x="1849639" y="1544844"/>
+          <a:ext cx="2076523" cy="849829"/>
+        </a:xfrm>
+        <a:custGeom>
+          <a:avLst/>
+          <a:gdLst/>
+          <a:ahLst/>
+          <a:cxnLst/>
+          <a:rect l="0" t="0" r="0" b="0"/>
+          <a:pathLst>
+            <a:path>
+              <a:moveTo>
+                <a:pt x="2076523" y="0"/>
+              </a:moveTo>
+              <a:lnTo>
+                <a:pt x="2076523" y="849829"/>
+              </a:lnTo>
+              <a:lnTo>
+                <a:pt x="0" y="849829"/>
+              </a:lnTo>
+            </a:path>
+          </a:pathLst>
+        </a:custGeom>
+        <a:noFill/>
+        <a:ln w="12700" cap="flat" cmpd="sng" algn="ctr">
+          <a:solidFill>
+            <a:schemeClr val="dk1">
+              <a:shade val="80000"/>
+              <a:hueOff val="0"/>
+              <a:satOff val="0"/>
+              <a:lumOff val="0"/>
+              <a:alphaOff val="0"/>
+            </a:schemeClr>
+          </a:solidFill>
+          <a:prstDash val="solid"/>
+          <a:miter lim="800000"/>
+        </a:ln>
+        <a:effectLst/>
+      </dsp:spPr>
+      <dsp:style>
+        <a:lnRef idx="2">
+          <a:scrgbClr r="0" g="0" b="0"/>
+        </a:lnRef>
+        <a:fillRef idx="0">
+          <a:scrgbClr r="0" g="0" b="0"/>
+        </a:fillRef>
+        <a:effectRef idx="0">
+          <a:scrgbClr r="0" g="0" b="0"/>
+        </a:effectRef>
+        <a:fontRef idx="minor"/>
+      </dsp:style>
+    </dsp:sp>
+    <dsp:sp modelId="{04FADF1B-F2CB-41FE-B823-6E65A8CBBBBC}">
+      <dsp:nvSpPr>
+        <dsp:cNvPr id="0" name=""/>
+        <dsp:cNvSpPr/>
+      </dsp:nvSpPr>
+      <dsp:spPr>
+        <a:xfrm>
+          <a:off x="4442853" y="549538"/>
+          <a:ext cx="1149003" cy="727786"/>
+        </a:xfrm>
+        <a:custGeom>
+          <a:avLst/>
+          <a:gdLst/>
+          <a:ahLst/>
+          <a:cxnLst/>
+          <a:rect l="0" t="0" r="0" b="0"/>
+          <a:pathLst>
+            <a:path>
+              <a:moveTo>
+                <a:pt x="1149003" y="0"/>
+              </a:moveTo>
+              <a:lnTo>
+                <a:pt x="1149003" y="727786"/>
+              </a:lnTo>
+              <a:lnTo>
+                <a:pt x="0" y="727786"/>
+              </a:lnTo>
+            </a:path>
+          </a:pathLst>
+        </a:custGeom>
+        <a:noFill/>
+        <a:ln w="12700" cap="flat" cmpd="sng" algn="ctr">
+          <a:solidFill>
+            <a:schemeClr val="dk1">
+              <a:shade val="60000"/>
+              <a:hueOff val="0"/>
+              <a:satOff val="0"/>
+              <a:lumOff val="0"/>
+              <a:alphaOff val="0"/>
+            </a:schemeClr>
+          </a:solidFill>
+          <a:prstDash val="solid"/>
+          <a:miter lim="800000"/>
+        </a:ln>
+        <a:effectLst/>
+      </dsp:spPr>
+      <dsp:style>
+        <a:lnRef idx="2">
+          <a:scrgbClr r="0" g="0" b="0"/>
+        </a:lnRef>
+        <a:fillRef idx="0">
+          <a:scrgbClr r="0" g="0" b="0"/>
+        </a:fillRef>
+        <a:effectRef idx="0">
+          <a:scrgbClr r="0" g="0" b="0"/>
+        </a:effectRef>
+        <a:fontRef idx="minor"/>
+      </dsp:style>
+    </dsp:sp>
+    <dsp:sp modelId="{3820EA95-9475-4977-9B9F-D3E1B00F0FA1}">
+      <dsp:nvSpPr>
+        <dsp:cNvPr id="0" name=""/>
+        <dsp:cNvSpPr/>
+      </dsp:nvSpPr>
+      <dsp:spPr>
+        <a:xfrm>
+          <a:off x="6311140" y="2774531"/>
+          <a:ext cx="1293924" cy="429701"/>
+        </a:xfrm>
+        <a:custGeom>
+          <a:avLst/>
+          <a:gdLst/>
+          <a:ahLst/>
+          <a:cxnLst/>
+          <a:rect l="0" t="0" r="0" b="0"/>
+          <a:pathLst>
+            <a:path>
+              <a:moveTo>
+                <a:pt x="1293924" y="0"/>
+              </a:moveTo>
+              <a:lnTo>
+                <a:pt x="1293924" y="429701"/>
+              </a:lnTo>
+              <a:lnTo>
+                <a:pt x="0" y="429701"/>
+              </a:lnTo>
+            </a:path>
+          </a:pathLst>
+        </a:custGeom>
+        <a:noFill/>
+        <a:ln w="12700" cap="flat" cmpd="sng" algn="ctr">
+          <a:solidFill>
+            <a:schemeClr val="dk1">
+              <a:shade val="80000"/>
+              <a:hueOff val="0"/>
+              <a:satOff val="0"/>
+              <a:lumOff val="0"/>
+              <a:alphaOff val="0"/>
+            </a:schemeClr>
+          </a:solidFill>
+          <a:prstDash val="solid"/>
+          <a:miter lim="800000"/>
+        </a:ln>
+        <a:effectLst/>
+      </dsp:spPr>
+      <dsp:style>
+        <a:lnRef idx="2">
+          <a:scrgbClr r="0" g="0" b="0"/>
+        </a:lnRef>
+        <a:fillRef idx="0">
+          <a:scrgbClr r="0" g="0" b="0"/>
+        </a:fillRef>
+        <a:effectRef idx="0">
+          <a:scrgbClr r="0" g="0" b="0"/>
+        </a:effectRef>
+        <a:fontRef idx="minor"/>
+      </dsp:style>
+    </dsp:sp>
+    <dsp:sp modelId="{0741F043-C52B-421D-B53F-82D5C15064C9}">
+      <dsp:nvSpPr>
+        <dsp:cNvPr id="0" name=""/>
+        <dsp:cNvSpPr/>
+      </dsp:nvSpPr>
+      <dsp:spPr>
+        <a:xfrm>
+          <a:off x="5591857" y="549538"/>
+          <a:ext cx="2013208" cy="1689954"/>
+        </a:xfrm>
+        <a:custGeom>
+          <a:avLst/>
+          <a:gdLst/>
+          <a:ahLst/>
+          <a:cxnLst/>
+          <a:rect l="0" t="0" r="0" b="0"/>
+          <a:pathLst>
+            <a:path>
+              <a:moveTo>
+                <a:pt x="0" y="0"/>
+              </a:moveTo>
+              <a:lnTo>
+                <a:pt x="0" y="1565111"/>
+              </a:lnTo>
+              <a:lnTo>
+                <a:pt x="2013208" y="1565111"/>
+              </a:lnTo>
+              <a:lnTo>
+                <a:pt x="2013208" y="1689954"/>
+              </a:lnTo>
+            </a:path>
+          </a:pathLst>
+        </a:custGeom>
+        <a:noFill/>
+        <a:ln w="12700" cap="flat" cmpd="sng" algn="ctr">
+          <a:solidFill>
+            <a:schemeClr val="dk1">
+              <a:shade val="60000"/>
+              <a:hueOff val="0"/>
+              <a:satOff val="0"/>
+              <a:lumOff val="0"/>
+              <a:alphaOff val="0"/>
+            </a:schemeClr>
+          </a:solidFill>
+          <a:prstDash val="solid"/>
+          <a:miter lim="800000"/>
+        </a:ln>
+        <a:effectLst/>
+      </dsp:spPr>
+      <dsp:style>
+        <a:lnRef idx="2">
+          <a:scrgbClr r="0" g="0" b="0"/>
+        </a:lnRef>
+        <a:fillRef idx="0">
+          <a:scrgbClr r="0" g="0" b="0"/>
+        </a:fillRef>
+        <a:effectRef idx="0">
+          <a:scrgbClr r="0" g="0" b="0"/>
+        </a:effectRef>
+        <a:fontRef idx="minor"/>
+      </dsp:style>
+    </dsp:sp>
+    <dsp:sp modelId="{CF4BF49A-7DE9-4808-937C-CE9D3DF70FBD}">
+      <dsp:nvSpPr>
+        <dsp:cNvPr id="0" name=""/>
+        <dsp:cNvSpPr/>
+      </dsp:nvSpPr>
+      <dsp:spPr>
+        <a:xfrm>
+          <a:off x="5075167" y="14500"/>
+          <a:ext cx="1033379" cy="535038"/>
+        </a:xfrm>
+        <a:prstGeom prst="rect">
+          <a:avLst/>
+        </a:prstGeom>
+        <a:solidFill>
+          <a:schemeClr val="lt1">
+            <a:hueOff val="0"/>
+            <a:satOff val="0"/>
+            <a:lumOff val="0"/>
+            <a:alphaOff val="0"/>
+          </a:schemeClr>
+        </a:solidFill>
+        <a:ln w="12700" cap="flat" cmpd="sng" algn="ctr">
+          <a:solidFill>
+            <a:schemeClr val="dk1">
+              <a:shade val="80000"/>
+              <a:hueOff val="0"/>
+              <a:satOff val="0"/>
+              <a:lumOff val="0"/>
+              <a:alphaOff val="0"/>
+            </a:schemeClr>
+          </a:solidFill>
+          <a:prstDash val="solid"/>
+          <a:miter lim="800000"/>
+        </a:ln>
+        <a:effectLst/>
+      </dsp:spPr>
+      <dsp:style>
+        <a:lnRef idx="2">
+          <a:scrgbClr r="0" g="0" b="0"/>
+        </a:lnRef>
+        <a:fillRef idx="1">
+          <a:scrgbClr r="0" g="0" b="0"/>
+        </a:fillRef>
+        <a:effectRef idx="0">
+          <a:scrgbClr r="0" g="0" b="0"/>
+        </a:effectRef>
+        <a:fontRef idx="minor">
+          <a:schemeClr val="lt1"/>
+        </a:fontRef>
+      </dsp:style>
+      <dsp:txBody>
+        <a:bodyPr spcFirstLastPara="0" vert="horz" wrap="square" lIns="9525" tIns="9525" rIns="9525" bIns="75500" numCol="1" spcCol="1270" anchor="ctr" anchorCtr="0">
+          <a:noAutofit/>
+        </a:bodyPr>
+        <a:lstStyle/>
+        <a:p>
+          <a:pPr lvl="0" algn="ctr" defTabSz="666750">
+            <a:lnSpc>
+              <a:spcPct val="90000"/>
+            </a:lnSpc>
+            <a:spcBef>
+              <a:spcPct val="0"/>
+            </a:spcBef>
+            <a:spcAft>
+              <a:spcPct val="35000"/>
+            </a:spcAft>
+          </a:pPr>
+          <a:r>
+            <a:rPr lang="pt-BR" sz="1500" kern="1200" dirty="0" smtClean="0"/>
+            <a:t>MATCH</a:t>
+          </a:r>
+          <a:endParaRPr lang="pt-BR" sz="1500" kern="1200" dirty="0"/>
+        </a:p>
+      </dsp:txBody>
+      <dsp:txXfrm>
+        <a:off x="5075167" y="14500"/>
+        <a:ext cx="1033379" cy="535038"/>
+      </dsp:txXfrm>
+    </dsp:sp>
+    <dsp:sp modelId="{71D30A04-631A-4561-AD9B-F8DCCCE7D6EA}">
+      <dsp:nvSpPr>
+        <dsp:cNvPr id="0" name=""/>
+        <dsp:cNvSpPr/>
+      </dsp:nvSpPr>
+      <dsp:spPr>
+        <a:xfrm>
+          <a:off x="5044088" y="539004"/>
+          <a:ext cx="1191355" cy="509442"/>
+        </a:xfrm>
+        <a:prstGeom prst="rect">
+          <a:avLst/>
+        </a:prstGeom>
+        <a:solidFill>
+          <a:schemeClr val="dk1">
+            <a:alpha val="90000"/>
+            <a:tint val="40000"/>
+            <a:hueOff val="0"/>
+            <a:satOff val="0"/>
+            <a:lumOff val="0"/>
+            <a:alphaOff val="0"/>
+          </a:schemeClr>
+        </a:solidFill>
+        <a:ln w="12700" cap="flat" cmpd="sng" algn="ctr">
+          <a:solidFill>
+            <a:schemeClr val="dk1">
+              <a:hueOff val="0"/>
+              <a:satOff val="0"/>
+              <a:lumOff val="0"/>
+              <a:alphaOff val="0"/>
+            </a:schemeClr>
+          </a:solidFill>
+          <a:prstDash val="solid"/>
+          <a:miter lim="800000"/>
+        </a:ln>
+        <a:effectLst/>
+      </dsp:spPr>
+      <dsp:style>
+        <a:lnRef idx="2">
+          <a:scrgbClr r="0" g="0" b="0"/>
+        </a:lnRef>
+        <a:fillRef idx="1">
+          <a:scrgbClr r="0" g="0" b="0"/>
+        </a:fillRef>
+        <a:effectRef idx="0">
+          <a:scrgbClr r="0" g="0" b="0"/>
+        </a:effectRef>
+        <a:fontRef idx="minor"/>
+      </dsp:style>
+      <dsp:txBody>
+        <a:bodyPr spcFirstLastPara="0" vert="horz" wrap="square" lIns="60960" tIns="15240" rIns="60960" bIns="15240" numCol="1" spcCol="1270" anchor="ctr" anchorCtr="0">
+          <a:noAutofit/>
+        </a:bodyPr>
+        <a:lstStyle/>
+        <a:p>
+          <a:pPr lvl="0" algn="r" defTabSz="1066800">
+            <a:lnSpc>
+              <a:spcPct val="90000"/>
+            </a:lnSpc>
+            <a:spcBef>
+              <a:spcPct val="0"/>
+            </a:spcBef>
+            <a:spcAft>
+              <a:spcPct val="35000"/>
+            </a:spcAft>
+          </a:pPr>
+          <a:r>
+            <a:rPr lang="pt-BR" sz="2400" kern="1200" dirty="0" smtClean="0"/>
+            <a:t>	</a:t>
+          </a:r>
+          <a:endParaRPr lang="pt-BR" sz="2400" kern="1200" dirty="0"/>
+        </a:p>
+      </dsp:txBody>
+      <dsp:txXfrm>
+        <a:off x="5044088" y="539004"/>
+        <a:ext cx="1191355" cy="509442"/>
+      </dsp:txXfrm>
+    </dsp:sp>
+    <dsp:sp modelId="{C13972BB-169E-4C48-816A-2C346E3FD204}">
+      <dsp:nvSpPr>
+        <dsp:cNvPr id="0" name=""/>
+        <dsp:cNvSpPr/>
+      </dsp:nvSpPr>
+      <dsp:spPr>
+        <a:xfrm>
+          <a:off x="7088375" y="2239492"/>
+          <a:ext cx="1033379" cy="535038"/>
+        </a:xfrm>
+        <a:prstGeom prst="rect">
+          <a:avLst/>
+        </a:prstGeom>
+        <a:solidFill>
+          <a:schemeClr val="lt1">
+            <a:hueOff val="0"/>
+            <a:satOff val="0"/>
+            <a:lumOff val="0"/>
+            <a:alphaOff val="0"/>
+          </a:schemeClr>
+        </a:solidFill>
+        <a:ln w="12700" cap="flat" cmpd="sng" algn="ctr">
+          <a:solidFill>
+            <a:schemeClr val="dk1">
+              <a:shade val="80000"/>
+              <a:hueOff val="0"/>
+              <a:satOff val="0"/>
+              <a:lumOff val="0"/>
+              <a:alphaOff val="0"/>
+            </a:schemeClr>
+          </a:solidFill>
+          <a:prstDash val="solid"/>
+          <a:miter lim="800000"/>
+        </a:ln>
+        <a:effectLst/>
+      </dsp:spPr>
+      <dsp:style>
+        <a:lnRef idx="2">
+          <a:scrgbClr r="0" g="0" b="0"/>
+        </a:lnRef>
+        <a:fillRef idx="1">
+          <a:scrgbClr r="0" g="0" b="0"/>
+        </a:fillRef>
+        <a:effectRef idx="0">
+          <a:scrgbClr r="0" g="0" b="0"/>
+        </a:effectRef>
+        <a:fontRef idx="minor">
+          <a:schemeClr val="lt1"/>
+        </a:fontRef>
+      </dsp:style>
+      <dsp:txBody>
+        <a:bodyPr spcFirstLastPara="0" vert="horz" wrap="square" lIns="9525" tIns="9525" rIns="9525" bIns="75500" numCol="1" spcCol="1270" anchor="ctr" anchorCtr="0">
+          <a:noAutofit/>
+        </a:bodyPr>
+        <a:lstStyle/>
+        <a:p>
+          <a:pPr lvl="0" algn="ctr" defTabSz="666750">
+            <a:lnSpc>
+              <a:spcPct val="90000"/>
+            </a:lnSpc>
+            <a:spcBef>
+              <a:spcPct val="0"/>
+            </a:spcBef>
+            <a:spcAft>
+              <a:spcPct val="35000"/>
+            </a:spcAft>
+          </a:pPr>
+          <a:r>
+            <a:rPr lang="pt-BR" sz="1500" kern="1200" dirty="0" smtClean="0"/>
+            <a:t>TEAM</a:t>
+          </a:r>
+          <a:endParaRPr lang="pt-BR" sz="1500" kern="1200" dirty="0"/>
+        </a:p>
+      </dsp:txBody>
+      <dsp:txXfrm>
+        <a:off x="7088375" y="2239492"/>
+        <a:ext cx="1033379" cy="535038"/>
+      </dsp:txXfrm>
+    </dsp:sp>
+    <dsp:sp modelId="{B3369263-41BD-4251-B97C-6C29634A2E32}">
+      <dsp:nvSpPr>
+        <dsp:cNvPr id="0" name=""/>
+        <dsp:cNvSpPr/>
+      </dsp:nvSpPr>
+      <dsp:spPr>
+        <a:xfrm>
+          <a:off x="7104035" y="2769629"/>
+          <a:ext cx="1345045" cy="494045"/>
+        </a:xfrm>
+        <a:prstGeom prst="rect">
+          <a:avLst/>
+        </a:prstGeom>
+        <a:solidFill>
+          <a:schemeClr val="dk1">
+            <a:alpha val="90000"/>
+            <a:tint val="40000"/>
+            <a:hueOff val="0"/>
+            <a:satOff val="0"/>
+            <a:lumOff val="0"/>
+            <a:alphaOff val="0"/>
+          </a:schemeClr>
+        </a:solidFill>
+        <a:ln w="12700" cap="flat" cmpd="sng" algn="ctr">
+          <a:solidFill>
+            <a:schemeClr val="dk1">
+              <a:hueOff val="0"/>
+              <a:satOff val="0"/>
+              <a:lumOff val="0"/>
+              <a:alphaOff val="0"/>
+            </a:schemeClr>
+          </a:solidFill>
+          <a:prstDash val="solid"/>
+          <a:miter lim="800000"/>
+        </a:ln>
+        <a:effectLst/>
+      </dsp:spPr>
+      <dsp:style>
+        <a:lnRef idx="2">
+          <a:scrgbClr r="0" g="0" b="0"/>
+        </a:lnRef>
+        <a:fillRef idx="1">
+          <a:scrgbClr r="0" g="0" b="0"/>
+        </a:fillRef>
+        <a:effectRef idx="0">
+          <a:scrgbClr r="0" g="0" b="0"/>
+        </a:effectRef>
+        <a:fontRef idx="minor"/>
+      </dsp:style>
+      <dsp:txBody>
+        <a:bodyPr spcFirstLastPara="0" vert="horz" wrap="square" lIns="71120" tIns="17780" rIns="71120" bIns="17780" numCol="1" spcCol="1270" anchor="ctr" anchorCtr="0">
+          <a:noAutofit/>
+        </a:bodyPr>
+        <a:lstStyle/>
+        <a:p>
+          <a:pPr lvl="0" algn="r" defTabSz="1244600">
+            <a:lnSpc>
+              <a:spcPct val="90000"/>
+            </a:lnSpc>
+            <a:spcBef>
+              <a:spcPct val="0"/>
+            </a:spcBef>
+            <a:spcAft>
+              <a:spcPct val="35000"/>
+            </a:spcAft>
+          </a:pPr>
+          <a:endParaRPr lang="pt-BR" sz="2800" kern="1200"/>
+        </a:p>
+      </dsp:txBody>
+      <dsp:txXfrm>
+        <a:off x="7104035" y="2769629"/>
+        <a:ext cx="1345045" cy="494045"/>
+      </dsp:txXfrm>
+    </dsp:sp>
+    <dsp:sp modelId="{B05867A0-E8AA-47CF-BF20-BE670CB592BD}">
+      <dsp:nvSpPr>
+        <dsp:cNvPr id="0" name=""/>
+        <dsp:cNvSpPr/>
+      </dsp:nvSpPr>
+      <dsp:spPr>
+        <a:xfrm>
+          <a:off x="5277760" y="2936713"/>
+          <a:ext cx="1033379" cy="535038"/>
+        </a:xfrm>
+        <a:prstGeom prst="rect">
+          <a:avLst/>
+        </a:prstGeom>
+        <a:solidFill>
+          <a:schemeClr val="lt1">
+            <a:hueOff val="0"/>
+            <a:satOff val="0"/>
+            <a:lumOff val="0"/>
+            <a:alphaOff val="0"/>
+          </a:schemeClr>
+        </a:solidFill>
+        <a:ln w="12700" cap="flat" cmpd="sng" algn="ctr">
+          <a:solidFill>
+            <a:schemeClr val="dk1">
+              <a:shade val="80000"/>
+              <a:hueOff val="0"/>
+              <a:satOff val="0"/>
+              <a:lumOff val="0"/>
+              <a:alphaOff val="0"/>
+            </a:schemeClr>
+          </a:solidFill>
+          <a:prstDash val="solid"/>
+          <a:miter lim="800000"/>
+        </a:ln>
+        <a:effectLst/>
+      </dsp:spPr>
+      <dsp:style>
+        <a:lnRef idx="2">
+          <a:scrgbClr r="0" g="0" b="0"/>
+        </a:lnRef>
+        <a:fillRef idx="1">
+          <a:scrgbClr r="0" g="0" b="0"/>
+        </a:fillRef>
+        <a:effectRef idx="0">
+          <a:scrgbClr r="0" g="0" b="0"/>
+        </a:effectRef>
+        <a:fontRef idx="minor">
+          <a:schemeClr val="lt1"/>
+        </a:fontRef>
+      </dsp:style>
+      <dsp:txBody>
+        <a:bodyPr spcFirstLastPara="0" vert="horz" wrap="square" lIns="5080" tIns="5080" rIns="5080" bIns="75500" numCol="1" spcCol="1270" anchor="ctr" anchorCtr="0">
+          <a:noAutofit/>
+        </a:bodyPr>
+        <a:lstStyle/>
+        <a:p>
+          <a:pPr lvl="0" algn="ctr" defTabSz="355600">
+            <a:lnSpc>
+              <a:spcPct val="90000"/>
+            </a:lnSpc>
+            <a:spcBef>
+              <a:spcPct val="0"/>
+            </a:spcBef>
+            <a:spcAft>
+              <a:spcPct val="35000"/>
+            </a:spcAft>
+          </a:pPr>
+          <a:endParaRPr lang="pt-BR" sz="800" kern="1200" dirty="0"/>
+        </a:p>
+      </dsp:txBody>
+      <dsp:txXfrm>
+        <a:off x="5277760" y="2936713"/>
+        <a:ext cx="1033379" cy="535038"/>
+      </dsp:txXfrm>
+    </dsp:sp>
+    <dsp:sp modelId="{B731182D-E1F8-43E3-B6CD-D3D3DC6FDF3F}">
+      <dsp:nvSpPr>
+        <dsp:cNvPr id="0" name=""/>
+        <dsp:cNvSpPr/>
+      </dsp:nvSpPr>
+      <dsp:spPr>
+        <a:xfrm>
+          <a:off x="5257796" y="3466852"/>
+          <a:ext cx="1345045" cy="494045"/>
+        </a:xfrm>
+        <a:prstGeom prst="rect">
+          <a:avLst/>
+        </a:prstGeom>
+        <a:solidFill>
+          <a:schemeClr val="dk1">
+            <a:alpha val="90000"/>
+            <a:tint val="40000"/>
+            <a:hueOff val="0"/>
+            <a:satOff val="0"/>
+            <a:lumOff val="0"/>
+            <a:alphaOff val="0"/>
+          </a:schemeClr>
+        </a:solidFill>
+        <a:ln w="12700" cap="flat" cmpd="sng" algn="ctr">
+          <a:solidFill>
+            <a:schemeClr val="dk1">
+              <a:hueOff val="0"/>
+              <a:satOff val="0"/>
+              <a:lumOff val="0"/>
+              <a:alphaOff val="0"/>
+            </a:schemeClr>
+          </a:solidFill>
+          <a:prstDash val="solid"/>
+          <a:miter lim="800000"/>
+        </a:ln>
+        <a:effectLst/>
+      </dsp:spPr>
+      <dsp:style>
+        <a:lnRef idx="2">
+          <a:scrgbClr r="0" g="0" b="0"/>
+        </a:lnRef>
+        <a:fillRef idx="1">
+          <a:scrgbClr r="0" g="0" b="0"/>
+        </a:fillRef>
+        <a:effectRef idx="0">
+          <a:scrgbClr r="0" g="0" b="0"/>
+        </a:effectRef>
+        <a:fontRef idx="minor"/>
+      </dsp:style>
+      <dsp:txBody>
+        <a:bodyPr spcFirstLastPara="0" vert="horz" wrap="square" lIns="71120" tIns="17780" rIns="71120" bIns="17780" numCol="1" spcCol="1270" anchor="ctr" anchorCtr="0">
+          <a:noAutofit/>
+        </a:bodyPr>
+        <a:lstStyle/>
+        <a:p>
+          <a:pPr lvl="0" algn="r" defTabSz="1244600">
+            <a:lnSpc>
+              <a:spcPct val="90000"/>
+            </a:lnSpc>
+            <a:spcBef>
+              <a:spcPct val="0"/>
+            </a:spcBef>
+            <a:spcAft>
+              <a:spcPct val="35000"/>
+            </a:spcAft>
+          </a:pPr>
+          <a:endParaRPr lang="pt-BR" sz="2800" kern="1200"/>
+        </a:p>
+      </dsp:txBody>
+      <dsp:txXfrm>
+        <a:off x="5257796" y="3466852"/>
+        <a:ext cx="1345045" cy="494045"/>
+      </dsp:txXfrm>
+    </dsp:sp>
+    <dsp:sp modelId="{844C2EB8-F332-4E9B-8C12-C47E4F7B7B84}">
+      <dsp:nvSpPr>
+        <dsp:cNvPr id="0" name=""/>
+        <dsp:cNvSpPr/>
+      </dsp:nvSpPr>
+      <dsp:spPr>
+        <a:xfrm>
+          <a:off x="3409473" y="1009806"/>
+          <a:ext cx="1033379" cy="535038"/>
+        </a:xfrm>
+        <a:prstGeom prst="rect">
+          <a:avLst/>
+        </a:prstGeom>
+        <a:solidFill>
+          <a:schemeClr val="lt1">
+            <a:hueOff val="0"/>
+            <a:satOff val="0"/>
+            <a:lumOff val="0"/>
+            <a:alphaOff val="0"/>
+          </a:schemeClr>
+        </a:solidFill>
+        <a:ln w="12700" cap="flat" cmpd="sng" algn="ctr">
+          <a:solidFill>
+            <a:schemeClr val="dk1">
+              <a:shade val="80000"/>
+              <a:hueOff val="0"/>
+              <a:satOff val="0"/>
+              <a:lumOff val="0"/>
+              <a:alphaOff val="0"/>
+            </a:schemeClr>
+          </a:solidFill>
+          <a:prstDash val="solid"/>
+          <a:miter lim="800000"/>
+        </a:ln>
+        <a:effectLst/>
+      </dsp:spPr>
+      <dsp:style>
+        <a:lnRef idx="2">
+          <a:scrgbClr r="0" g="0" b="0"/>
+        </a:lnRef>
+        <a:fillRef idx="1">
+          <a:scrgbClr r="0" g="0" b="0"/>
+        </a:fillRef>
+        <a:effectRef idx="0">
+          <a:scrgbClr r="0" g="0" b="0"/>
+        </a:effectRef>
+        <a:fontRef idx="minor">
+          <a:schemeClr val="lt1"/>
+        </a:fontRef>
+      </dsp:style>
+      <dsp:txBody>
+        <a:bodyPr spcFirstLastPara="0" vert="horz" wrap="square" lIns="9525" tIns="9525" rIns="9525" bIns="75500" numCol="1" spcCol="1270" anchor="ctr" anchorCtr="0">
+          <a:noAutofit/>
+        </a:bodyPr>
+        <a:lstStyle/>
+        <a:p>
+          <a:pPr lvl="0" algn="ctr" defTabSz="666750">
+            <a:lnSpc>
+              <a:spcPct val="90000"/>
+            </a:lnSpc>
+            <a:spcBef>
+              <a:spcPct val="0"/>
+            </a:spcBef>
+            <a:spcAft>
+              <a:spcPct val="35000"/>
+            </a:spcAft>
+          </a:pPr>
+          <a:r>
+            <a:rPr lang="pt-BR" sz="1500" kern="1200" dirty="0" smtClean="0"/>
+            <a:t>PLAYER</a:t>
+          </a:r>
+          <a:endParaRPr lang="pt-BR" sz="1500" kern="1200" dirty="0"/>
+        </a:p>
+      </dsp:txBody>
+      <dsp:txXfrm>
+        <a:off x="3409473" y="1009806"/>
+        <a:ext cx="1033379" cy="535038"/>
+      </dsp:txXfrm>
+    </dsp:sp>
+    <dsp:sp modelId="{EB33CE6A-31CA-42AE-8744-7C5881C06510}">
+      <dsp:nvSpPr>
+        <dsp:cNvPr id="0" name=""/>
+        <dsp:cNvSpPr/>
+      </dsp:nvSpPr>
+      <dsp:spPr>
+        <a:xfrm>
+          <a:off x="3103845" y="1523471"/>
+          <a:ext cx="1345045" cy="494045"/>
+        </a:xfrm>
+        <a:prstGeom prst="rect">
+          <a:avLst/>
+        </a:prstGeom>
+        <a:solidFill>
+          <a:schemeClr val="dk1">
+            <a:alpha val="90000"/>
+            <a:tint val="40000"/>
+            <a:hueOff val="0"/>
+            <a:satOff val="0"/>
+            <a:lumOff val="0"/>
+            <a:alphaOff val="0"/>
+          </a:schemeClr>
+        </a:solidFill>
+        <a:ln w="12700" cap="flat" cmpd="sng" algn="ctr">
+          <a:solidFill>
+            <a:schemeClr val="dk1">
+              <a:hueOff val="0"/>
+              <a:satOff val="0"/>
+              <a:lumOff val="0"/>
+              <a:alphaOff val="0"/>
+            </a:schemeClr>
+          </a:solidFill>
+          <a:prstDash val="solid"/>
+          <a:miter lim="800000"/>
+        </a:ln>
+        <a:effectLst/>
+      </dsp:spPr>
+      <dsp:style>
+        <a:lnRef idx="2">
+          <a:scrgbClr r="0" g="0" b="0"/>
+        </a:lnRef>
+        <a:fillRef idx="1">
+          <a:scrgbClr r="0" g="0" b="0"/>
+        </a:fillRef>
+        <a:effectRef idx="0">
+          <a:scrgbClr r="0" g="0" b="0"/>
+        </a:effectRef>
+        <a:fontRef idx="minor"/>
+      </dsp:style>
+      <dsp:txBody>
+        <a:bodyPr spcFirstLastPara="0" vert="horz" wrap="square" lIns="78740" tIns="19685" rIns="78740" bIns="19685" numCol="1" spcCol="1270" anchor="ctr" anchorCtr="0">
+          <a:noAutofit/>
+        </a:bodyPr>
+        <a:lstStyle/>
+        <a:p>
+          <a:pPr lvl="0" algn="r" defTabSz="1377950">
+            <a:lnSpc>
+              <a:spcPct val="90000"/>
+            </a:lnSpc>
+            <a:spcBef>
+              <a:spcPct val="0"/>
+            </a:spcBef>
+            <a:spcAft>
+              <a:spcPct val="35000"/>
+            </a:spcAft>
+          </a:pPr>
+          <a:endParaRPr lang="pt-BR" sz="3100" kern="1200"/>
+        </a:p>
+      </dsp:txBody>
+      <dsp:txXfrm>
+        <a:off x="3103845" y="1523471"/>
+        <a:ext cx="1345045" cy="494045"/>
+      </dsp:txXfrm>
+    </dsp:sp>
+    <dsp:sp modelId="{65728441-1D6C-429D-A340-820653387442}">
+      <dsp:nvSpPr>
+        <dsp:cNvPr id="0" name=""/>
+        <dsp:cNvSpPr/>
+      </dsp:nvSpPr>
+      <dsp:spPr>
+        <a:xfrm>
+          <a:off x="816259" y="2127154"/>
+          <a:ext cx="1033379" cy="535038"/>
+        </a:xfrm>
+        <a:prstGeom prst="rect">
+          <a:avLst/>
+        </a:prstGeom>
+        <a:solidFill>
+          <a:schemeClr val="lt1">
+            <a:hueOff val="0"/>
+            <a:satOff val="0"/>
+            <a:lumOff val="0"/>
+            <a:alphaOff val="0"/>
+          </a:schemeClr>
+        </a:solidFill>
+        <a:ln w="12700" cap="flat" cmpd="sng" algn="ctr">
+          <a:solidFill>
+            <a:schemeClr val="dk1">
+              <a:shade val="80000"/>
+              <a:hueOff val="0"/>
+              <a:satOff val="0"/>
+              <a:lumOff val="0"/>
+              <a:alphaOff val="0"/>
+            </a:schemeClr>
+          </a:solidFill>
+          <a:prstDash val="solid"/>
+          <a:miter lim="800000"/>
+        </a:ln>
+        <a:effectLst/>
+      </dsp:spPr>
+      <dsp:style>
+        <a:lnRef idx="2">
+          <a:scrgbClr r="0" g="0" b="0"/>
+        </a:lnRef>
+        <a:fillRef idx="1">
+          <a:scrgbClr r="0" g="0" b="0"/>
+        </a:fillRef>
+        <a:effectRef idx="0">
+          <a:scrgbClr r="0" g="0" b="0"/>
+        </a:effectRef>
+        <a:fontRef idx="minor">
+          <a:schemeClr val="lt1"/>
+        </a:fontRef>
+      </dsp:style>
+      <dsp:txBody>
+        <a:bodyPr spcFirstLastPara="0" vert="horz" wrap="square" lIns="5080" tIns="5080" rIns="5080" bIns="75500" numCol="1" spcCol="1270" anchor="ctr" anchorCtr="0">
+          <a:noAutofit/>
+        </a:bodyPr>
+        <a:lstStyle/>
+        <a:p>
+          <a:pPr lvl="0" algn="ctr" defTabSz="355600">
+            <a:lnSpc>
+              <a:spcPct val="90000"/>
+            </a:lnSpc>
+            <a:spcBef>
+              <a:spcPct val="0"/>
+            </a:spcBef>
+            <a:spcAft>
+              <a:spcPct val="35000"/>
+            </a:spcAft>
+          </a:pPr>
+          <a:r>
+            <a:rPr lang="pt-BR" sz="800" kern="1200" dirty="0" smtClean="0"/>
+            <a:t>CREATE</a:t>
+          </a:r>
+        </a:p>
+        <a:p>
+          <a:pPr lvl="0" algn="ctr" defTabSz="355600">
+            <a:lnSpc>
+              <a:spcPct val="90000"/>
+            </a:lnSpc>
+            <a:spcBef>
+              <a:spcPct val="0"/>
+            </a:spcBef>
+            <a:spcAft>
+              <a:spcPct val="35000"/>
+            </a:spcAft>
+          </a:pPr>
+          <a:r>
+            <a:rPr lang="pt-BR" sz="800" kern="1200" dirty="0" smtClean="0"/>
+            <a:t>EDIT</a:t>
+          </a:r>
+        </a:p>
+        <a:p>
+          <a:pPr lvl="0" algn="ctr" defTabSz="355600">
+            <a:lnSpc>
+              <a:spcPct val="90000"/>
+            </a:lnSpc>
+            <a:spcBef>
+              <a:spcPct val="0"/>
+            </a:spcBef>
+            <a:spcAft>
+              <a:spcPct val="35000"/>
+            </a:spcAft>
+          </a:pPr>
+          <a:endParaRPr lang="pt-BR" sz="800" kern="1200" dirty="0"/>
+        </a:p>
+      </dsp:txBody>
+      <dsp:txXfrm>
+        <a:off x="816259" y="2127154"/>
+        <a:ext cx="1033379" cy="535038"/>
+      </dsp:txXfrm>
+    </dsp:sp>
+    <dsp:sp modelId="{7D256364-5405-44E2-BE6B-A65F99705CE8}">
+      <dsp:nvSpPr>
+        <dsp:cNvPr id="0" name=""/>
+        <dsp:cNvSpPr/>
+      </dsp:nvSpPr>
+      <dsp:spPr>
+        <a:xfrm>
+          <a:off x="831917" y="2632583"/>
+          <a:ext cx="1345045" cy="494045"/>
+        </a:xfrm>
+        <a:prstGeom prst="rect">
+          <a:avLst/>
+        </a:prstGeom>
+        <a:solidFill>
+          <a:schemeClr val="dk1">
+            <a:alpha val="90000"/>
+            <a:tint val="40000"/>
+            <a:hueOff val="0"/>
+            <a:satOff val="0"/>
+            <a:lumOff val="0"/>
+            <a:alphaOff val="0"/>
+          </a:schemeClr>
+        </a:solidFill>
+        <a:ln w="12700" cap="flat" cmpd="sng" algn="ctr">
+          <a:solidFill>
+            <a:schemeClr val="dk1">
+              <a:hueOff val="0"/>
+              <a:satOff val="0"/>
+              <a:lumOff val="0"/>
+              <a:alphaOff val="0"/>
+            </a:schemeClr>
+          </a:solidFill>
+          <a:prstDash val="solid"/>
+          <a:miter lim="800000"/>
+        </a:ln>
+        <a:effectLst/>
+      </dsp:spPr>
+      <dsp:style>
+        <a:lnRef idx="2">
+          <a:scrgbClr r="0" g="0" b="0"/>
+        </a:lnRef>
+        <a:fillRef idx="1">
+          <a:scrgbClr r="0" g="0" b="0"/>
+        </a:fillRef>
+        <a:effectRef idx="0">
+          <a:scrgbClr r="0" g="0" b="0"/>
+        </a:effectRef>
+        <a:fontRef idx="minor"/>
+      </dsp:style>
+      <dsp:txBody>
+        <a:bodyPr spcFirstLastPara="0" vert="horz" wrap="square" lIns="20320" tIns="5080" rIns="20320" bIns="5080" numCol="1" spcCol="1270" anchor="ctr" anchorCtr="0">
+          <a:noAutofit/>
+        </a:bodyPr>
+        <a:lstStyle/>
+        <a:p>
+          <a:pPr lvl="0" algn="r" defTabSz="355600">
+            <a:lnSpc>
+              <a:spcPct val="90000"/>
+            </a:lnSpc>
+            <a:spcBef>
+              <a:spcPct val="0"/>
+            </a:spcBef>
+            <a:spcAft>
+              <a:spcPct val="35000"/>
+            </a:spcAft>
+          </a:pPr>
+          <a:endParaRPr lang="pt-BR" sz="800" kern="1200"/>
+        </a:p>
+      </dsp:txBody>
+      <dsp:txXfrm>
+        <a:off x="831917" y="2632583"/>
+        <a:ext cx="1345045" cy="494045"/>
+      </dsp:txXfrm>
+    </dsp:sp>
+    <dsp:sp modelId="{A24A19AD-3415-4D04-B7C3-93444F96EECF}">
+      <dsp:nvSpPr>
+        <dsp:cNvPr id="0" name=""/>
+        <dsp:cNvSpPr/>
+      </dsp:nvSpPr>
+      <dsp:spPr>
+        <a:xfrm>
+          <a:off x="928182" y="282016"/>
+          <a:ext cx="1033379" cy="535038"/>
+        </a:xfrm>
+        <a:prstGeom prst="rect">
+          <a:avLst/>
+        </a:prstGeom>
+        <a:solidFill>
+          <a:schemeClr val="lt1">
+            <a:hueOff val="0"/>
+            <a:satOff val="0"/>
+            <a:lumOff val="0"/>
+            <a:alphaOff val="0"/>
+          </a:schemeClr>
+        </a:solidFill>
+        <a:ln w="12700" cap="flat" cmpd="sng" algn="ctr">
+          <a:solidFill>
+            <a:schemeClr val="dk1">
+              <a:shade val="80000"/>
+              <a:hueOff val="0"/>
+              <a:satOff val="0"/>
+              <a:lumOff val="0"/>
+              <a:alphaOff val="0"/>
+            </a:schemeClr>
+          </a:solidFill>
+          <a:prstDash val="solid"/>
+          <a:miter lim="800000"/>
+        </a:ln>
+        <a:effectLst/>
+      </dsp:spPr>
+      <dsp:style>
+        <a:lnRef idx="2">
+          <a:scrgbClr r="0" g="0" b="0"/>
+        </a:lnRef>
+        <a:fillRef idx="1">
+          <a:scrgbClr r="0" g="0" b="0"/>
+        </a:fillRef>
+        <a:effectRef idx="0">
+          <a:scrgbClr r="0" g="0" b="0"/>
+        </a:effectRef>
+        <a:fontRef idx="minor">
+          <a:schemeClr val="lt1"/>
+        </a:fontRef>
+      </dsp:style>
+      <dsp:txBody>
+        <a:bodyPr spcFirstLastPara="0" vert="horz" wrap="square" lIns="5080" tIns="5080" rIns="5080" bIns="75500" numCol="1" spcCol="1270" anchor="ctr" anchorCtr="0">
+          <a:noAutofit/>
+        </a:bodyPr>
+        <a:lstStyle/>
+        <a:p>
+          <a:pPr lvl="0" algn="ctr" defTabSz="355600">
+            <a:lnSpc>
+              <a:spcPct val="90000"/>
+            </a:lnSpc>
+            <a:spcBef>
+              <a:spcPct val="0"/>
+            </a:spcBef>
+            <a:spcAft>
+              <a:spcPct val="35000"/>
+            </a:spcAft>
+          </a:pPr>
+          <a:r>
+            <a:rPr lang="pt-BR" sz="800" kern="1200" dirty="0" smtClean="0"/>
+            <a:t>LOGIN</a:t>
+          </a:r>
+          <a:endParaRPr lang="pt-BR" sz="800" kern="1200" dirty="0"/>
+        </a:p>
+      </dsp:txBody>
+      <dsp:txXfrm>
+        <a:off x="928182" y="282016"/>
+        <a:ext cx="1033379" cy="535038"/>
+      </dsp:txXfrm>
+    </dsp:sp>
+    <dsp:sp modelId="{EBDEC477-7DF7-447D-AE63-D5F395D32C09}">
+      <dsp:nvSpPr>
+        <dsp:cNvPr id="0" name=""/>
+        <dsp:cNvSpPr/>
+      </dsp:nvSpPr>
+      <dsp:spPr>
+        <a:xfrm>
+          <a:off x="935594" y="820394"/>
+          <a:ext cx="1345045" cy="494045"/>
+        </a:xfrm>
+        <a:prstGeom prst="rect">
+          <a:avLst/>
+        </a:prstGeom>
+        <a:solidFill>
+          <a:schemeClr val="dk1">
+            <a:alpha val="90000"/>
+            <a:tint val="40000"/>
+            <a:hueOff val="0"/>
+            <a:satOff val="0"/>
+            <a:lumOff val="0"/>
+            <a:alphaOff val="0"/>
+          </a:schemeClr>
+        </a:solidFill>
+        <a:ln w="12700" cap="flat" cmpd="sng" algn="ctr">
+          <a:solidFill>
+            <a:schemeClr val="dk1">
+              <a:hueOff val="0"/>
+              <a:satOff val="0"/>
+              <a:lumOff val="0"/>
+              <a:alphaOff val="0"/>
+            </a:schemeClr>
+          </a:solidFill>
+          <a:prstDash val="solid"/>
+          <a:miter lim="800000"/>
+        </a:ln>
+        <a:effectLst/>
+      </dsp:spPr>
+      <dsp:style>
+        <a:lnRef idx="2">
+          <a:scrgbClr r="0" g="0" b="0"/>
+        </a:lnRef>
+        <a:fillRef idx="1">
+          <a:scrgbClr r="0" g="0" b="0"/>
+        </a:fillRef>
+        <a:effectRef idx="0">
+          <a:scrgbClr r="0" g="0" b="0"/>
+        </a:effectRef>
+        <a:fontRef idx="minor"/>
+      </dsp:style>
+      <dsp:txBody>
+        <a:bodyPr spcFirstLastPara="0" vert="horz" wrap="square" lIns="78740" tIns="19685" rIns="78740" bIns="19685" numCol="1" spcCol="1270" anchor="ctr" anchorCtr="0">
+          <a:noAutofit/>
+        </a:bodyPr>
+        <a:lstStyle/>
+        <a:p>
+          <a:pPr lvl="0" algn="r" defTabSz="1377950">
+            <a:lnSpc>
+              <a:spcPct val="90000"/>
+            </a:lnSpc>
+            <a:spcBef>
+              <a:spcPct val="0"/>
+            </a:spcBef>
+            <a:spcAft>
+              <a:spcPct val="35000"/>
+            </a:spcAft>
+          </a:pPr>
+          <a:endParaRPr lang="pt-BR" sz="3100" kern="1200"/>
+        </a:p>
+      </dsp:txBody>
+      <dsp:txXfrm>
+        <a:off x="935594" y="820394"/>
+        <a:ext cx="1345045" cy="494045"/>
+      </dsp:txXfrm>
+    </dsp:sp>
+    <dsp:sp modelId="{821B02D1-891C-471A-A164-F954C6A4FC7C}">
+      <dsp:nvSpPr>
+        <dsp:cNvPr id="0" name=""/>
+        <dsp:cNvSpPr/>
+      </dsp:nvSpPr>
+      <dsp:spPr>
+        <a:xfrm>
+          <a:off x="6560097" y="86"/>
+          <a:ext cx="1033379" cy="535038"/>
+        </a:xfrm>
+        <a:prstGeom prst="rect">
+          <a:avLst/>
+        </a:prstGeom>
+        <a:solidFill>
+          <a:schemeClr val="lt1">
+            <a:hueOff val="0"/>
+            <a:satOff val="0"/>
+            <a:lumOff val="0"/>
+            <a:alphaOff val="0"/>
+          </a:schemeClr>
+        </a:solidFill>
+        <a:ln w="12700" cap="flat" cmpd="sng" algn="ctr">
+          <a:solidFill>
+            <a:schemeClr val="dk1">
+              <a:shade val="80000"/>
+              <a:hueOff val="0"/>
+              <a:satOff val="0"/>
+              <a:lumOff val="0"/>
+              <a:alphaOff val="0"/>
+            </a:schemeClr>
+          </a:solidFill>
+          <a:prstDash val="solid"/>
+          <a:miter lim="800000"/>
+        </a:ln>
+        <a:effectLst/>
+      </dsp:spPr>
+      <dsp:style>
+        <a:lnRef idx="2">
+          <a:scrgbClr r="0" g="0" b="0"/>
+        </a:lnRef>
+        <a:fillRef idx="1">
+          <a:scrgbClr r="0" g="0" b="0"/>
+        </a:fillRef>
+        <a:effectRef idx="0">
+          <a:scrgbClr r="0" g="0" b="0"/>
+        </a:effectRef>
+        <a:fontRef idx="minor">
+          <a:schemeClr val="lt1"/>
+        </a:fontRef>
+      </dsp:style>
+      <dsp:txBody>
+        <a:bodyPr spcFirstLastPara="0" vert="horz" wrap="square" lIns="5080" tIns="5080" rIns="5080" bIns="75500" numCol="1" spcCol="1270" anchor="ctr" anchorCtr="0">
+          <a:noAutofit/>
+        </a:bodyPr>
+        <a:lstStyle/>
+        <a:p>
+          <a:pPr lvl="0" algn="ctr" defTabSz="355600">
+            <a:lnSpc>
+              <a:spcPct val="90000"/>
+            </a:lnSpc>
+            <a:spcBef>
+              <a:spcPct val="0"/>
+            </a:spcBef>
+            <a:spcAft>
+              <a:spcPct val="35000"/>
+            </a:spcAft>
+          </a:pPr>
+          <a:r>
+            <a:rPr lang="pt-BR" sz="800" kern="1200" dirty="0" smtClean="0"/>
+            <a:t>QUANTIDADE DE PLAYERS</a:t>
+          </a:r>
+        </a:p>
+      </dsp:txBody>
+      <dsp:txXfrm>
+        <a:off x="6560097" y="86"/>
+        <a:ext cx="1033379" cy="535038"/>
+      </dsp:txXfrm>
+    </dsp:sp>
+    <dsp:sp modelId="{71D34BC3-5AE0-490A-B1CB-16F8752F1527}">
+      <dsp:nvSpPr>
+        <dsp:cNvPr id="0" name=""/>
+        <dsp:cNvSpPr/>
+      </dsp:nvSpPr>
+      <dsp:spPr>
+        <a:xfrm>
+          <a:off x="6559271" y="505513"/>
+          <a:ext cx="1345045" cy="494045"/>
+        </a:xfrm>
+        <a:prstGeom prst="rect">
+          <a:avLst/>
+        </a:prstGeom>
+        <a:solidFill>
+          <a:schemeClr val="dk1">
+            <a:alpha val="90000"/>
+            <a:tint val="40000"/>
+            <a:hueOff val="0"/>
+            <a:satOff val="0"/>
+            <a:lumOff val="0"/>
+            <a:alphaOff val="0"/>
+          </a:schemeClr>
+        </a:solidFill>
+        <a:ln w="12700" cap="flat" cmpd="sng" algn="ctr">
+          <a:solidFill>
+            <a:schemeClr val="dk1">
+              <a:hueOff val="0"/>
+              <a:satOff val="0"/>
+              <a:lumOff val="0"/>
+              <a:alphaOff val="0"/>
+            </a:schemeClr>
+          </a:solidFill>
+          <a:prstDash val="solid"/>
+          <a:miter lim="800000"/>
+        </a:ln>
+        <a:effectLst/>
+      </dsp:spPr>
+      <dsp:style>
+        <a:lnRef idx="2">
+          <a:scrgbClr r="0" g="0" b="0"/>
+        </a:lnRef>
+        <a:fillRef idx="1">
+          <a:scrgbClr r="0" g="0" b="0"/>
+        </a:fillRef>
+        <a:effectRef idx="0">
+          <a:scrgbClr r="0" g="0" b="0"/>
+        </a:effectRef>
+        <a:fontRef idx="minor"/>
+      </dsp:style>
+      <dsp:txBody>
+        <a:bodyPr spcFirstLastPara="0" vert="horz" wrap="square" lIns="78740" tIns="19685" rIns="78740" bIns="19685" numCol="1" spcCol="1270" anchor="ctr" anchorCtr="0">
+          <a:noAutofit/>
+        </a:bodyPr>
+        <a:lstStyle/>
+        <a:p>
+          <a:pPr lvl="0" algn="r" defTabSz="1377950">
+            <a:lnSpc>
+              <a:spcPct val="90000"/>
+            </a:lnSpc>
+            <a:spcBef>
+              <a:spcPct val="0"/>
+            </a:spcBef>
+            <a:spcAft>
+              <a:spcPct val="35000"/>
+            </a:spcAft>
+          </a:pPr>
+          <a:endParaRPr lang="pt-BR" sz="3100" kern="1200"/>
+        </a:p>
+      </dsp:txBody>
+      <dsp:txXfrm>
+        <a:off x="6559271" y="505513"/>
+        <a:ext cx="1345045" cy="494045"/>
+      </dsp:txXfrm>
+    </dsp:sp>
+  </dsp:spTree>
+</dsp:drawing>
+</file>
+
+<file path=ppt/diagrams/drawing2.xml><?xml version="1.0" encoding="utf-8"?>
 <dsp:drawing xmlns:dgm="http://schemas.openxmlformats.org/drawingml/2006/diagram" xmlns:dsp="http://schemas.microsoft.com/office/drawing/2008/diagram" xmlns:a="http://schemas.openxmlformats.org/drawingml/2006/main">
   <dsp:spTree>
     <dsp:nvGrpSpPr>
@@ -2799,6 +5828,1187 @@
 </file>
 
 <file path=ppt/diagrams/layout1.xml><?xml version="1.0" encoding="utf-8"?>
+<dgm:layoutDef xmlns:dgm="http://schemas.openxmlformats.org/drawingml/2006/diagram" xmlns:a="http://schemas.openxmlformats.org/drawingml/2006/main" uniqueId="urn:microsoft.com/office/officeart/2008/layout/NameandTitleOrganizationalChart">
+  <dgm:title val=""/>
+  <dgm:desc val=""/>
+  <dgm:catLst>
+    <dgm:cat type="hierarchy" pri="1250"/>
+  </dgm:catLst>
+  <dgm:sampData>
+    <dgm:dataModel>
+      <dgm:ptLst>
+        <dgm:pt modelId="0" type="doc"/>
+        <dgm:pt modelId="1">
+          <dgm:prSet phldr="1"/>
+        </dgm:pt>
+        <dgm:pt modelId="2" type="asst">
+          <dgm:prSet phldr="1"/>
+        </dgm:pt>
+        <dgm:pt modelId="3">
+          <dgm:prSet phldr="1"/>
+        </dgm:pt>
+        <dgm:pt modelId="4">
+          <dgm:prSet phldr="1"/>
+        </dgm:pt>
+        <dgm:pt modelId="5">
+          <dgm:prSet phldr="1"/>
+        </dgm:pt>
+      </dgm:ptLst>
+      <dgm:cxnLst>
+        <dgm:cxn modelId="5" srcId="0" destId="1" srcOrd="0" destOrd="0"/>
+        <dgm:cxn modelId="6" srcId="1" destId="2" srcOrd="0" destOrd="0"/>
+        <dgm:cxn modelId="7" srcId="1" destId="3" srcOrd="1" destOrd="0"/>
+        <dgm:cxn modelId="8" srcId="1" destId="4" srcOrd="2" destOrd="0"/>
+        <dgm:cxn modelId="9" srcId="1" destId="5" srcOrd="3" destOrd="0"/>
+      </dgm:cxnLst>
+      <dgm:bg/>
+      <dgm:whole/>
+    </dgm:dataModel>
+  </dgm:sampData>
+  <dgm:styleData>
+    <dgm:dataModel>
+      <dgm:ptLst>
+        <dgm:pt modelId="0" type="doc"/>
+        <dgm:pt modelId="1"/>
+        <dgm:pt modelId="12"/>
+        <dgm:pt modelId="13"/>
+      </dgm:ptLst>
+      <dgm:cxnLst>
+        <dgm:cxn modelId="2" srcId="0" destId="1" srcOrd="0" destOrd="0"/>
+        <dgm:cxn modelId="16" srcId="1" destId="12" srcOrd="1" destOrd="0"/>
+        <dgm:cxn modelId="17" srcId="1" destId="13" srcOrd="2" destOrd="0"/>
+      </dgm:cxnLst>
+      <dgm:bg/>
+      <dgm:whole/>
+    </dgm:dataModel>
+  </dgm:styleData>
+  <dgm:clrData>
+    <dgm:dataModel>
+      <dgm:ptLst>
+        <dgm:pt modelId="0" type="doc"/>
+        <dgm:pt modelId="1"/>
+        <dgm:pt modelId="11" type="asst"/>
+        <dgm:pt modelId="12"/>
+        <dgm:pt modelId="13"/>
+        <dgm:pt modelId="14"/>
+      </dgm:ptLst>
+      <dgm:cxnLst>
+        <dgm:cxn modelId="2" srcId="0" destId="1" srcOrd="0" destOrd="0"/>
+        <dgm:cxn modelId="15" srcId="1" destId="11" srcOrd="0" destOrd="0"/>
+        <dgm:cxn modelId="16" srcId="1" destId="12" srcOrd="1" destOrd="0"/>
+        <dgm:cxn modelId="17" srcId="1" destId="13" srcOrd="2" destOrd="0"/>
+        <dgm:cxn modelId="18" srcId="1" destId="14" srcOrd="2" destOrd="0"/>
+      </dgm:cxnLst>
+      <dgm:bg/>
+      <dgm:whole/>
+    </dgm:dataModel>
+  </dgm:clrData>
+  <dgm:layoutNode name="hierChild1">
+    <dgm:varLst>
+      <dgm:orgChart val="1"/>
+      <dgm:chPref val="1"/>
+      <dgm:dir/>
+      <dgm:animOne val="branch"/>
+      <dgm:animLvl val="lvl"/>
+      <dgm:resizeHandles/>
+    </dgm:varLst>
+    <dgm:choose name="Name0">
+      <dgm:if name="Name1" func="var" arg="dir" op="equ" val="norm">
+        <dgm:alg type="hierChild">
+          <dgm:param type="linDir" val="fromL"/>
+        </dgm:alg>
+      </dgm:if>
+      <dgm:else name="Name2">
+        <dgm:alg type="hierChild">
+          <dgm:param type="linDir" val="fromR"/>
+        </dgm:alg>
+      </dgm:else>
+    </dgm:choose>
+    <dgm:shape xmlns:r="http://schemas.openxmlformats.org/officeDocument/2006/relationships" r:blip="">
+      <dgm:adjLst/>
+    </dgm:shape>
+    <dgm:presOf/>
+    <dgm:constrLst>
+      <dgm:constr type="w" for="des" forName="rootComposite1" refType="w" fact="10"/>
+      <dgm:constr type="h" for="des" forName="rootComposite1" refType="w" refFor="des" refForName="rootComposite1" fact="0.5"/>
+      <dgm:constr type="w" for="des" forName="rootComposite" refType="w" fact="10"/>
+      <dgm:constr type="h" for="des" forName="rootComposite" refType="w" refFor="des" refForName="rootComposite1" fact="0.5"/>
+      <dgm:constr type="w" for="des" forName="rootComposite3" refType="w" fact="10"/>
+      <dgm:constr type="h" for="des" forName="rootComposite3" refType="w" refFor="des" refForName="rootComposite1" fact="0.5"/>
+      <dgm:constr type="primFontSz" for="des" ptType="node" op="equ"/>
+      <dgm:constr type="sp" for="des" op="equ"/>
+      <dgm:constr type="sp" for="des" forName="hierRoot1" refType="w" refFor="des" refForName="rootComposite1" fact="0.21"/>
+      <dgm:constr type="sp" for="des" forName="hierRoot2" refType="sp" refFor="des" refForName="hierRoot1"/>
+      <dgm:constr type="sp" for="des" forName="hierRoot3" refType="sp" refFor="des" refForName="hierRoot1"/>
+      <dgm:constr type="sibSp" refType="w" refFor="des" refForName="rootComposite1" fact="0.21"/>
+      <dgm:constr type="sibSp" for="des" forName="hierChild2" refType="sibSp"/>
+      <dgm:constr type="sibSp" for="des" forName="hierChild3" refType="sibSp"/>
+      <dgm:constr type="sibSp" for="des" forName="hierChild4" refType="sibSp"/>
+      <dgm:constr type="sibSp" for="des" forName="hierChild5" refType="sibSp"/>
+      <dgm:constr type="sibSp" for="des" forName="hierChild6" refType="sibSp"/>
+      <dgm:constr type="sibSp" for="des" forName="hierChild7" refType="sibSp"/>
+      <dgm:constr type="secSibSp" refType="w" refFor="des" refForName="rootComposite1" fact="0.21"/>
+      <dgm:constr type="secSibSp" for="des" forName="hierChild2" refType="secSibSp"/>
+      <dgm:constr type="secSibSp" for="des" forName="hierChild3" refType="secSibSp"/>
+      <dgm:constr type="secSibSp" for="des" forName="hierChild4" refType="secSibSp"/>
+      <dgm:constr type="secSibSp" for="des" forName="hierChild5" refType="secSibSp"/>
+      <dgm:constr type="secSibSp" for="des" forName="hierChild6" refType="secSibSp"/>
+      <dgm:constr type="secSibSp" for="des" forName="hierChild7" refType="secSibSp"/>
+    </dgm:constrLst>
+    <dgm:ruleLst/>
+    <dgm:forEach name="Name3" axis="ch">
+      <dgm:forEach name="Name4" axis="self" ptType="node">
+        <dgm:layoutNode name="hierRoot1">
+          <dgm:varLst>
+            <dgm:hierBranch val="init"/>
+          </dgm:varLst>
+          <dgm:choose name="Name5">
+            <dgm:if name="Name6" func="var" arg="hierBranch" op="equ" val="l">
+              <dgm:choose name="Name7">
+                <dgm:if name="Name8" axis="ch" ptType="asst" func="cnt" op="gte" val="1">
+                  <dgm:alg type="hierRoot">
+                    <dgm:param type="hierAlign" val="tR"/>
+                  </dgm:alg>
+                  <dgm:constrLst>
+                    <dgm:constr type="alignOff" val="0.65"/>
+                  </dgm:constrLst>
+                </dgm:if>
+                <dgm:else name="Name9">
+                  <dgm:alg type="hierRoot">
+                    <dgm:param type="hierAlign" val="tR"/>
+                  </dgm:alg>
+                  <dgm:constrLst>
+                    <dgm:constr type="alignOff" val="0.25"/>
+                  </dgm:constrLst>
+                </dgm:else>
+              </dgm:choose>
+            </dgm:if>
+            <dgm:if name="Name10" func="var" arg="hierBranch" op="equ" val="r">
+              <dgm:choose name="Name11">
+                <dgm:if name="Name12" axis="ch" ptType="asst" func="cnt" op="gte" val="1">
+                  <dgm:alg type="hierRoot">
+                    <dgm:param type="hierAlign" val="tL"/>
+                  </dgm:alg>
+                  <dgm:constrLst>
+                    <dgm:constr type="alignOff" val="0.65"/>
+                  </dgm:constrLst>
+                </dgm:if>
+                <dgm:else name="Name13">
+                  <dgm:alg type="hierRoot">
+                    <dgm:param type="hierAlign" val="tL"/>
+                  </dgm:alg>
+                  <dgm:constrLst>
+                    <dgm:constr type="alignOff" val="0.25"/>
+                  </dgm:constrLst>
+                </dgm:else>
+              </dgm:choose>
+            </dgm:if>
+            <dgm:if name="Name14" func="var" arg="hierBranch" op="equ" val="hang">
+              <dgm:alg type="hierRoot"/>
+              <dgm:constrLst>
+                <dgm:constr type="alignOff" val="0.65"/>
+              </dgm:constrLst>
+            </dgm:if>
+            <dgm:else name="Name15">
+              <dgm:alg type="hierRoot"/>
+              <dgm:constrLst>
+                <dgm:constr type="alignOff"/>
+                <dgm:constr type="bendDist" for="des" ptType="parTrans" refType="sp" fact="0.5"/>
+              </dgm:constrLst>
+            </dgm:else>
+          </dgm:choose>
+          <dgm:shape xmlns:r="http://schemas.openxmlformats.org/officeDocument/2006/relationships" r:blip="">
+            <dgm:adjLst/>
+          </dgm:shape>
+          <dgm:presOf/>
+          <dgm:ruleLst/>
+          <dgm:layoutNode name="rootComposite1">
+            <dgm:alg type="composite"/>
+            <dgm:shape xmlns:r="http://schemas.openxmlformats.org/officeDocument/2006/relationships" r:blip="">
+              <dgm:adjLst/>
+            </dgm:shape>
+            <dgm:presOf axis="self" ptType="node" cnt="1"/>
+            <dgm:choose name="Name16">
+              <dgm:if name="Name17" func="var" arg="hierBranch" op="equ" val="init">
+                <dgm:constrLst>
+                  <dgm:constr type="l" for="ch" forName="rootText1"/>
+                  <dgm:constr type="t" for="ch" forName="rootText1"/>
+                  <dgm:constr type="w" for="ch" forName="rootText1" refType="w"/>
+                  <dgm:constr type="h" for="ch" forName="rootText1" refType="h" fact="0.9"/>
+                  <dgm:constr type="l" for="ch" forName="titleText1" refType="w" fact="0.2"/>
+                  <dgm:constr type="t" for="ch" forName="titleText1" refType="h" fact="0.7"/>
+                  <dgm:constr type="w" for="ch" forName="titleText1" refType="w" fact="0.9"/>
+                  <dgm:constr type="h" for="ch" forName="titleText1" refType="h" fact="0.3"/>
+                  <dgm:constr type="primFontSz" for="des" forName="titleText1" refType="primFontSz" refFor="des" refForName="rootText1" op="lte"/>
+                  <dgm:constr type="l" for="ch" forName="rootConnector1"/>
+                  <dgm:constr type="t" for="ch" forName="rootConnector1"/>
+                  <dgm:constr type="w" for="ch" forName="rootConnector1" refType="w" refFor="ch" refForName="rootText1" fact="0.2"/>
+                  <dgm:constr type="h" for="ch" forName="rootConnector1" refType="h" refFor="ch" refForName="rootText1"/>
+                </dgm:constrLst>
+              </dgm:if>
+              <dgm:if name="Name18" func="var" arg="hierBranch" op="equ" val="l">
+                <dgm:constrLst>
+                  <dgm:constr type="l" for="ch" forName="rootText1"/>
+                  <dgm:constr type="t" for="ch" forName="rootText1"/>
+                  <dgm:constr type="w" for="ch" forName="rootText1" refType="w"/>
+                  <dgm:constr type="h" for="ch" forName="rootText1" refType="h" fact="0.9"/>
+                  <dgm:constr type="l" for="ch" forName="titleText1" refType="w" fact="0.2"/>
+                  <dgm:constr type="t" for="ch" forName="titleText1" refType="h" fact="0.7"/>
+                  <dgm:constr type="w" for="ch" forName="titleText1" refType="w" fact="0.9"/>
+                  <dgm:constr type="h" for="ch" forName="titleText1" refType="h" fact="0.3"/>
+                  <dgm:constr type="primFontSz" for="des" forName="titleText1" refType="primFontSz" refFor="des" refForName="rootText1" op="lte"/>
+                  <dgm:constr type="r" for="ch" forName="rootConnector1" refType="w"/>
+                  <dgm:constr type="t" for="ch" forName="rootConnector1"/>
+                  <dgm:constr type="w" for="ch" forName="rootConnector1" refType="w" refFor="ch" refForName="rootText1" fact="0.2"/>
+                  <dgm:constr type="h" for="ch" forName="rootConnector1" refType="h" refFor="ch" refForName="rootText1"/>
+                </dgm:constrLst>
+              </dgm:if>
+              <dgm:if name="Name19" func="var" arg="hierBranch" op="equ" val="r">
+                <dgm:constrLst>
+                  <dgm:constr type="l" for="ch" forName="rootText1"/>
+                  <dgm:constr type="t" for="ch" forName="rootText1"/>
+                  <dgm:constr type="w" for="ch" forName="rootText1" refType="w"/>
+                  <dgm:constr type="h" for="ch" forName="rootText1" refType="h" fact="0.9"/>
+                  <dgm:constr type="l" for="ch" forName="titleText1" refType="w" fact="0.2"/>
+                  <dgm:constr type="t" for="ch" forName="titleText1" refType="h" fact="0.7"/>
+                  <dgm:constr type="w" for="ch" forName="titleText1" refType="w" fact="0.9"/>
+                  <dgm:constr type="h" for="ch" forName="titleText1" refType="h" fact="0.3"/>
+                  <dgm:constr type="primFontSz" for="des" forName="titleText1" refType="primFontSz" refFor="des" refForName="rootText1" op="lte"/>
+                  <dgm:constr type="l" for="ch" forName="rootConnector1"/>
+                  <dgm:constr type="t" for="ch" forName="rootConnector1"/>
+                  <dgm:constr type="w" for="ch" forName="rootConnector1" refType="w" refFor="ch" refForName="rootText1" fact="0.2"/>
+                  <dgm:constr type="h" for="ch" forName="rootConnector1" refType="h" refFor="ch" refForName="rootText1"/>
+                </dgm:constrLst>
+              </dgm:if>
+              <dgm:else name="Name20">
+                <dgm:constrLst>
+                  <dgm:constr type="l" for="ch" forName="rootText1"/>
+                  <dgm:constr type="t" for="ch" forName="rootText1"/>
+                  <dgm:constr type="w" for="ch" forName="rootText1" refType="w"/>
+                  <dgm:constr type="h" for="ch" forName="rootText1" refType="h" fact="0.9"/>
+                  <dgm:constr type="l" for="ch" forName="titleText1" refType="w" fact="0.2"/>
+                  <dgm:constr type="t" for="ch" forName="titleText1" refType="h" fact="0.7"/>
+                  <dgm:constr type="w" for="ch" forName="titleText1" refType="w" fact="0.9"/>
+                  <dgm:constr type="h" for="ch" forName="titleText1" refType="h" fact="0.3"/>
+                  <dgm:constr type="primFontSz" for="des" forName="titleText1" refType="primFontSz" refFor="des" refForName="rootText1" op="lte"/>
+                  <dgm:constr type="r" for="ch" forName="rootConnector1" refType="w"/>
+                  <dgm:constr type="t" for="ch" forName="rootConnector1"/>
+                  <dgm:constr type="w" for="ch" forName="rootConnector1" refType="w" refFor="ch" refForName="rootText1" fact="0.2"/>
+                  <dgm:constr type="h" for="ch" forName="rootConnector1" refType="h" refFor="ch" refForName="rootText1"/>
+                </dgm:constrLst>
+              </dgm:else>
+            </dgm:choose>
+            <dgm:ruleLst/>
+            <dgm:layoutNode name="rootText1" styleLbl="node0">
+              <dgm:varLst>
+                <dgm:chMax/>
+                <dgm:chPref val="3"/>
+              </dgm:varLst>
+              <dgm:alg type="tx"/>
+              <dgm:shape xmlns:r="http://schemas.openxmlformats.org/officeDocument/2006/relationships" type="rect" r:blip="">
+                <dgm:adjLst/>
+              </dgm:shape>
+              <dgm:presOf axis="self" ptType="node" cnt="1"/>
+              <dgm:constrLst>
+                <dgm:constr type="primFontSz" val="65"/>
+                <dgm:constr type="lMarg" refType="primFontSz" fact="0.05"/>
+                <dgm:constr type="rMarg" refType="primFontSz" fact="0.05"/>
+                <dgm:constr type="tMarg" refType="primFontSz" fact="0.05"/>
+                <dgm:constr type="bMarg" refType="h" fact="0.4"/>
+              </dgm:constrLst>
+              <dgm:ruleLst>
+                <dgm:rule type="primFontSz" val="5" fact="NaN" max="NaN"/>
+              </dgm:ruleLst>
+            </dgm:layoutNode>
+            <dgm:layoutNode name="titleText1" styleLbl="fgAcc0">
+              <dgm:varLst>
+                <dgm:chMax val="0"/>
+                <dgm:chPref val="0"/>
+              </dgm:varLst>
+              <dgm:alg type="tx">
+                <dgm:param type="parTxLTRAlign" val="r"/>
+              </dgm:alg>
+              <dgm:shape xmlns:r="http://schemas.openxmlformats.org/officeDocument/2006/relationships" type="rect" r:blip="">
+                <dgm:adjLst/>
+              </dgm:shape>
+              <dgm:presOf axis="followSib" ptType="sibTrans" hideLastTrans="0" cnt="1"/>
+              <dgm:constrLst>
+                <dgm:constr type="primFontSz" val="65"/>
+                <dgm:constr type="lMarg" refType="primFontSz" fact="0.2"/>
+                <dgm:constr type="rMarg" refType="primFontSz" fact="0.2"/>
+                <dgm:constr type="tMarg" refType="primFontSz" fact="0.05"/>
+                <dgm:constr type="bMarg" refType="primFontSz" fact="0.05"/>
+              </dgm:constrLst>
+              <dgm:ruleLst>
+                <dgm:rule type="primFontSz" val="5" fact="NaN" max="NaN"/>
+              </dgm:ruleLst>
+            </dgm:layoutNode>
+            <dgm:layoutNode name="rootConnector1" moveWith="rootText1">
+              <dgm:alg type="sp"/>
+              <dgm:shape xmlns:r="http://schemas.openxmlformats.org/officeDocument/2006/relationships" type="rect" r:blip="" hideGeom="1">
+                <dgm:adjLst/>
+              </dgm:shape>
+              <dgm:presOf axis="self" ptType="node" cnt="1"/>
+              <dgm:constrLst/>
+              <dgm:ruleLst/>
+            </dgm:layoutNode>
+          </dgm:layoutNode>
+          <dgm:layoutNode name="hierChild2">
+            <dgm:choose name="Name21">
+              <dgm:if name="Name22" func="var" arg="hierBranch" op="equ" val="l">
+                <dgm:alg type="hierChild">
+                  <dgm:param type="chAlign" val="r"/>
+                  <dgm:param type="linDir" val="fromT"/>
+                </dgm:alg>
+              </dgm:if>
+              <dgm:if name="Name23" func="var" arg="hierBranch" op="equ" val="r">
+                <dgm:alg type="hierChild">
+                  <dgm:param type="chAlign" val="l"/>
+                  <dgm:param type="linDir" val="fromT"/>
+                </dgm:alg>
+              </dgm:if>
+              <dgm:if name="Name24" func="var" arg="hierBranch" op="equ" val="hang">
+                <dgm:choose name="Name25">
+                  <dgm:if name="Name26" func="var" arg="dir" op="equ" val="norm">
+                    <dgm:alg type="hierChild">
+                      <dgm:param type="chAlign" val="l"/>
+                      <dgm:param type="linDir" val="fromL"/>
+                      <dgm:param type="secChAlign" val="t"/>
+                      <dgm:param type="secLinDir" val="fromT"/>
+                    </dgm:alg>
+                  </dgm:if>
+                  <dgm:else name="Name27">
+                    <dgm:alg type="hierChild">
+                      <dgm:param type="chAlign" val="l"/>
+                      <dgm:param type="linDir" val="fromR"/>
+                      <dgm:param type="secChAlign" val="t"/>
+                      <dgm:param type="secLinDir" val="fromT"/>
+                    </dgm:alg>
+                  </dgm:else>
+                </dgm:choose>
+              </dgm:if>
+              <dgm:else name="Name28">
+                <dgm:choose name="Name29">
+                  <dgm:if name="Name30" func="var" arg="dir" op="equ" val="norm">
+                    <dgm:alg type="hierChild"/>
+                  </dgm:if>
+                  <dgm:else name="Name31">
+                    <dgm:alg type="hierChild">
+                      <dgm:param type="linDir" val="fromR"/>
+                    </dgm:alg>
+                  </dgm:else>
+                </dgm:choose>
+              </dgm:else>
+            </dgm:choose>
+            <dgm:shape xmlns:r="http://schemas.openxmlformats.org/officeDocument/2006/relationships" r:blip="">
+              <dgm:adjLst/>
+            </dgm:shape>
+            <dgm:presOf/>
+            <dgm:constrLst/>
+            <dgm:ruleLst/>
+            <dgm:forEach name="rep2a" axis="ch" ptType="nonAsst">
+              <dgm:forEach name="Name32" axis="precedSib" ptType="parTrans" st="-1" cnt="1">
+                <dgm:choose name="Name33">
+                  <dgm:if name="Name34" func="var" arg="hierBranch" op="equ" val="std">
+                    <dgm:layoutNode name="Name35">
+                      <dgm:alg type="conn">
+                        <dgm:param type="connRout" val="bend"/>
+                        <dgm:param type="dim" val="1D"/>
+                        <dgm:param type="endSty" val="noArr"/>
+                        <dgm:param type="begPts" val="bCtr"/>
+                        <dgm:param type="endPts" val="tCtr"/>
+                        <dgm:param type="bendPt" val="end"/>
+                      </dgm:alg>
+                      <dgm:shape xmlns:r="http://schemas.openxmlformats.org/officeDocument/2006/relationships" type="conn" r:blip="" zOrderOff="-99999">
+                        <dgm:adjLst/>
+                      </dgm:shape>
+                      <dgm:presOf axis="self"/>
+                      <dgm:constrLst>
+                        <dgm:constr type="begPad"/>
+                        <dgm:constr type="endPad"/>
+                      </dgm:constrLst>
+                      <dgm:ruleLst/>
+                    </dgm:layoutNode>
+                  </dgm:if>
+                  <dgm:if name="Name36" func="var" arg="hierBranch" op="equ" val="init">
+                    <dgm:layoutNode name="Name37">
+                      <dgm:choose name="Name38">
+                        <dgm:if name="Name39" axis="self" func="depth" op="lte" val="2">
+                          <dgm:alg type="conn">
+                            <dgm:param type="connRout" val="bend"/>
+                            <dgm:param type="dim" val="1D"/>
+                            <dgm:param type="endSty" val="noArr"/>
+                            <dgm:param type="begPts" val="bCtr"/>
+                            <dgm:param type="endPts" val="tCtr"/>
+                            <dgm:param type="bendPt" val="end"/>
+                          </dgm:alg>
+                        </dgm:if>
+                        <dgm:else name="Name40">
+                          <dgm:alg type="conn">
+                            <dgm:param type="connRout" val="bend"/>
+                            <dgm:param type="dim" val="1D"/>
+                            <dgm:param type="endSty" val="noArr"/>
+                            <dgm:param type="begPts" val="bCtr"/>
+                            <dgm:param type="endPts" val="tCtr"/>
+                            <dgm:param type="bendPt" val="end"/>
+                          </dgm:alg>
+                        </dgm:else>
+                      </dgm:choose>
+                      <dgm:shape xmlns:r="http://schemas.openxmlformats.org/officeDocument/2006/relationships" type="conn" r:blip="" zOrderOff="-99999">
+                        <dgm:adjLst/>
+                      </dgm:shape>
+                      <dgm:presOf axis="self"/>
+                      <dgm:constrLst>
+                        <dgm:constr type="begPad"/>
+                        <dgm:constr type="endPad"/>
+                      </dgm:constrLst>
+                      <dgm:ruleLst/>
+                    </dgm:layoutNode>
+                  </dgm:if>
+                  <dgm:if name="Name41" func="var" arg="hierBranch" op="equ" val="hang">
+                    <dgm:layoutNode name="Name42">
+                      <dgm:alg type="conn">
+                        <dgm:param type="connRout" val="bend"/>
+                        <dgm:param type="dim" val="1D"/>
+                        <dgm:param type="endSty" val="noArr"/>
+                        <dgm:param type="begPts" val="bCtr"/>
+                        <dgm:param type="endPts" val="midL midR"/>
+                      </dgm:alg>
+                      <dgm:shape xmlns:r="http://schemas.openxmlformats.org/officeDocument/2006/relationships" type="conn" r:blip="" zOrderOff="-99999">
+                        <dgm:adjLst/>
+                      </dgm:shape>
+                      <dgm:presOf axis="self"/>
+                      <dgm:constrLst>
+                        <dgm:constr type="begPad"/>
+                        <dgm:constr type="endPad"/>
+                      </dgm:constrLst>
+                      <dgm:ruleLst/>
+                    </dgm:layoutNode>
+                  </dgm:if>
+                  <dgm:else name="Name43">
+                    <dgm:layoutNode name="Name44">
+                      <dgm:choose name="Name45">
+                        <dgm:if name="Name46" axis="self" func="depth" op="lte" val="2">
+                          <dgm:choose name="Name47">
+                            <dgm:if name="Name48" axis="par ch" ptType="node asst" func="cnt" op="gte" val="1">
+                              <dgm:alg type="conn">
+                                <dgm:param type="connRout" val="bend"/>
+                                <dgm:param type="dim" val="1D"/>
+                                <dgm:param type="endSty" val="noArr"/>
+                                <dgm:param type="begPts" val="bCtr"/>
+                                <dgm:param type="endPts" val="midL midR"/>
+                              </dgm:alg>
+                            </dgm:if>
+                            <dgm:else name="Name49">
+                              <dgm:alg type="conn">
+                                <dgm:param type="connRout" val="bend"/>
+                                <dgm:param type="dim" val="1D"/>
+                                <dgm:param type="endSty" val="noArr"/>
+                                <dgm:param type="begPts" val="bCtr"/>
+                                <dgm:param type="endPts" val="midL midR"/>
+                                <dgm:param type="srcNode" val="rootConnector1"/>
+                              </dgm:alg>
+                            </dgm:else>
+                          </dgm:choose>
+                        </dgm:if>
+                        <dgm:else name="Name50">
+                          <dgm:choose name="Name51">
+                            <dgm:if name="Name52" axis="par ch" ptType="node asst" func="cnt" op="gte" val="1">
+                              <dgm:alg type="conn">
+                                <dgm:param type="connRout" val="bend"/>
+                                <dgm:param type="dim" val="1D"/>
+                                <dgm:param type="endSty" val="noArr"/>
+                                <dgm:param type="begPts" val="bCtr"/>
+                                <dgm:param type="endPts" val="midL midR"/>
+                              </dgm:alg>
+                            </dgm:if>
+                            <dgm:else name="Name53">
+                              <dgm:alg type="conn">
+                                <dgm:param type="connRout" val="bend"/>
+                                <dgm:param type="dim" val="1D"/>
+                                <dgm:param type="endSty" val="noArr"/>
+                                <dgm:param type="begPts" val="bCtr"/>
+                                <dgm:param type="endPts" val="midL midR"/>
+                                <dgm:param type="srcNode" val="rootConnector"/>
+                              </dgm:alg>
+                            </dgm:else>
+                          </dgm:choose>
+                        </dgm:else>
+                      </dgm:choose>
+                      <dgm:shape xmlns:r="http://schemas.openxmlformats.org/officeDocument/2006/relationships" type="conn" r:blip="" zOrderOff="-99999">
+                        <dgm:adjLst/>
+                      </dgm:shape>
+                      <dgm:presOf axis="self"/>
+                      <dgm:constrLst>
+                        <dgm:constr type="begPad"/>
+                        <dgm:constr type="endPad"/>
+                      </dgm:constrLst>
+                      <dgm:ruleLst/>
+                    </dgm:layoutNode>
+                  </dgm:else>
+                </dgm:choose>
+              </dgm:forEach>
+              <dgm:layoutNode name="hierRoot2">
+                <dgm:varLst>
+                  <dgm:hierBranch val="init"/>
+                </dgm:varLst>
+                <dgm:choose name="Name54">
+                  <dgm:if name="Name55" func="var" arg="hierBranch" op="equ" val="l">
+                    <dgm:choose name="Name56">
+                      <dgm:if name="Name57" axis="ch" ptType="asst" func="cnt" op="gte" val="1">
+                        <dgm:alg type="hierRoot">
+                          <dgm:param type="hierAlign" val="tR"/>
+                        </dgm:alg>
+                        <dgm:shape xmlns:r="http://schemas.openxmlformats.org/officeDocument/2006/relationships" r:blip="">
+                          <dgm:adjLst/>
+                        </dgm:shape>
+                        <dgm:presOf/>
+                        <dgm:constrLst>
+                          <dgm:constr type="alignOff" val="0.65"/>
+                        </dgm:constrLst>
+                      </dgm:if>
+                      <dgm:else name="Name58">
+                        <dgm:alg type="hierRoot">
+                          <dgm:param type="hierAlign" val="tR"/>
+                        </dgm:alg>
+                        <dgm:shape xmlns:r="http://schemas.openxmlformats.org/officeDocument/2006/relationships" r:blip="">
+                          <dgm:adjLst/>
+                        </dgm:shape>
+                        <dgm:presOf/>
+                        <dgm:constrLst>
+                          <dgm:constr type="alignOff" val="0.25"/>
+                        </dgm:constrLst>
+                      </dgm:else>
+                    </dgm:choose>
+                  </dgm:if>
+                  <dgm:if name="Name59" func="var" arg="hierBranch" op="equ" val="r">
+                    <dgm:choose name="Name60">
+                      <dgm:if name="Name61" axis="ch" ptType="asst" func="cnt" op="gte" val="1">
+                        <dgm:alg type="hierRoot">
+                          <dgm:param type="hierAlign" val="tL"/>
+                        </dgm:alg>
+                        <dgm:shape xmlns:r="http://schemas.openxmlformats.org/officeDocument/2006/relationships" r:blip="">
+                          <dgm:adjLst/>
+                        </dgm:shape>
+                        <dgm:presOf/>
+                        <dgm:constrLst>
+                          <dgm:constr type="alignOff" val="0.65"/>
+                        </dgm:constrLst>
+                      </dgm:if>
+                      <dgm:else name="Name62">
+                        <dgm:alg type="hierRoot">
+                          <dgm:param type="hierAlign" val="tL"/>
+                        </dgm:alg>
+                        <dgm:shape xmlns:r="http://schemas.openxmlformats.org/officeDocument/2006/relationships" r:blip="">
+                          <dgm:adjLst/>
+                        </dgm:shape>
+                        <dgm:presOf/>
+                        <dgm:constrLst>
+                          <dgm:constr type="alignOff" val="0.25"/>
+                        </dgm:constrLst>
+                      </dgm:else>
+                    </dgm:choose>
+                  </dgm:if>
+                  <dgm:if name="Name63" func="var" arg="hierBranch" op="equ" val="std">
+                    <dgm:alg type="hierRoot"/>
+                    <dgm:shape xmlns:r="http://schemas.openxmlformats.org/officeDocument/2006/relationships" r:blip="">
+                      <dgm:adjLst/>
+                    </dgm:shape>
+                    <dgm:presOf/>
+                    <dgm:constrLst>
+                      <dgm:constr type="alignOff"/>
+                      <dgm:constr type="bendDist" for="des" ptType="parTrans" refType="sp" fact="0.5"/>
+                    </dgm:constrLst>
+                  </dgm:if>
+                  <dgm:if name="Name64" func="var" arg="hierBranch" op="equ" val="init">
+                    <dgm:alg type="hierRoot"/>
+                    <dgm:shape xmlns:r="http://schemas.openxmlformats.org/officeDocument/2006/relationships" r:blip="">
+                      <dgm:adjLst/>
+                    </dgm:shape>
+                    <dgm:presOf/>
+                    <dgm:constrLst>
+                      <dgm:constr type="alignOff"/>
+                      <dgm:constr type="bendDist" for="des" ptType="parTrans" refType="sp" fact="0.5"/>
+                    </dgm:constrLst>
+                  </dgm:if>
+                  <dgm:else name="Name65">
+                    <dgm:alg type="hierRoot"/>
+                    <dgm:shape xmlns:r="http://schemas.openxmlformats.org/officeDocument/2006/relationships" r:blip="">
+                      <dgm:adjLst/>
+                    </dgm:shape>
+                    <dgm:presOf/>
+                    <dgm:constrLst>
+                      <dgm:constr type="alignOff" val="0.65"/>
+                    </dgm:constrLst>
+                  </dgm:else>
+                </dgm:choose>
+                <dgm:ruleLst/>
+                <dgm:layoutNode name="rootComposite">
+                  <dgm:alg type="composite"/>
+                  <dgm:shape xmlns:r="http://schemas.openxmlformats.org/officeDocument/2006/relationships" r:blip="">
+                    <dgm:adjLst/>
+                  </dgm:shape>
+                  <dgm:presOf axis="self" ptType="node" cnt="1"/>
+                  <dgm:choose name="Name66">
+                    <dgm:if name="Name67" func="var" arg="hierBranch" op="equ" val="init">
+                      <dgm:constrLst>
+                        <dgm:constr type="l" for="ch" forName="rootText"/>
+                        <dgm:constr type="t" for="ch" forName="rootText"/>
+                        <dgm:constr type="w" for="ch" forName="rootText" refType="w"/>
+                        <dgm:constr type="h" for="ch" forName="rootText" refType="h" fact="0.9"/>
+                        <dgm:constr type="l" for="ch" forName="titleText2" refType="w" fact="0.2"/>
+                        <dgm:constr type="t" for="ch" forName="titleText2" refType="h" fact="0.7"/>
+                        <dgm:constr type="w" for="ch" forName="titleText2" refType="w" fact="0.9"/>
+                        <dgm:constr type="h" for="ch" forName="titleText2" refType="h" fact="0.3"/>
+                        <dgm:constr type="primFontSz" for="des" forName="titleText2" refType="primFontSz" refFor="des" refForName="rootText1" op="lte"/>
+                        <dgm:constr type="l" for="ch" forName="rootConnector"/>
+                        <dgm:constr type="t" for="ch" forName="rootConnector"/>
+                        <dgm:constr type="w" for="ch" forName="rootConnector" refType="w" refFor="ch" refForName="rootText" fact="0.2"/>
+                        <dgm:constr type="h" for="ch" forName="rootConnector" refType="h" refFor="ch" refForName="rootText"/>
+                      </dgm:constrLst>
+                    </dgm:if>
+                    <dgm:if name="Name68" func="var" arg="hierBranch" op="equ" val="l">
+                      <dgm:constrLst>
+                        <dgm:constr type="l" for="ch" forName="rootText"/>
+                        <dgm:constr type="t" for="ch" forName="rootText"/>
+                        <dgm:constr type="w" for="ch" forName="rootText" refType="w"/>
+                        <dgm:constr type="h" for="ch" forName="rootText" refType="h" fact="0.9"/>
+                        <dgm:constr type="l" for="ch" forName="titleText2" refType="w" fact="0.2"/>
+                        <dgm:constr type="t" for="ch" forName="titleText2" refType="h" fact="0.7"/>
+                        <dgm:constr type="w" for="ch" forName="titleText2" refType="w" fact="0.9"/>
+                        <dgm:constr type="h" for="ch" forName="titleText2" refType="h" fact="0.3"/>
+                        <dgm:constr type="primFontSz" for="des" forName="titleText2" refType="primFontSz" refFor="des" refForName="rootText1" op="lte"/>
+                        <dgm:constr type="r" for="ch" forName="rootConnector" refType="w"/>
+                        <dgm:constr type="t" for="ch" forName="rootConnector"/>
+                        <dgm:constr type="w" for="ch" forName="rootConnector" refType="w" refFor="ch" refForName="rootText" fact="0.2"/>
+                        <dgm:constr type="h" for="ch" forName="rootConnector" refType="h" refFor="ch" refForName="rootText"/>
+                      </dgm:constrLst>
+                    </dgm:if>
+                    <dgm:if name="Name69" func="var" arg="hierBranch" op="equ" val="r">
+                      <dgm:constrLst>
+                        <dgm:constr type="l" for="ch" forName="rootText"/>
+                        <dgm:constr type="t" for="ch" forName="rootText"/>
+                        <dgm:constr type="w" for="ch" forName="rootText" refType="w"/>
+                        <dgm:constr type="h" for="ch" forName="rootText" refType="h" fact="0.9"/>
+                        <dgm:constr type="l" for="ch" forName="titleText2" refType="w" fact="0.2"/>
+                        <dgm:constr type="t" for="ch" forName="titleText2" refType="h" fact="0.7"/>
+                        <dgm:constr type="w" for="ch" forName="titleText2" refType="w" fact="0.9"/>
+                        <dgm:constr type="h" for="ch" forName="titleText2" refType="h" fact="0.3"/>
+                        <dgm:constr type="primFontSz" for="des" forName="titleText2" refType="primFontSz" refFor="des" refForName="rootText1" op="lte"/>
+                        <dgm:constr type="l" for="ch" forName="rootConnector"/>
+                        <dgm:constr type="t" for="ch" forName="rootConnector"/>
+                        <dgm:constr type="w" for="ch" forName="rootConnector" refType="w" refFor="ch" refForName="rootText" fact="0.2"/>
+                        <dgm:constr type="h" for="ch" forName="rootConnector" refType="h" refFor="ch" refForName="rootText"/>
+                      </dgm:constrLst>
+                    </dgm:if>
+                    <dgm:else name="Name70">
+                      <dgm:constrLst>
+                        <dgm:constr type="l" for="ch" forName="rootText"/>
+                        <dgm:constr type="t" for="ch" forName="rootText"/>
+                        <dgm:constr type="w" for="ch" forName="rootText" refType="w"/>
+                        <dgm:constr type="h" for="ch" forName="rootText" refType="h" fact="0.9"/>
+                        <dgm:constr type="l" for="ch" forName="titleText2" refType="w" fact="0.2"/>
+                        <dgm:constr type="t" for="ch" forName="titleText2" refType="h" fact="0.7"/>
+                        <dgm:constr type="w" for="ch" forName="titleText2" refType="w" fact="0.9"/>
+                        <dgm:constr type="h" for="ch" forName="titleText2" refType="h" fact="0.3"/>
+                        <dgm:constr type="primFontSz" for="des" forName="titleText2" refType="primFontSz" refFor="des" refForName="rootText1" op="lte"/>
+                        <dgm:constr type="r" for="ch" forName="rootConnector" refType="w"/>
+                        <dgm:constr type="t" for="ch" forName="rootConnector"/>
+                        <dgm:constr type="w" for="ch" forName="rootConnector" refType="w" refFor="ch" refForName="rootText" fact="0.2"/>
+                        <dgm:constr type="h" for="ch" forName="rootConnector" refType="h" refFor="ch" refForName="rootText"/>
+                      </dgm:constrLst>
+                    </dgm:else>
+                  </dgm:choose>
+                  <dgm:ruleLst/>
+                  <dgm:layoutNode name="rootText" styleLbl="node1">
+                    <dgm:varLst>
+                      <dgm:chMax/>
+                      <dgm:chPref val="3"/>
+                    </dgm:varLst>
+                    <dgm:alg type="tx"/>
+                    <dgm:shape xmlns:r="http://schemas.openxmlformats.org/officeDocument/2006/relationships" type="rect" r:blip="">
+                      <dgm:adjLst/>
+                    </dgm:shape>
+                    <dgm:presOf axis="self" ptType="node" cnt="1"/>
+                    <dgm:constrLst>
+                      <dgm:constr type="primFontSz" val="65"/>
+                      <dgm:constr type="lMarg" refType="primFontSz" fact="0.05"/>
+                      <dgm:constr type="rMarg" refType="primFontSz" fact="0.05"/>
+                      <dgm:constr type="tMarg" refType="primFontSz" fact="0.05"/>
+                      <dgm:constr type="bMarg" refType="h" fact="0.4"/>
+                    </dgm:constrLst>
+                    <dgm:ruleLst>
+                      <dgm:rule type="primFontSz" val="5" fact="NaN" max="NaN"/>
+                    </dgm:ruleLst>
+                  </dgm:layoutNode>
+                  <dgm:layoutNode name="titleText2" styleLbl="fgAcc1">
+                    <dgm:varLst>
+                      <dgm:chMax val="0"/>
+                      <dgm:chPref val="0"/>
+                    </dgm:varLst>
+                    <dgm:alg type="tx">
+                      <dgm:param type="parTxLTRAlign" val="r"/>
+                    </dgm:alg>
+                    <dgm:shape xmlns:r="http://schemas.openxmlformats.org/officeDocument/2006/relationships" type="rect" r:blip="">
+                      <dgm:adjLst/>
+                    </dgm:shape>
+                    <dgm:presOf axis="followSib" ptType="sibTrans" hideLastTrans="0" cnt="1"/>
+                    <dgm:constrLst>
+                      <dgm:constr type="primFontSz" val="65"/>
+                      <dgm:constr type="lMarg" refType="primFontSz" fact="0.2"/>
+                      <dgm:constr type="rMarg" refType="primFontSz" fact="0.2"/>
+                      <dgm:constr type="tMarg" refType="primFontSz" fact="0.05"/>
+                      <dgm:constr type="bMarg" refType="primFontSz" fact="0.05"/>
+                    </dgm:constrLst>
+                    <dgm:ruleLst>
+                      <dgm:rule type="primFontSz" val="5" fact="NaN" max="NaN"/>
+                    </dgm:ruleLst>
+                  </dgm:layoutNode>
+                  <dgm:layoutNode name="rootConnector" moveWith="rootText">
+                    <dgm:alg type="sp"/>
+                    <dgm:shape xmlns:r="http://schemas.openxmlformats.org/officeDocument/2006/relationships" type="rect" r:blip="" hideGeom="1">
+                      <dgm:adjLst/>
+                    </dgm:shape>
+                    <dgm:presOf axis="self" ptType="node" cnt="1"/>
+                    <dgm:constrLst/>
+                    <dgm:ruleLst/>
+                  </dgm:layoutNode>
+                </dgm:layoutNode>
+                <dgm:layoutNode name="hierChild4">
+                  <dgm:choose name="Name71">
+                    <dgm:if name="Name72" func="var" arg="hierBranch" op="equ" val="l">
+                      <dgm:alg type="hierChild">
+                        <dgm:param type="chAlign" val="r"/>
+                        <dgm:param type="linDir" val="fromT"/>
+                      </dgm:alg>
+                    </dgm:if>
+                    <dgm:if name="Name73" func="var" arg="hierBranch" op="equ" val="r">
+                      <dgm:alg type="hierChild">
+                        <dgm:param type="chAlign" val="l"/>
+                        <dgm:param type="linDir" val="fromT"/>
+                      </dgm:alg>
+                    </dgm:if>
+                    <dgm:if name="Name74" func="var" arg="hierBranch" op="equ" val="hang">
+                      <dgm:choose name="Name75">
+                        <dgm:if name="Name76" func="var" arg="dir" op="equ" val="norm">
+                          <dgm:alg type="hierChild">
+                            <dgm:param type="chAlign" val="l"/>
+                            <dgm:param type="linDir" val="fromL"/>
+                            <dgm:param type="secChAlign" val="t"/>
+                            <dgm:param type="secLinDir" val="fromT"/>
+                          </dgm:alg>
+                        </dgm:if>
+                        <dgm:else name="Name77">
+                          <dgm:alg type="hierChild">
+                            <dgm:param type="chAlign" val="l"/>
+                            <dgm:param type="linDir" val="fromR"/>
+                            <dgm:param type="secChAlign" val="t"/>
+                            <dgm:param type="secLinDir" val="fromT"/>
+                          </dgm:alg>
+                        </dgm:else>
+                      </dgm:choose>
+                    </dgm:if>
+                    <dgm:if name="Name78" func="var" arg="hierBranch" op="equ" val="std">
+                      <dgm:choose name="Name79">
+                        <dgm:if name="Name80" func="var" arg="dir" op="equ" val="norm">
+                          <dgm:alg type="hierChild"/>
+                        </dgm:if>
+                        <dgm:else name="Name81">
+                          <dgm:alg type="hierChild">
+                            <dgm:param type="linDir" val="fromR"/>
+                          </dgm:alg>
+                        </dgm:else>
+                      </dgm:choose>
+                    </dgm:if>
+                    <dgm:if name="Name82" func="var" arg="hierBranch" op="equ" val="init">
+                      <dgm:choose name="Name83">
+                        <dgm:if name="Name84" func="var" arg="dir" op="equ" val="norm">
+                          <dgm:alg type="hierChild"/>
+                        </dgm:if>
+                        <dgm:else name="Name85">
+                          <dgm:alg type="hierChild">
+                            <dgm:param type="linDir" val="fromR"/>
+                          </dgm:alg>
+                        </dgm:else>
+                      </dgm:choose>
+                    </dgm:if>
+                    <dgm:else name="Name86"/>
+                  </dgm:choose>
+                  <dgm:shape xmlns:r="http://schemas.openxmlformats.org/officeDocument/2006/relationships" r:blip="">
+                    <dgm:adjLst/>
+                  </dgm:shape>
+                  <dgm:presOf/>
+                  <dgm:constrLst/>
+                  <dgm:ruleLst/>
+                  <dgm:forEach name="Name87" ref="rep2a"/>
+                </dgm:layoutNode>
+                <dgm:layoutNode name="hierChild5">
+                  <dgm:choose name="Name88">
+                    <dgm:if name="Name89" func="var" arg="dir" op="equ" val="norm">
+                      <dgm:alg type="hierChild">
+                        <dgm:param type="chAlign" val="l"/>
+                        <dgm:param type="linDir" val="fromL"/>
+                        <dgm:param type="secChAlign" val="t"/>
+                        <dgm:param type="secLinDir" val="fromT"/>
+                      </dgm:alg>
+                    </dgm:if>
+                    <dgm:else name="Name90">
+                      <dgm:alg type="hierChild">
+                        <dgm:param type="chAlign" val="l"/>
+                        <dgm:param type="linDir" val="fromR"/>
+                        <dgm:param type="secChAlign" val="t"/>
+                        <dgm:param type="secLinDir" val="fromT"/>
+                      </dgm:alg>
+                    </dgm:else>
+                  </dgm:choose>
+                  <dgm:shape xmlns:r="http://schemas.openxmlformats.org/officeDocument/2006/relationships" r:blip="">
+                    <dgm:adjLst/>
+                  </dgm:shape>
+                  <dgm:presOf/>
+                  <dgm:constrLst/>
+                  <dgm:ruleLst/>
+                  <dgm:forEach name="Name91" ref="rep2b"/>
+                </dgm:layoutNode>
+              </dgm:layoutNode>
+            </dgm:forEach>
+          </dgm:layoutNode>
+          <dgm:layoutNode name="hierChild3">
+            <dgm:choose name="Name92">
+              <dgm:if name="Name93" func="var" arg="dir" op="equ" val="norm">
+                <dgm:alg type="hierChild">
+                  <dgm:param type="chAlign" val="l"/>
+                  <dgm:param type="linDir" val="fromL"/>
+                  <dgm:param type="secChAlign" val="t"/>
+                  <dgm:param type="secLinDir" val="fromT"/>
+                </dgm:alg>
+              </dgm:if>
+              <dgm:else name="Name94">
+                <dgm:alg type="hierChild">
+                  <dgm:param type="chAlign" val="l"/>
+                  <dgm:param type="linDir" val="fromR"/>
+                  <dgm:param type="secChAlign" val="t"/>
+                  <dgm:param type="secLinDir" val="fromT"/>
+                </dgm:alg>
+              </dgm:else>
+            </dgm:choose>
+            <dgm:shape xmlns:r="http://schemas.openxmlformats.org/officeDocument/2006/relationships" r:blip="">
+              <dgm:adjLst/>
+            </dgm:shape>
+            <dgm:presOf/>
+            <dgm:constrLst/>
+            <dgm:ruleLst/>
+            <dgm:forEach name="rep2b" axis="ch" ptType="asst">
+              <dgm:forEach name="Name95" axis="precedSib" ptType="parTrans" st="-1" cnt="1">
+                <dgm:layoutNode name="Name96">
+                  <dgm:alg type="conn">
+                    <dgm:param type="connRout" val="bend"/>
+                    <dgm:param type="dim" val="1D"/>
+                    <dgm:param type="endSty" val="noArr"/>
+                    <dgm:param type="begPts" val="bCtr"/>
+                    <dgm:param type="endPts" val="midL midR"/>
+                  </dgm:alg>
+                  <dgm:shape xmlns:r="http://schemas.openxmlformats.org/officeDocument/2006/relationships" type="conn" r:blip="" zOrderOff="-99999">
+                    <dgm:adjLst/>
+                  </dgm:shape>
+                  <dgm:presOf axis="self"/>
+                  <dgm:constrLst>
+                    <dgm:constr type="begPad"/>
+                    <dgm:constr type="endPad"/>
+                  </dgm:constrLst>
+                  <dgm:ruleLst/>
+                </dgm:layoutNode>
+              </dgm:forEach>
+              <dgm:layoutNode name="hierRoot3">
+                <dgm:varLst>
+                  <dgm:hierBranch val="init"/>
+                </dgm:varLst>
+                <dgm:choose name="Name97">
+                  <dgm:if name="Name98" func="var" arg="hierBranch" op="equ" val="l">
+                    <dgm:alg type="hierRoot">
+                      <dgm:param type="hierAlign" val="tR"/>
+                    </dgm:alg>
+                    <dgm:shape xmlns:r="http://schemas.openxmlformats.org/officeDocument/2006/relationships" r:blip="">
+                      <dgm:adjLst/>
+                    </dgm:shape>
+                    <dgm:presOf/>
+                    <dgm:constrLst>
+                      <dgm:constr type="alignOff" val="0.65"/>
+                    </dgm:constrLst>
+                  </dgm:if>
+                  <dgm:if name="Name99" func="var" arg="hierBranch" op="equ" val="r">
+                    <dgm:alg type="hierRoot">
+                      <dgm:param type="hierAlign" val="tL"/>
+                    </dgm:alg>
+                    <dgm:shape xmlns:r="http://schemas.openxmlformats.org/officeDocument/2006/relationships" r:blip="">
+                      <dgm:adjLst/>
+                    </dgm:shape>
+                    <dgm:presOf/>
+                    <dgm:constrLst>
+                      <dgm:constr type="alignOff" val="0.65"/>
+                    </dgm:constrLst>
+                  </dgm:if>
+                  <dgm:if name="Name100" func="var" arg="hierBranch" op="equ" val="hang">
+                    <dgm:alg type="hierRoot"/>
+                    <dgm:shape xmlns:r="http://schemas.openxmlformats.org/officeDocument/2006/relationships" r:blip="">
+                      <dgm:adjLst/>
+                    </dgm:shape>
+                    <dgm:presOf/>
+                    <dgm:constrLst>
+                      <dgm:constr type="alignOff" val="0.65"/>
+                    </dgm:constrLst>
+                  </dgm:if>
+                  <dgm:if name="Name101" func="var" arg="hierBranch" op="equ" val="std">
+                    <dgm:alg type="hierRoot"/>
+                    <dgm:shape xmlns:r="http://schemas.openxmlformats.org/officeDocument/2006/relationships" r:blip="">
+                      <dgm:adjLst/>
+                    </dgm:shape>
+                    <dgm:presOf/>
+                    <dgm:constrLst>
+                      <dgm:constr type="alignOff"/>
+                      <dgm:constr type="bendDist" for="des" ptType="parTrans" refType="sp" fact="0.5"/>
+                    </dgm:constrLst>
+                  </dgm:if>
+                  <dgm:if name="Name102" func="var" arg="hierBranch" op="equ" val="init">
+                    <dgm:alg type="hierRoot"/>
+                    <dgm:shape xmlns:r="http://schemas.openxmlformats.org/officeDocument/2006/relationships" r:blip="">
+                      <dgm:adjLst/>
+                    </dgm:shape>
+                    <dgm:presOf/>
+                    <dgm:constrLst>
+                      <dgm:constr type="alignOff"/>
+                      <dgm:constr type="bendDist" for="des" ptType="parTrans" refType="sp" fact="0.5"/>
+                    </dgm:constrLst>
+                  </dgm:if>
+                  <dgm:else name="Name103"/>
+                </dgm:choose>
+                <dgm:ruleLst/>
+                <dgm:layoutNode name="rootComposite3">
+                  <dgm:alg type="composite"/>
+                  <dgm:shape xmlns:r="http://schemas.openxmlformats.org/officeDocument/2006/relationships" r:blip="">
+                    <dgm:adjLst/>
+                  </dgm:shape>
+                  <dgm:presOf axis="self" ptType="node" cnt="1"/>
+                  <dgm:choose name="Name104">
+                    <dgm:if name="Name105" func="var" arg="hierBranch" op="equ" val="init">
+                      <dgm:constrLst>
+                        <dgm:constr type="l" for="ch" forName="rootText3"/>
+                        <dgm:constr type="t" for="ch" forName="rootText3"/>
+                        <dgm:constr type="w" for="ch" forName="rootText3" refType="w"/>
+                        <dgm:constr type="h" for="ch" forName="rootText3" refType="h" fact="0.9"/>
+                        <dgm:constr type="l" for="ch" forName="titleText3" refType="w" fact="0.2"/>
+                        <dgm:constr type="t" for="ch" forName="titleText3" refType="h" fact="0.7"/>
+                        <dgm:constr type="w" for="ch" forName="titleText3" refType="w" fact="0.9"/>
+                        <dgm:constr type="h" for="ch" forName="titleText3" refType="h" fact="0.3"/>
+                        <dgm:constr type="primFontSz" for="des" forName="titleText3" refType="primFontSz" refFor="des" refForName="rootText3" op="lte"/>
+                        <dgm:constr type="l" for="ch" forName="rootConnector3"/>
+                        <dgm:constr type="t" for="ch" forName="rootConnector3"/>
+                        <dgm:constr type="w" for="ch" forName="rootConnector3" refType="w" refFor="ch" refForName="rootText3" fact="0.2"/>
+                        <dgm:constr type="h" for="ch" forName="rootConnector3" refType="h" refFor="ch" refForName="rootText3"/>
+                      </dgm:constrLst>
+                    </dgm:if>
+                    <dgm:if name="Name106" func="var" arg="hierBranch" op="equ" val="l">
+                      <dgm:constrLst>
+                        <dgm:constr type="l" for="ch" forName="rootText3"/>
+                        <dgm:constr type="t" for="ch" forName="rootText3"/>
+                        <dgm:constr type="w" for="ch" forName="rootText3" refType="w"/>
+                        <dgm:constr type="h" for="ch" forName="rootText3" refType="h" fact="0.9"/>
+                        <dgm:constr type="l" for="ch" forName="titleText3" refType="w" fact="0.2"/>
+                        <dgm:constr type="t" for="ch" forName="titleText3" refType="h" fact="0.7"/>
+                        <dgm:constr type="w" for="ch" forName="titleText3" refType="w" fact="0.9"/>
+                        <dgm:constr type="h" for="ch" forName="titleText3" refType="h" fact="0.3"/>
+                        <dgm:constr type="primFontSz" for="des" forName="titleText3" refType="primFontSz" refFor="des" refForName="rootText3" op="lte"/>
+                        <dgm:constr type="r" for="ch" forName="rootConnector3" refType="w"/>
+                        <dgm:constr type="t" for="ch" forName="rootConnector3"/>
+                        <dgm:constr type="w" for="ch" forName="rootConnector3" refType="w" refFor="ch" refForName="rootText3" fact="0.2"/>
+                        <dgm:constr type="h" for="ch" forName="rootConnector3" refType="h" refFor="ch" refForName="rootText3"/>
+                      </dgm:constrLst>
+                    </dgm:if>
+                    <dgm:if name="Name107" func="var" arg="hierBranch" op="equ" val="r">
+                      <dgm:constrLst>
+                        <dgm:constr type="l" for="ch" forName="rootText3"/>
+                        <dgm:constr type="t" for="ch" forName="rootText3"/>
+                        <dgm:constr type="w" for="ch" forName="rootText3" refType="w"/>
+                        <dgm:constr type="h" for="ch" forName="rootText3" refType="h" fact="0.9"/>
+                        <dgm:constr type="l" for="ch" forName="titleText3" refType="w" fact="0.2"/>
+                        <dgm:constr type="t" for="ch" forName="titleText3" refType="h" fact="0.7"/>
+                        <dgm:constr type="w" for="ch" forName="titleText3" refType="w" fact="0.9"/>
+                        <dgm:constr type="h" for="ch" forName="titleText3" refType="h" fact="0.3"/>
+                        <dgm:constr type="primFontSz" for="des" forName="titleText3" refType="primFontSz" refFor="des" refForName="rootText3" op="lte"/>
+                        <dgm:constr type="l" for="ch" forName="rootConnector3"/>
+                        <dgm:constr type="t" for="ch" forName="rootConnector3"/>
+                        <dgm:constr type="w" for="ch" forName="rootConnector3" refType="w" refFor="ch" refForName="rootText3" fact="0.2"/>
+                        <dgm:constr type="h" for="ch" forName="rootConnector3" refType="h" refFor="ch" refForName="rootText3"/>
+                      </dgm:constrLst>
+                    </dgm:if>
+                    <dgm:else name="Name108">
+                      <dgm:constrLst>
+                        <dgm:constr type="l" for="ch" forName="rootText3"/>
+                        <dgm:constr type="t" for="ch" forName="rootText3"/>
+                        <dgm:constr type="w" for="ch" forName="rootText3" refType="w"/>
+                        <dgm:constr type="h" for="ch" forName="rootText3" refType="h" fact="0.9"/>
+                        <dgm:constr type="l" for="ch" forName="titleText3" refType="w" fact="0.2"/>
+                        <dgm:constr type="t" for="ch" forName="titleText3" refType="h" fact="0.7"/>
+                        <dgm:constr type="w" for="ch" forName="titleText3" refType="w" fact="0.9"/>
+                        <dgm:constr type="h" for="ch" forName="titleText3" refType="h" fact="0.3"/>
+                        <dgm:constr type="primFontSz" for="des" forName="titleText3" refType="primFontSz" refFor="des" refForName="rootText3" op="lte"/>
+                        <dgm:constr type="r" for="ch" forName="rootConnector3" refType="w"/>
+                        <dgm:constr type="t" for="ch" forName="rootConnector3"/>
+                        <dgm:constr type="w" for="ch" forName="rootConnector3" refType="w" refFor="ch" refForName="rootText3" fact="0.2"/>
+                        <dgm:constr type="h" for="ch" forName="rootConnector3" refType="h" refFor="ch" refForName="rootText3"/>
+                      </dgm:constrLst>
+                    </dgm:else>
+                  </dgm:choose>
+                  <dgm:ruleLst/>
+                  <dgm:layoutNode name="rootText3" styleLbl="asst1">
+                    <dgm:varLst>
+                      <dgm:chPref val="3"/>
+                    </dgm:varLst>
+                    <dgm:alg type="tx"/>
+                    <dgm:shape xmlns:r="http://schemas.openxmlformats.org/officeDocument/2006/relationships" type="rect" r:blip="">
+                      <dgm:adjLst/>
+                    </dgm:shape>
+                    <dgm:presOf axis="self" ptType="node" cnt="1"/>
+                    <dgm:constrLst>
+                      <dgm:constr type="primFontSz" val="65"/>
+                      <dgm:constr type="lMarg" refType="primFontSz" fact="0.05"/>
+                      <dgm:constr type="rMarg" refType="primFontSz" fact="0.05"/>
+                      <dgm:constr type="tMarg" refType="primFontSz" fact="0.05"/>
+                      <dgm:constr type="bMarg" refType="h" fact="0.4"/>
+                    </dgm:constrLst>
+                    <dgm:ruleLst>
+                      <dgm:rule type="primFontSz" val="5" fact="NaN" max="NaN"/>
+                    </dgm:ruleLst>
+                  </dgm:layoutNode>
+                  <dgm:layoutNode name="titleText3" styleLbl="fgAcc2">
+                    <dgm:varLst>
+                      <dgm:chMax val="0"/>
+                      <dgm:chPref val="0"/>
+                    </dgm:varLst>
+                    <dgm:alg type="tx">
+                      <dgm:param type="parTxLTRAlign" val="r"/>
+                    </dgm:alg>
+                    <dgm:shape xmlns:r="http://schemas.openxmlformats.org/officeDocument/2006/relationships" type="rect" r:blip="">
+                      <dgm:adjLst/>
+                    </dgm:shape>
+                    <dgm:presOf axis="followSib" ptType="sibTrans" hideLastTrans="0" cnt="1"/>
+                    <dgm:constrLst>
+                      <dgm:constr type="primFontSz" val="65"/>
+                      <dgm:constr type="lMarg" refType="primFontSz" fact="0.2"/>
+                      <dgm:constr type="rMarg" refType="primFontSz" fact="0.2"/>
+                      <dgm:constr type="tMarg" refType="primFontSz" fact="0.05"/>
+                      <dgm:constr type="bMarg" refType="primFontSz" fact="0.05"/>
+                    </dgm:constrLst>
+                    <dgm:ruleLst>
+                      <dgm:rule type="primFontSz" val="5" fact="NaN" max="NaN"/>
+                    </dgm:ruleLst>
+                  </dgm:layoutNode>
+                  <dgm:layoutNode name="rootConnector3" moveWith="rootText1">
+                    <dgm:alg type="sp"/>
+                    <dgm:shape xmlns:r="http://schemas.openxmlformats.org/officeDocument/2006/relationships" type="rect" r:blip="" hideGeom="1">
+                      <dgm:adjLst/>
+                    </dgm:shape>
+                    <dgm:presOf axis="self" ptType="node" cnt="1"/>
+                    <dgm:constrLst/>
+                    <dgm:ruleLst/>
+                  </dgm:layoutNode>
+                </dgm:layoutNode>
+                <dgm:layoutNode name="hierChild6">
+                  <dgm:choose name="Name109">
+                    <dgm:if name="Name110" func="var" arg="hierBranch" op="equ" val="l">
+                      <dgm:alg type="hierChild">
+                        <dgm:param type="chAlign" val="r"/>
+                        <dgm:param type="linDir" val="fromT"/>
+                      </dgm:alg>
+                    </dgm:if>
+                    <dgm:if name="Name111" func="var" arg="hierBranch" op="equ" val="r">
+                      <dgm:alg type="hierChild">
+                        <dgm:param type="chAlign" val="l"/>
+                        <dgm:param type="linDir" val="fromT"/>
+                      </dgm:alg>
+                    </dgm:if>
+                    <dgm:if name="Name112" func="var" arg="hierBranch" op="equ" val="hang">
+                      <dgm:choose name="Name113">
+                        <dgm:if name="Name114" func="var" arg="dir" op="equ" val="norm">
+                          <dgm:alg type="hierChild">
+                            <dgm:param type="chAlign" val="l"/>
+                            <dgm:param type="linDir" val="fromL"/>
+                            <dgm:param type="secChAlign" val="t"/>
+                            <dgm:param type="secLinDir" val="fromT"/>
+                          </dgm:alg>
+                        </dgm:if>
+                        <dgm:else name="Name115">
+                          <dgm:alg type="hierChild">
+                            <dgm:param type="chAlign" val="l"/>
+                            <dgm:param type="linDir" val="fromR"/>
+                            <dgm:param type="secChAlign" val="t"/>
+                            <dgm:param type="secLinDir" val="fromT"/>
+                          </dgm:alg>
+                        </dgm:else>
+                      </dgm:choose>
+                    </dgm:if>
+                    <dgm:if name="Name116" func="var" arg="hierBranch" op="equ" val="std">
+                      <dgm:choose name="Name117">
+                        <dgm:if name="Name118" func="var" arg="dir" op="equ" val="norm">
+                          <dgm:alg type="hierChild"/>
+                        </dgm:if>
+                        <dgm:else name="Name119">
+                          <dgm:alg type="hierChild">
+                            <dgm:param type="linDir" val="fromR"/>
+                          </dgm:alg>
+                        </dgm:else>
+                      </dgm:choose>
+                    </dgm:if>
+                    <dgm:if name="Name120" func="var" arg="hierBranch" op="equ" val="init">
+                      <dgm:alg type="hierChild"/>
+                    </dgm:if>
+                    <dgm:else name="Name121"/>
+                  </dgm:choose>
+                  <dgm:shape xmlns:r="http://schemas.openxmlformats.org/officeDocument/2006/relationships" r:blip="">
+                    <dgm:adjLst/>
+                  </dgm:shape>
+                  <dgm:presOf/>
+                  <dgm:constrLst/>
+                  <dgm:ruleLst/>
+                  <dgm:forEach name="Name122" ref="rep2a"/>
+                </dgm:layoutNode>
+                <dgm:layoutNode name="hierChild7">
+                  <dgm:choose name="Name123">
+                    <dgm:if name="Name124" func="var" arg="dir" op="equ" val="norm">
+                      <dgm:alg type="hierChild">
+                        <dgm:param type="chAlign" val="l"/>
+                        <dgm:param type="linDir" val="fromL"/>
+                        <dgm:param type="secChAlign" val="t"/>
+                        <dgm:param type="secLinDir" val="fromT"/>
+                      </dgm:alg>
+                    </dgm:if>
+                    <dgm:else name="Name125">
+                      <dgm:alg type="hierChild">
+                        <dgm:param type="chAlign" val="l"/>
+                        <dgm:param type="linDir" val="fromR"/>
+                        <dgm:param type="secChAlign" val="t"/>
+                        <dgm:param type="secLinDir" val="fromT"/>
+                      </dgm:alg>
+                    </dgm:else>
+                  </dgm:choose>
+                  <dgm:shape xmlns:r="http://schemas.openxmlformats.org/officeDocument/2006/relationships" r:blip="">
+                    <dgm:adjLst/>
+                  </dgm:shape>
+                  <dgm:presOf/>
+                  <dgm:constrLst/>
+                  <dgm:ruleLst/>
+                  <dgm:forEach name="Name126" ref="rep2b"/>
+                </dgm:layoutNode>
+              </dgm:layoutNode>
+            </dgm:forEach>
+          </dgm:layoutNode>
+        </dgm:layoutNode>
+      </dgm:forEach>
+    </dgm:forEach>
+  </dgm:layoutNode>
+</dgm:layoutDef>
+</file>
+
+<file path=ppt/diagrams/layout2.xml><?xml version="1.0" encoding="utf-8"?>
 <dgm:layoutDef xmlns:dgm="http://schemas.openxmlformats.org/drawingml/2006/diagram" xmlns:a="http://schemas.openxmlformats.org/drawingml/2006/main" uniqueId="urn:microsoft.com/office/officeart/2005/8/layout/orgChart1">
   <dgm:title val=""/>
   <dgm:desc val=""/>
@@ -3945,6 +8155,1040 @@
 </file>
 
 <file path=ppt/diagrams/quickStyle1.xml><?xml version="1.0" encoding="utf-8"?>
+<dgm:styleDef xmlns:dgm="http://schemas.openxmlformats.org/drawingml/2006/diagram" xmlns:a="http://schemas.openxmlformats.org/drawingml/2006/main" uniqueId="urn:microsoft.com/office/officeart/2005/8/quickstyle/simple1">
+  <dgm:title val=""/>
+  <dgm:desc val=""/>
+  <dgm:catLst>
+    <dgm:cat type="simple" pri="10100"/>
+  </dgm:catLst>
+  <dgm:scene3d>
+    <a:camera prst="orthographicFront"/>
+    <a:lightRig rig="threePt" dir="t"/>
+  </dgm:scene3d>
+  <dgm:styleLbl name="node0">
+    <dgm:scene3d>
+      <a:camera prst="orthographicFront"/>
+      <a:lightRig rig="threePt" dir="t"/>
+    </dgm:scene3d>
+    <dgm:sp3d/>
+    <dgm:txPr/>
+    <dgm:style>
+      <a:lnRef idx="2">
+        <a:scrgbClr r="0" g="0" b="0"/>
+      </a:lnRef>
+      <a:fillRef idx="1">
+        <a:scrgbClr r="0" g="0" b="0"/>
+      </a:fillRef>
+      <a:effectRef idx="0">
+        <a:scrgbClr r="0" g="0" b="0"/>
+      </a:effectRef>
+      <a:fontRef idx="minor">
+        <a:schemeClr val="lt1"/>
+      </a:fontRef>
+    </dgm:style>
+  </dgm:styleLbl>
+  <dgm:styleLbl name="lnNode1">
+    <dgm:scene3d>
+      <a:camera prst="orthographicFront"/>
+      <a:lightRig rig="threePt" dir="t"/>
+    </dgm:scene3d>
+    <dgm:sp3d/>
+    <dgm:txPr/>
+    <dgm:style>
+      <a:lnRef idx="2">
+        <a:scrgbClr r="0" g="0" b="0"/>
+      </a:lnRef>
+      <a:fillRef idx="1">
+        <a:scrgbClr r="0" g="0" b="0"/>
+      </a:fillRef>
+      <a:effectRef idx="0">
+        <a:scrgbClr r="0" g="0" b="0"/>
+      </a:effectRef>
+      <a:fontRef idx="minor">
+        <a:schemeClr val="lt1"/>
+      </a:fontRef>
+    </dgm:style>
+  </dgm:styleLbl>
+  <dgm:styleLbl name="vennNode1">
+    <dgm:scene3d>
+      <a:camera prst="orthographicFront"/>
+      <a:lightRig rig="threePt" dir="t"/>
+    </dgm:scene3d>
+    <dgm:sp3d/>
+    <dgm:txPr/>
+    <dgm:style>
+      <a:lnRef idx="2">
+        <a:scrgbClr r="0" g="0" b="0"/>
+      </a:lnRef>
+      <a:fillRef idx="1">
+        <a:scrgbClr r="0" g="0" b="0"/>
+      </a:fillRef>
+      <a:effectRef idx="0">
+        <a:scrgbClr r="0" g="0" b="0"/>
+      </a:effectRef>
+      <a:fontRef idx="minor">
+        <a:schemeClr val="tx1"/>
+      </a:fontRef>
+    </dgm:style>
+  </dgm:styleLbl>
+  <dgm:styleLbl name="alignNode1">
+    <dgm:scene3d>
+      <a:camera prst="orthographicFront"/>
+      <a:lightRig rig="threePt" dir="t"/>
+    </dgm:scene3d>
+    <dgm:sp3d/>
+    <dgm:txPr/>
+    <dgm:style>
+      <a:lnRef idx="2">
+        <a:scrgbClr r="0" g="0" b="0"/>
+      </a:lnRef>
+      <a:fillRef idx="1">
+        <a:scrgbClr r="0" g="0" b="0"/>
+      </a:fillRef>
+      <a:effectRef idx="0">
+        <a:scrgbClr r="0" g="0" b="0"/>
+      </a:effectRef>
+      <a:fontRef idx="minor">
+        <a:schemeClr val="lt1"/>
+      </a:fontRef>
+    </dgm:style>
+  </dgm:styleLbl>
+  <dgm:styleLbl name="node1">
+    <dgm:scene3d>
+      <a:camera prst="orthographicFront"/>
+      <a:lightRig rig="threePt" dir="t"/>
+    </dgm:scene3d>
+    <dgm:sp3d/>
+    <dgm:txPr/>
+    <dgm:style>
+      <a:lnRef idx="2">
+        <a:scrgbClr r="0" g="0" b="0"/>
+      </a:lnRef>
+      <a:fillRef idx="1">
+        <a:scrgbClr r="0" g="0" b="0"/>
+      </a:fillRef>
+      <a:effectRef idx="0">
+        <a:scrgbClr r="0" g="0" b="0"/>
+      </a:effectRef>
+      <a:fontRef idx="minor">
+        <a:schemeClr val="lt1"/>
+      </a:fontRef>
+    </dgm:style>
+  </dgm:styleLbl>
+  <dgm:styleLbl name="node2">
+    <dgm:scene3d>
+      <a:camera prst="orthographicFront"/>
+      <a:lightRig rig="threePt" dir="t"/>
+    </dgm:scene3d>
+    <dgm:sp3d/>
+    <dgm:txPr/>
+    <dgm:style>
+      <a:lnRef idx="2">
+        <a:scrgbClr r="0" g="0" b="0"/>
+      </a:lnRef>
+      <a:fillRef idx="1">
+        <a:scrgbClr r="0" g="0" b="0"/>
+      </a:fillRef>
+      <a:effectRef idx="0">
+        <a:scrgbClr r="0" g="0" b="0"/>
+      </a:effectRef>
+      <a:fontRef idx="minor">
+        <a:schemeClr val="lt1"/>
+      </a:fontRef>
+    </dgm:style>
+  </dgm:styleLbl>
+  <dgm:styleLbl name="node3">
+    <dgm:scene3d>
+      <a:camera prst="orthographicFront"/>
+      <a:lightRig rig="threePt" dir="t"/>
+    </dgm:scene3d>
+    <dgm:sp3d/>
+    <dgm:txPr/>
+    <dgm:style>
+      <a:lnRef idx="2">
+        <a:scrgbClr r="0" g="0" b="0"/>
+      </a:lnRef>
+      <a:fillRef idx="1">
+        <a:scrgbClr r="0" g="0" b="0"/>
+      </a:fillRef>
+      <a:effectRef idx="0">
+        <a:scrgbClr r="0" g="0" b="0"/>
+      </a:effectRef>
+      <a:fontRef idx="minor">
+        <a:schemeClr val="lt1"/>
+      </a:fontRef>
+    </dgm:style>
+  </dgm:styleLbl>
+  <dgm:styleLbl name="node4">
+    <dgm:scene3d>
+      <a:camera prst="orthographicFront"/>
+      <a:lightRig rig="threePt" dir="t"/>
+    </dgm:scene3d>
+    <dgm:sp3d/>
+    <dgm:txPr/>
+    <dgm:style>
+      <a:lnRef idx="2">
+        <a:scrgbClr r="0" g="0" b="0"/>
+      </a:lnRef>
+      <a:fillRef idx="1">
+        <a:scrgbClr r="0" g="0" b="0"/>
+      </a:fillRef>
+      <a:effectRef idx="0">
+        <a:scrgbClr r="0" g="0" b="0"/>
+      </a:effectRef>
+      <a:fontRef idx="minor">
+        <a:schemeClr val="lt1"/>
+      </a:fontRef>
+    </dgm:style>
+  </dgm:styleLbl>
+  <dgm:styleLbl name="fgImgPlace1">
+    <dgm:scene3d>
+      <a:camera prst="orthographicFront"/>
+      <a:lightRig rig="threePt" dir="t"/>
+    </dgm:scene3d>
+    <dgm:sp3d/>
+    <dgm:txPr/>
+    <dgm:style>
+      <a:lnRef idx="2">
+        <a:scrgbClr r="0" g="0" b="0"/>
+      </a:lnRef>
+      <a:fillRef idx="1">
+        <a:scrgbClr r="0" g="0" b="0"/>
+      </a:fillRef>
+      <a:effectRef idx="0">
+        <a:scrgbClr r="0" g="0" b="0"/>
+      </a:effectRef>
+      <a:fontRef idx="minor"/>
+    </dgm:style>
+  </dgm:styleLbl>
+  <dgm:styleLbl name="alignImgPlace1">
+    <dgm:scene3d>
+      <a:camera prst="orthographicFront"/>
+      <a:lightRig rig="threePt" dir="t"/>
+    </dgm:scene3d>
+    <dgm:sp3d/>
+    <dgm:txPr/>
+    <dgm:style>
+      <a:lnRef idx="2">
+        <a:scrgbClr r="0" g="0" b="0"/>
+      </a:lnRef>
+      <a:fillRef idx="1">
+        <a:scrgbClr r="0" g="0" b="0"/>
+      </a:fillRef>
+      <a:effectRef idx="0">
+        <a:scrgbClr r="0" g="0" b="0"/>
+      </a:effectRef>
+      <a:fontRef idx="minor"/>
+    </dgm:style>
+  </dgm:styleLbl>
+  <dgm:styleLbl name="bgImgPlace1">
+    <dgm:scene3d>
+      <a:camera prst="orthographicFront"/>
+      <a:lightRig rig="threePt" dir="t"/>
+    </dgm:scene3d>
+    <dgm:sp3d/>
+    <dgm:txPr/>
+    <dgm:style>
+      <a:lnRef idx="2">
+        <a:scrgbClr r="0" g="0" b="0"/>
+      </a:lnRef>
+      <a:fillRef idx="1">
+        <a:scrgbClr r="0" g="0" b="0"/>
+      </a:fillRef>
+      <a:effectRef idx="0">
+        <a:scrgbClr r="0" g="0" b="0"/>
+      </a:effectRef>
+      <a:fontRef idx="minor"/>
+    </dgm:style>
+  </dgm:styleLbl>
+  <dgm:styleLbl name="sibTrans2D1">
+    <dgm:scene3d>
+      <a:camera prst="orthographicFront"/>
+      <a:lightRig rig="threePt" dir="t"/>
+    </dgm:scene3d>
+    <dgm:sp3d/>
+    <dgm:txPr/>
+    <dgm:style>
+      <a:lnRef idx="0">
+        <a:scrgbClr r="0" g="0" b="0"/>
+      </a:lnRef>
+      <a:fillRef idx="1">
+        <a:scrgbClr r="0" g="0" b="0"/>
+      </a:fillRef>
+      <a:effectRef idx="0">
+        <a:scrgbClr r="0" g="0" b="0"/>
+      </a:effectRef>
+      <a:fontRef idx="minor">
+        <a:schemeClr val="lt1"/>
+      </a:fontRef>
+    </dgm:style>
+  </dgm:styleLbl>
+  <dgm:styleLbl name="fgSibTrans2D1">
+    <dgm:scene3d>
+      <a:camera prst="orthographicFront"/>
+      <a:lightRig rig="threePt" dir="t"/>
+    </dgm:scene3d>
+    <dgm:sp3d/>
+    <dgm:txPr/>
+    <dgm:style>
+      <a:lnRef idx="0">
+        <a:scrgbClr r="0" g="0" b="0"/>
+      </a:lnRef>
+      <a:fillRef idx="1">
+        <a:scrgbClr r="0" g="0" b="0"/>
+      </a:fillRef>
+      <a:effectRef idx="0">
+        <a:scrgbClr r="0" g="0" b="0"/>
+      </a:effectRef>
+      <a:fontRef idx="minor">
+        <a:schemeClr val="lt1"/>
+      </a:fontRef>
+    </dgm:style>
+  </dgm:styleLbl>
+  <dgm:styleLbl name="bgSibTrans2D1">
+    <dgm:scene3d>
+      <a:camera prst="orthographicFront"/>
+      <a:lightRig rig="threePt" dir="t"/>
+    </dgm:scene3d>
+    <dgm:sp3d/>
+    <dgm:txPr/>
+    <dgm:style>
+      <a:lnRef idx="0">
+        <a:scrgbClr r="0" g="0" b="0"/>
+      </a:lnRef>
+      <a:fillRef idx="1">
+        <a:scrgbClr r="0" g="0" b="0"/>
+      </a:fillRef>
+      <a:effectRef idx="0">
+        <a:scrgbClr r="0" g="0" b="0"/>
+      </a:effectRef>
+      <a:fontRef idx="minor">
+        <a:schemeClr val="lt1"/>
+      </a:fontRef>
+    </dgm:style>
+  </dgm:styleLbl>
+  <dgm:styleLbl name="sibTrans1D1">
+    <dgm:scene3d>
+      <a:camera prst="orthographicFront"/>
+      <a:lightRig rig="threePt" dir="t"/>
+    </dgm:scene3d>
+    <dgm:sp3d/>
+    <dgm:txPr/>
+    <dgm:style>
+      <a:lnRef idx="1">
+        <a:scrgbClr r="0" g="0" b="0"/>
+      </a:lnRef>
+      <a:fillRef idx="0">
+        <a:scrgbClr r="0" g="0" b="0"/>
+      </a:fillRef>
+      <a:effectRef idx="0">
+        <a:scrgbClr r="0" g="0" b="0"/>
+      </a:effectRef>
+      <a:fontRef idx="minor"/>
+    </dgm:style>
+  </dgm:styleLbl>
+  <dgm:styleLbl name="callout">
+    <dgm:scene3d>
+      <a:camera prst="orthographicFront"/>
+      <a:lightRig rig="threePt" dir="t"/>
+    </dgm:scene3d>
+    <dgm:sp3d/>
+    <dgm:txPr/>
+    <dgm:style>
+      <a:lnRef idx="2">
+        <a:scrgbClr r="0" g="0" b="0"/>
+      </a:lnRef>
+      <a:fillRef idx="1">
+        <a:scrgbClr r="0" g="0" b="0"/>
+      </a:fillRef>
+      <a:effectRef idx="0">
+        <a:scrgbClr r="0" g="0" b="0"/>
+      </a:effectRef>
+      <a:fontRef idx="minor"/>
+    </dgm:style>
+  </dgm:styleLbl>
+  <dgm:styleLbl name="asst0">
+    <dgm:scene3d>
+      <a:camera prst="orthographicFront"/>
+      <a:lightRig rig="threePt" dir="t"/>
+    </dgm:scene3d>
+    <dgm:sp3d/>
+    <dgm:txPr/>
+    <dgm:style>
+      <a:lnRef idx="2">
+        <a:scrgbClr r="0" g="0" b="0"/>
+      </a:lnRef>
+      <a:fillRef idx="1">
+        <a:scrgbClr r="0" g="0" b="0"/>
+      </a:fillRef>
+      <a:effectRef idx="0">
+        <a:scrgbClr r="0" g="0" b="0"/>
+      </a:effectRef>
+      <a:fontRef idx="minor">
+        <a:schemeClr val="lt1"/>
+      </a:fontRef>
+    </dgm:style>
+  </dgm:styleLbl>
+  <dgm:styleLbl name="asst1">
+    <dgm:scene3d>
+      <a:camera prst="orthographicFront"/>
+      <a:lightRig rig="threePt" dir="t"/>
+    </dgm:scene3d>
+    <dgm:sp3d/>
+    <dgm:txPr/>
+    <dgm:style>
+      <a:lnRef idx="2">
+        <a:scrgbClr r="0" g="0" b="0"/>
+      </a:lnRef>
+      <a:fillRef idx="1">
+        <a:scrgbClr r="0" g="0" b="0"/>
+      </a:fillRef>
+      <a:effectRef idx="0">
+        <a:scrgbClr r="0" g="0" b="0"/>
+      </a:effectRef>
+      <a:fontRef idx="minor">
+        <a:schemeClr val="lt1"/>
+      </a:fontRef>
+    </dgm:style>
+  </dgm:styleLbl>
+  <dgm:styleLbl name="asst2">
+    <dgm:scene3d>
+      <a:camera prst="orthographicFront"/>
+      <a:lightRig rig="threePt" dir="t"/>
+    </dgm:scene3d>
+    <dgm:sp3d/>
+    <dgm:txPr/>
+    <dgm:style>
+      <a:lnRef idx="2">
+        <a:scrgbClr r="0" g="0" b="0"/>
+      </a:lnRef>
+      <a:fillRef idx="1">
+        <a:scrgbClr r="0" g="0" b="0"/>
+      </a:fillRef>
+      <a:effectRef idx="0">
+        <a:scrgbClr r="0" g="0" b="0"/>
+      </a:effectRef>
+      <a:fontRef idx="minor">
+        <a:schemeClr val="lt1"/>
+      </a:fontRef>
+    </dgm:style>
+  </dgm:styleLbl>
+  <dgm:styleLbl name="asst3">
+    <dgm:scene3d>
+      <a:camera prst="orthographicFront"/>
+      <a:lightRig rig="threePt" dir="t"/>
+    </dgm:scene3d>
+    <dgm:sp3d/>
+    <dgm:txPr/>
+    <dgm:style>
+      <a:lnRef idx="2">
+        <a:scrgbClr r="0" g="0" b="0"/>
+      </a:lnRef>
+      <a:fillRef idx="1">
+        <a:scrgbClr r="0" g="0" b="0"/>
+      </a:fillRef>
+      <a:effectRef idx="0">
+        <a:scrgbClr r="0" g="0" b="0"/>
+      </a:effectRef>
+      <a:fontRef idx="minor">
+        <a:schemeClr val="lt1"/>
+      </a:fontRef>
+    </dgm:style>
+  </dgm:styleLbl>
+  <dgm:styleLbl name="asst4">
+    <dgm:scene3d>
+      <a:camera prst="orthographicFront"/>
+      <a:lightRig rig="threePt" dir="t"/>
+    </dgm:scene3d>
+    <dgm:sp3d/>
+    <dgm:txPr/>
+    <dgm:style>
+      <a:lnRef idx="2">
+        <a:scrgbClr r="0" g="0" b="0"/>
+      </a:lnRef>
+      <a:fillRef idx="1">
+        <a:scrgbClr r="0" g="0" b="0"/>
+      </a:fillRef>
+      <a:effectRef idx="0">
+        <a:scrgbClr r="0" g="0" b="0"/>
+      </a:effectRef>
+      <a:fontRef idx="minor">
+        <a:schemeClr val="lt1"/>
+      </a:fontRef>
+    </dgm:style>
+  </dgm:styleLbl>
+  <dgm:styleLbl name="parChTrans2D1">
+    <dgm:scene3d>
+      <a:camera prst="orthographicFront"/>
+      <a:lightRig rig="threePt" dir="t"/>
+    </dgm:scene3d>
+    <dgm:sp3d/>
+    <dgm:txPr/>
+    <dgm:style>
+      <a:lnRef idx="2">
+        <a:scrgbClr r="0" g="0" b="0"/>
+      </a:lnRef>
+      <a:fillRef idx="1">
+        <a:scrgbClr r="0" g="0" b="0"/>
+      </a:fillRef>
+      <a:effectRef idx="0">
+        <a:scrgbClr r="0" g="0" b="0"/>
+      </a:effectRef>
+      <a:fontRef idx="minor">
+        <a:schemeClr val="lt1"/>
+      </a:fontRef>
+    </dgm:style>
+  </dgm:styleLbl>
+  <dgm:styleLbl name="parChTrans2D2">
+    <dgm:scene3d>
+      <a:camera prst="orthographicFront"/>
+      <a:lightRig rig="threePt" dir="t"/>
+    </dgm:scene3d>
+    <dgm:sp3d/>
+    <dgm:txPr/>
+    <dgm:style>
+      <a:lnRef idx="2">
+        <a:scrgbClr r="0" g="0" b="0"/>
+      </a:lnRef>
+      <a:fillRef idx="1">
+        <a:scrgbClr r="0" g="0" b="0"/>
+      </a:fillRef>
+      <a:effectRef idx="0">
+        <a:scrgbClr r="0" g="0" b="0"/>
+      </a:effectRef>
+      <a:fontRef idx="minor">
+        <a:schemeClr val="lt1"/>
+      </a:fontRef>
+    </dgm:style>
+  </dgm:styleLbl>
+  <dgm:styleLbl name="parChTrans2D3">
+    <dgm:scene3d>
+      <a:camera prst="orthographicFront"/>
+      <a:lightRig rig="threePt" dir="t"/>
+    </dgm:scene3d>
+    <dgm:sp3d/>
+    <dgm:txPr/>
+    <dgm:style>
+      <a:lnRef idx="2">
+        <a:scrgbClr r="0" g="0" b="0"/>
+      </a:lnRef>
+      <a:fillRef idx="1">
+        <a:scrgbClr r="0" g="0" b="0"/>
+      </a:fillRef>
+      <a:effectRef idx="0">
+        <a:scrgbClr r="0" g="0" b="0"/>
+      </a:effectRef>
+      <a:fontRef idx="minor">
+        <a:schemeClr val="lt1"/>
+      </a:fontRef>
+    </dgm:style>
+  </dgm:styleLbl>
+  <dgm:styleLbl name="parChTrans2D4">
+    <dgm:scene3d>
+      <a:camera prst="orthographicFront"/>
+      <a:lightRig rig="threePt" dir="t"/>
+    </dgm:scene3d>
+    <dgm:sp3d/>
+    <dgm:txPr/>
+    <dgm:style>
+      <a:lnRef idx="2">
+        <a:scrgbClr r="0" g="0" b="0"/>
+      </a:lnRef>
+      <a:fillRef idx="1">
+        <a:scrgbClr r="0" g="0" b="0"/>
+      </a:fillRef>
+      <a:effectRef idx="0">
+        <a:scrgbClr r="0" g="0" b="0"/>
+      </a:effectRef>
+      <a:fontRef idx="minor">
+        <a:schemeClr val="lt1"/>
+      </a:fontRef>
+    </dgm:style>
+  </dgm:styleLbl>
+  <dgm:styleLbl name="parChTrans1D1">
+    <dgm:scene3d>
+      <a:camera prst="orthographicFront"/>
+      <a:lightRig rig="threePt" dir="t"/>
+    </dgm:scene3d>
+    <dgm:sp3d/>
+    <dgm:txPr/>
+    <dgm:style>
+      <a:lnRef idx="2">
+        <a:scrgbClr r="0" g="0" b="0"/>
+      </a:lnRef>
+      <a:fillRef idx="0">
+        <a:scrgbClr r="0" g="0" b="0"/>
+      </a:fillRef>
+      <a:effectRef idx="0">
+        <a:scrgbClr r="0" g="0" b="0"/>
+      </a:effectRef>
+      <a:fontRef idx="minor"/>
+    </dgm:style>
+  </dgm:styleLbl>
+  <dgm:styleLbl name="parChTrans1D2">
+    <dgm:scene3d>
+      <a:camera prst="orthographicFront"/>
+      <a:lightRig rig="threePt" dir="t"/>
+    </dgm:scene3d>
+    <dgm:sp3d/>
+    <dgm:txPr/>
+    <dgm:style>
+      <a:lnRef idx="2">
+        <a:scrgbClr r="0" g="0" b="0"/>
+      </a:lnRef>
+      <a:fillRef idx="0">
+        <a:scrgbClr r="0" g="0" b="0"/>
+      </a:fillRef>
+      <a:effectRef idx="0">
+        <a:scrgbClr r="0" g="0" b="0"/>
+      </a:effectRef>
+      <a:fontRef idx="minor"/>
+    </dgm:style>
+  </dgm:styleLbl>
+  <dgm:styleLbl name="parChTrans1D3">
+    <dgm:scene3d>
+      <a:camera prst="orthographicFront"/>
+      <a:lightRig rig="threePt" dir="t"/>
+    </dgm:scene3d>
+    <dgm:sp3d/>
+    <dgm:txPr/>
+    <dgm:style>
+      <a:lnRef idx="2">
+        <a:scrgbClr r="0" g="0" b="0"/>
+      </a:lnRef>
+      <a:fillRef idx="0">
+        <a:scrgbClr r="0" g="0" b="0"/>
+      </a:fillRef>
+      <a:effectRef idx="0">
+        <a:scrgbClr r="0" g="0" b="0"/>
+      </a:effectRef>
+      <a:fontRef idx="minor"/>
+    </dgm:style>
+  </dgm:styleLbl>
+  <dgm:styleLbl name="parChTrans1D4">
+    <dgm:scene3d>
+      <a:camera prst="orthographicFront"/>
+      <a:lightRig rig="threePt" dir="t"/>
+    </dgm:scene3d>
+    <dgm:sp3d/>
+    <dgm:txPr/>
+    <dgm:style>
+      <a:lnRef idx="2">
+        <a:scrgbClr r="0" g="0" b="0"/>
+      </a:lnRef>
+      <a:fillRef idx="0">
+        <a:scrgbClr r="0" g="0" b="0"/>
+      </a:fillRef>
+      <a:effectRef idx="0">
+        <a:scrgbClr r="0" g="0" b="0"/>
+      </a:effectRef>
+      <a:fontRef idx="minor"/>
+    </dgm:style>
+  </dgm:styleLbl>
+  <dgm:styleLbl name="fgAcc1">
+    <dgm:scene3d>
+      <a:camera prst="orthographicFront"/>
+      <a:lightRig rig="threePt" dir="t"/>
+    </dgm:scene3d>
+    <dgm:sp3d/>
+    <dgm:txPr/>
+    <dgm:style>
+      <a:lnRef idx="2">
+        <a:scrgbClr r="0" g="0" b="0"/>
+      </a:lnRef>
+      <a:fillRef idx="1">
+        <a:scrgbClr r="0" g="0" b="0"/>
+      </a:fillRef>
+      <a:effectRef idx="0">
+        <a:scrgbClr r="0" g="0" b="0"/>
+      </a:effectRef>
+      <a:fontRef idx="minor"/>
+    </dgm:style>
+  </dgm:styleLbl>
+  <dgm:styleLbl name="conFgAcc1">
+    <dgm:scene3d>
+      <a:camera prst="orthographicFront"/>
+      <a:lightRig rig="threePt" dir="t"/>
+    </dgm:scene3d>
+    <dgm:sp3d/>
+    <dgm:txPr/>
+    <dgm:style>
+      <a:lnRef idx="2">
+        <a:scrgbClr r="0" g="0" b="0"/>
+      </a:lnRef>
+      <a:fillRef idx="1">
+        <a:scrgbClr r="0" g="0" b="0"/>
+      </a:fillRef>
+      <a:effectRef idx="0">
+        <a:scrgbClr r="0" g="0" b="0"/>
+      </a:effectRef>
+      <a:fontRef idx="minor"/>
+    </dgm:style>
+  </dgm:styleLbl>
+  <dgm:styleLbl name="alignAcc1">
+    <dgm:scene3d>
+      <a:camera prst="orthographicFront"/>
+      <a:lightRig rig="threePt" dir="t"/>
+    </dgm:scene3d>
+    <dgm:sp3d/>
+    <dgm:txPr/>
+    <dgm:style>
+      <a:lnRef idx="2">
+        <a:scrgbClr r="0" g="0" b="0"/>
+      </a:lnRef>
+      <a:fillRef idx="1">
+        <a:scrgbClr r="0" g="0" b="0"/>
+      </a:fillRef>
+      <a:effectRef idx="0">
+        <a:scrgbClr r="0" g="0" b="0"/>
+      </a:effectRef>
+      <a:fontRef idx="minor"/>
+    </dgm:style>
+  </dgm:styleLbl>
+  <dgm:styleLbl name="trAlignAcc1">
+    <dgm:scene3d>
+      <a:camera prst="orthographicFront"/>
+      <a:lightRig rig="threePt" dir="t"/>
+    </dgm:scene3d>
+    <dgm:sp3d/>
+    <dgm:txPr/>
+    <dgm:style>
+      <a:lnRef idx="1">
+        <a:scrgbClr r="0" g="0" b="0"/>
+      </a:lnRef>
+      <a:fillRef idx="1">
+        <a:scrgbClr r="0" g="0" b="0"/>
+      </a:fillRef>
+      <a:effectRef idx="0">
+        <a:scrgbClr r="0" g="0" b="0"/>
+      </a:effectRef>
+      <a:fontRef idx="minor"/>
+    </dgm:style>
+  </dgm:styleLbl>
+  <dgm:styleLbl name="bgAcc1">
+    <dgm:scene3d>
+      <a:camera prst="orthographicFront"/>
+      <a:lightRig rig="threePt" dir="t"/>
+    </dgm:scene3d>
+    <dgm:sp3d/>
+    <dgm:txPr/>
+    <dgm:style>
+      <a:lnRef idx="2">
+        <a:scrgbClr r="0" g="0" b="0"/>
+      </a:lnRef>
+      <a:fillRef idx="1">
+        <a:scrgbClr r="0" g="0" b="0"/>
+      </a:fillRef>
+      <a:effectRef idx="0">
+        <a:scrgbClr r="0" g="0" b="0"/>
+      </a:effectRef>
+      <a:fontRef idx="minor"/>
+    </dgm:style>
+  </dgm:styleLbl>
+  <dgm:styleLbl name="solidFgAcc1">
+    <dgm:scene3d>
+      <a:camera prst="orthographicFront"/>
+      <a:lightRig rig="threePt" dir="t"/>
+    </dgm:scene3d>
+    <dgm:sp3d/>
+    <dgm:txPr/>
+    <dgm:style>
+      <a:lnRef idx="2">
+        <a:scrgbClr r="0" g="0" b="0"/>
+      </a:lnRef>
+      <a:fillRef idx="1">
+        <a:scrgbClr r="0" g="0" b="0"/>
+      </a:fillRef>
+      <a:effectRef idx="0">
+        <a:scrgbClr r="0" g="0" b="0"/>
+      </a:effectRef>
+      <a:fontRef idx="minor"/>
+    </dgm:style>
+  </dgm:styleLbl>
+  <dgm:styleLbl name="solidAlignAcc1">
+    <dgm:scene3d>
+      <a:camera prst="orthographicFront"/>
+      <a:lightRig rig="threePt" dir="t"/>
+    </dgm:scene3d>
+    <dgm:sp3d/>
+    <dgm:txPr/>
+    <dgm:style>
+      <a:lnRef idx="2">
+        <a:scrgbClr r="0" g="0" b="0"/>
+      </a:lnRef>
+      <a:fillRef idx="1">
+        <a:scrgbClr r="0" g="0" b="0"/>
+      </a:fillRef>
+      <a:effectRef idx="0">
+        <a:scrgbClr r="0" g="0" b="0"/>
+      </a:effectRef>
+      <a:fontRef idx="minor"/>
+    </dgm:style>
+  </dgm:styleLbl>
+  <dgm:styleLbl name="solidBgAcc1">
+    <dgm:scene3d>
+      <a:camera prst="orthographicFront"/>
+      <a:lightRig rig="threePt" dir="t"/>
+    </dgm:scene3d>
+    <dgm:sp3d/>
+    <dgm:txPr/>
+    <dgm:style>
+      <a:lnRef idx="2">
+        <a:scrgbClr r="0" g="0" b="0"/>
+      </a:lnRef>
+      <a:fillRef idx="1">
+        <a:scrgbClr r="0" g="0" b="0"/>
+      </a:fillRef>
+      <a:effectRef idx="0">
+        <a:scrgbClr r="0" g="0" b="0"/>
+      </a:effectRef>
+      <a:fontRef idx="minor"/>
+    </dgm:style>
+  </dgm:styleLbl>
+  <dgm:styleLbl name="fgAccFollowNode1">
+    <dgm:scene3d>
+      <a:camera prst="orthographicFront"/>
+      <a:lightRig rig="threePt" dir="t"/>
+    </dgm:scene3d>
+    <dgm:sp3d/>
+    <dgm:txPr/>
+    <dgm:style>
+      <a:lnRef idx="2">
+        <a:scrgbClr r="0" g="0" b="0"/>
+      </a:lnRef>
+      <a:fillRef idx="1">
+        <a:scrgbClr r="0" g="0" b="0"/>
+      </a:fillRef>
+      <a:effectRef idx="0">
+        <a:scrgbClr r="0" g="0" b="0"/>
+      </a:effectRef>
+      <a:fontRef idx="minor"/>
+    </dgm:style>
+  </dgm:styleLbl>
+  <dgm:styleLbl name="alignAccFollowNode1">
+    <dgm:scene3d>
+      <a:camera prst="orthographicFront"/>
+      <a:lightRig rig="threePt" dir="t"/>
+    </dgm:scene3d>
+    <dgm:sp3d/>
+    <dgm:txPr/>
+    <dgm:style>
+      <a:lnRef idx="2">
+        <a:scrgbClr r="0" g="0" b="0"/>
+      </a:lnRef>
+      <a:fillRef idx="1">
+        <a:scrgbClr r="0" g="0" b="0"/>
+      </a:fillRef>
+      <a:effectRef idx="0">
+        <a:scrgbClr r="0" g="0" b="0"/>
+      </a:effectRef>
+      <a:fontRef idx="minor"/>
+    </dgm:style>
+  </dgm:styleLbl>
+  <dgm:styleLbl name="bgAccFollowNode1">
+    <dgm:scene3d>
+      <a:camera prst="orthographicFront"/>
+      <a:lightRig rig="threePt" dir="t"/>
+    </dgm:scene3d>
+    <dgm:sp3d/>
+    <dgm:txPr/>
+    <dgm:style>
+      <a:lnRef idx="2">
+        <a:scrgbClr r="0" g="0" b="0"/>
+      </a:lnRef>
+      <a:fillRef idx="1">
+        <a:scrgbClr r="0" g="0" b="0"/>
+      </a:fillRef>
+      <a:effectRef idx="0">
+        <a:scrgbClr r="0" g="0" b="0"/>
+      </a:effectRef>
+      <a:fontRef idx="minor"/>
+    </dgm:style>
+  </dgm:styleLbl>
+  <dgm:styleLbl name="fgAcc0">
+    <dgm:scene3d>
+      <a:camera prst="orthographicFront"/>
+      <a:lightRig rig="threePt" dir="t"/>
+    </dgm:scene3d>
+    <dgm:sp3d/>
+    <dgm:txPr/>
+    <dgm:style>
+      <a:lnRef idx="2">
+        <a:scrgbClr r="0" g="0" b="0"/>
+      </a:lnRef>
+      <a:fillRef idx="1">
+        <a:scrgbClr r="0" g="0" b="0"/>
+      </a:fillRef>
+      <a:effectRef idx="0">
+        <a:scrgbClr r="0" g="0" b="0"/>
+      </a:effectRef>
+      <a:fontRef idx="minor"/>
+    </dgm:style>
+  </dgm:styleLbl>
+  <dgm:styleLbl name="fgAcc2">
+    <dgm:scene3d>
+      <a:camera prst="orthographicFront"/>
+      <a:lightRig rig="threePt" dir="t"/>
+    </dgm:scene3d>
+    <dgm:sp3d/>
+    <dgm:txPr/>
+    <dgm:style>
+      <a:lnRef idx="2">
+        <a:scrgbClr r="0" g="0" b="0"/>
+      </a:lnRef>
+      <a:fillRef idx="1">
+        <a:scrgbClr r="0" g="0" b="0"/>
+      </a:fillRef>
+      <a:effectRef idx="0">
+        <a:scrgbClr r="0" g="0" b="0"/>
+      </a:effectRef>
+      <a:fontRef idx="minor"/>
+    </dgm:style>
+  </dgm:styleLbl>
+  <dgm:styleLbl name="fgAcc3">
+    <dgm:scene3d>
+      <a:camera prst="orthographicFront"/>
+      <a:lightRig rig="threePt" dir="t"/>
+    </dgm:scene3d>
+    <dgm:sp3d/>
+    <dgm:txPr/>
+    <dgm:style>
+      <a:lnRef idx="2">
+        <a:scrgbClr r="0" g="0" b="0"/>
+      </a:lnRef>
+      <a:fillRef idx="1">
+        <a:scrgbClr r="0" g="0" b="0"/>
+      </a:fillRef>
+      <a:effectRef idx="0">
+        <a:scrgbClr r="0" g="0" b="0"/>
+      </a:effectRef>
+      <a:fontRef idx="minor"/>
+    </dgm:style>
+  </dgm:styleLbl>
+  <dgm:styleLbl name="fgAcc4">
+    <dgm:scene3d>
+      <a:camera prst="orthographicFront"/>
+      <a:lightRig rig="threePt" dir="t"/>
+    </dgm:scene3d>
+    <dgm:sp3d/>
+    <dgm:txPr/>
+    <dgm:style>
+      <a:lnRef idx="2">
+        <a:scrgbClr r="0" g="0" b="0"/>
+      </a:lnRef>
+      <a:fillRef idx="1">
+        <a:scrgbClr r="0" g="0" b="0"/>
+      </a:fillRef>
+      <a:effectRef idx="0">
+        <a:scrgbClr r="0" g="0" b="0"/>
+      </a:effectRef>
+      <a:fontRef idx="minor"/>
+    </dgm:style>
+  </dgm:styleLbl>
+  <dgm:styleLbl name="bgShp">
+    <dgm:scene3d>
+      <a:camera prst="orthographicFront"/>
+      <a:lightRig rig="threePt" dir="t"/>
+    </dgm:scene3d>
+    <dgm:sp3d/>
+    <dgm:txPr/>
+    <dgm:style>
+      <a:lnRef idx="0">
+        <a:scrgbClr r="0" g="0" b="0"/>
+      </a:lnRef>
+      <a:fillRef idx="1">
+        <a:scrgbClr r="0" g="0" b="0"/>
+      </a:fillRef>
+      <a:effectRef idx="0">
+        <a:scrgbClr r="0" g="0" b="0"/>
+      </a:effectRef>
+      <a:fontRef idx="minor"/>
+    </dgm:style>
+  </dgm:styleLbl>
+  <dgm:styleLbl name="dkBgShp">
+    <dgm:scene3d>
+      <a:camera prst="orthographicFront"/>
+      <a:lightRig rig="threePt" dir="t"/>
+    </dgm:scene3d>
+    <dgm:sp3d/>
+    <dgm:txPr/>
+    <dgm:style>
+      <a:lnRef idx="0">
+        <a:scrgbClr r="0" g="0" b="0"/>
+      </a:lnRef>
+      <a:fillRef idx="1">
+        <a:scrgbClr r="0" g="0" b="0"/>
+      </a:fillRef>
+      <a:effectRef idx="0">
+        <a:scrgbClr r="0" g="0" b="0"/>
+      </a:effectRef>
+      <a:fontRef idx="minor"/>
+    </dgm:style>
+  </dgm:styleLbl>
+  <dgm:styleLbl name="trBgShp">
+    <dgm:scene3d>
+      <a:camera prst="orthographicFront"/>
+      <a:lightRig rig="threePt" dir="t"/>
+    </dgm:scene3d>
+    <dgm:sp3d/>
+    <dgm:txPr/>
+    <dgm:style>
+      <a:lnRef idx="0">
+        <a:scrgbClr r="0" g="0" b="0"/>
+      </a:lnRef>
+      <a:fillRef idx="1">
+        <a:scrgbClr r="0" g="0" b="0"/>
+      </a:fillRef>
+      <a:effectRef idx="0">
+        <a:scrgbClr r="0" g="0" b="0"/>
+      </a:effectRef>
+      <a:fontRef idx="minor"/>
+    </dgm:style>
+  </dgm:styleLbl>
+  <dgm:styleLbl name="fgShp">
+    <dgm:scene3d>
+      <a:camera prst="orthographicFront"/>
+      <a:lightRig rig="threePt" dir="t"/>
+    </dgm:scene3d>
+    <dgm:sp3d/>
+    <dgm:txPr/>
+    <dgm:style>
+      <a:lnRef idx="2">
+        <a:scrgbClr r="0" g="0" b="0"/>
+      </a:lnRef>
+      <a:fillRef idx="1">
+        <a:scrgbClr r="0" g="0" b="0"/>
+      </a:fillRef>
+      <a:effectRef idx="0">
+        <a:scrgbClr r="0" g="0" b="0"/>
+      </a:effectRef>
+      <a:fontRef idx="minor"/>
+    </dgm:style>
+  </dgm:styleLbl>
+  <dgm:styleLbl name="revTx">
+    <dgm:scene3d>
+      <a:camera prst="orthographicFront"/>
+      <a:lightRig rig="threePt" dir="t"/>
+    </dgm:scene3d>
+    <dgm:sp3d/>
+    <dgm:txPr/>
+    <dgm:style>
+      <a:lnRef idx="0">
+        <a:scrgbClr r="0" g="0" b="0"/>
+      </a:lnRef>
+      <a:fillRef idx="0">
+        <a:scrgbClr r="0" g="0" b="0"/>
+      </a:fillRef>
+      <a:effectRef idx="0">
+        <a:scrgbClr r="0" g="0" b="0"/>
+      </a:effectRef>
+      <a:fontRef idx="minor"/>
+    </dgm:style>
+  </dgm:styleLbl>
+</dgm:styleDef>
+</file>
+
+<file path=ppt/diagrams/quickStyle2.xml><?xml version="1.0" encoding="utf-8"?>
 <dgm:styleDef xmlns:dgm="http://schemas.openxmlformats.org/drawingml/2006/diagram" xmlns:a="http://schemas.openxmlformats.org/drawingml/2006/main" uniqueId="urn:microsoft.com/office/officeart/2005/8/quickstyle/simple3">
   <dgm:title val=""/>
   <dgm:desc val=""/>
@@ -5135,7 +10379,7 @@
           <a:p>
             <a:fld id="{F2C1BD64-26AB-4247-B2A4-EFEB4FFB9A63}" type="datetimeFigureOut">
               <a:rPr lang="pt-BR" smtClean="0"/>
-              <a:t>11/09/2023</a:t>
+              <a:t>15/09/2023</a:t>
             </a:fld>
             <a:endParaRPr lang="pt-BR"/>
           </a:p>
@@ -5305,7 +10549,7 @@
           <a:p>
             <a:fld id="{F2C1BD64-26AB-4247-B2A4-EFEB4FFB9A63}" type="datetimeFigureOut">
               <a:rPr lang="pt-BR" smtClean="0"/>
-              <a:t>11/09/2023</a:t>
+              <a:t>15/09/2023</a:t>
             </a:fld>
             <a:endParaRPr lang="pt-BR"/>
           </a:p>
@@ -5485,7 +10729,7 @@
           <a:p>
             <a:fld id="{F2C1BD64-26AB-4247-B2A4-EFEB4FFB9A63}" type="datetimeFigureOut">
               <a:rPr lang="pt-BR" smtClean="0"/>
-              <a:t>11/09/2023</a:t>
+              <a:t>15/09/2023</a:t>
             </a:fld>
             <a:endParaRPr lang="pt-BR"/>
           </a:p>
@@ -5655,7 +10899,7 @@
           <a:p>
             <a:fld id="{F2C1BD64-26AB-4247-B2A4-EFEB4FFB9A63}" type="datetimeFigureOut">
               <a:rPr lang="pt-BR" smtClean="0"/>
-              <a:t>11/09/2023</a:t>
+              <a:t>15/09/2023</a:t>
             </a:fld>
             <a:endParaRPr lang="pt-BR"/>
           </a:p>
@@ -5901,7 +11145,7 @@
           <a:p>
             <a:fld id="{F2C1BD64-26AB-4247-B2A4-EFEB4FFB9A63}" type="datetimeFigureOut">
               <a:rPr lang="pt-BR" smtClean="0"/>
-              <a:t>11/09/2023</a:t>
+              <a:t>15/09/2023</a:t>
             </a:fld>
             <a:endParaRPr lang="pt-BR"/>
           </a:p>
@@ -6133,7 +11377,7 @@
           <a:p>
             <a:fld id="{F2C1BD64-26AB-4247-B2A4-EFEB4FFB9A63}" type="datetimeFigureOut">
               <a:rPr lang="pt-BR" smtClean="0"/>
-              <a:t>11/09/2023</a:t>
+              <a:t>15/09/2023</a:t>
             </a:fld>
             <a:endParaRPr lang="pt-BR"/>
           </a:p>
@@ -6500,7 +11744,7 @@
           <a:p>
             <a:fld id="{F2C1BD64-26AB-4247-B2A4-EFEB4FFB9A63}" type="datetimeFigureOut">
               <a:rPr lang="pt-BR" smtClean="0"/>
-              <a:t>11/09/2023</a:t>
+              <a:t>15/09/2023</a:t>
             </a:fld>
             <a:endParaRPr lang="pt-BR"/>
           </a:p>
@@ -6618,7 +11862,7 @@
           <a:p>
             <a:fld id="{F2C1BD64-26AB-4247-B2A4-EFEB4FFB9A63}" type="datetimeFigureOut">
               <a:rPr lang="pt-BR" smtClean="0"/>
-              <a:t>11/09/2023</a:t>
+              <a:t>15/09/2023</a:t>
             </a:fld>
             <a:endParaRPr lang="pt-BR"/>
           </a:p>
@@ -6713,7 +11957,7 @@
           <a:p>
             <a:fld id="{F2C1BD64-26AB-4247-B2A4-EFEB4FFB9A63}" type="datetimeFigureOut">
               <a:rPr lang="pt-BR" smtClean="0"/>
-              <a:t>11/09/2023</a:t>
+              <a:t>15/09/2023</a:t>
             </a:fld>
             <a:endParaRPr lang="pt-BR"/>
           </a:p>
@@ -6990,7 +12234,7 @@
           <a:p>
             <a:fld id="{F2C1BD64-26AB-4247-B2A4-EFEB4FFB9A63}" type="datetimeFigureOut">
               <a:rPr lang="pt-BR" smtClean="0"/>
-              <a:t>11/09/2023</a:t>
+              <a:t>15/09/2023</a:t>
             </a:fld>
             <a:endParaRPr lang="pt-BR"/>
           </a:p>
@@ -7243,7 +12487,7 @@
           <a:p>
             <a:fld id="{F2C1BD64-26AB-4247-B2A4-EFEB4FFB9A63}" type="datetimeFigureOut">
               <a:rPr lang="pt-BR" smtClean="0"/>
-              <a:t>11/09/2023</a:t>
+              <a:t>15/09/2023</a:t>
             </a:fld>
             <a:endParaRPr lang="pt-BR"/>
           </a:p>
@@ -7456,7 +12700,7 @@
           <a:p>
             <a:fld id="{F2C1BD64-26AB-4247-B2A4-EFEB4FFB9A63}" type="datetimeFigureOut">
               <a:rPr lang="pt-BR" smtClean="0"/>
-              <a:t>11/09/2023</a:t>
+              <a:t>15/09/2023</a:t>
             </a:fld>
             <a:endParaRPr lang="pt-BR"/>
           </a:p>
@@ -7861,6 +13105,84 @@
           <a:chExt cx="0" cy="0"/>
         </a:xfrm>
       </p:grpSpPr>
+      <p:sp>
+        <p:nvSpPr>
+          <p:cNvPr id="2" name="Título 1"/>
+          <p:cNvSpPr>
+            <a:spLocks noGrp="1"/>
+          </p:cNvSpPr>
+          <p:nvPr>
+            <p:ph type="title"/>
+          </p:nvPr>
+        </p:nvSpPr>
+        <p:spPr/>
+        <p:txBody>
+          <a:bodyPr/>
+          <a:lstStyle/>
+          <a:p>
+            <a:r>
+              <a:rPr lang="pt-BR" dirty="0" smtClean="0"/>
+              <a:t>Primeira Parte</a:t>
+            </a:r>
+            <a:endParaRPr lang="pt-BR" dirty="0"/>
+          </a:p>
+        </p:txBody>
+      </p:sp>
+      <p:graphicFrame>
+        <p:nvGraphicFramePr>
+          <p:cNvPr id="4" name="Espaço Reservado para Conteúdo 3"/>
+          <p:cNvGraphicFramePr>
+            <a:graphicFrameLocks noGrp="1"/>
+          </p:cNvGraphicFramePr>
+          <p:nvPr>
+            <p:ph idx="1"/>
+            <p:extLst>
+              <p:ext uri="{D42A27DB-BD31-4B8C-83A1-F6EECF244321}">
+                <p14:modId xmlns:p14="http://schemas.microsoft.com/office/powerpoint/2010/main" val="4282295547"/>
+              </p:ext>
+            </p:extLst>
+          </p:nvPr>
+        </p:nvGraphicFramePr>
+        <p:xfrm>
+          <a:off x="838200" y="1408670"/>
+          <a:ext cx="10515600" cy="4768293"/>
+        </p:xfrm>
+        <a:graphic>
+          <a:graphicData uri="http://schemas.openxmlformats.org/drawingml/2006/diagram">
+            <dgm:relIds xmlns:dgm="http://schemas.openxmlformats.org/drawingml/2006/diagram" xmlns:r="http://schemas.openxmlformats.org/officeDocument/2006/relationships" r:dm="rId2" r:lo="rId3" r:qs="rId4" r:cs="rId5"/>
+          </a:graphicData>
+        </a:graphic>
+      </p:graphicFrame>
+    </p:spTree>
+    <p:extLst>
+      <p:ext uri="{BB962C8B-B14F-4D97-AF65-F5344CB8AC3E}">
+        <p14:creationId xmlns:p14="http://schemas.microsoft.com/office/powerpoint/2010/main" val="201354166"/>
+      </p:ext>
+    </p:extLst>
+  </p:cSld>
+  <p:clrMapOvr>
+    <a:masterClrMapping/>
+  </p:clrMapOvr>
+</p:sld>
+</file>
+
+<file path=ppt/slides/slide2.xml><?xml version="1.0" encoding="utf-8"?>
+<p:sld xmlns:a="http://schemas.openxmlformats.org/drawingml/2006/main" xmlns:r="http://schemas.openxmlformats.org/officeDocument/2006/relationships" xmlns:p="http://schemas.openxmlformats.org/presentationml/2006/main">
+  <p:cSld>
+    <p:spTree>
+      <p:nvGrpSpPr>
+        <p:cNvPr id="1" name=""/>
+        <p:cNvGrpSpPr/>
+        <p:nvPr/>
+      </p:nvGrpSpPr>
+      <p:grpSpPr>
+        <a:xfrm>
+          <a:off x="0" y="0"/>
+          <a:ext cx="0" cy="0"/>
+          <a:chOff x="0" y="0"/>
+          <a:chExt cx="0" cy="0"/>
+        </a:xfrm>
+      </p:grpSpPr>
       <p:graphicFrame>
         <p:nvGraphicFramePr>
           <p:cNvPr id="6" name="Diagrama 5"/>
